--- a/docs/PE.pptx
+++ b/docs/PE.pptx
@@ -4,14 +4,16 @@
   <p:sldMasterIdLst>
     <p:sldMasterId id="2147483660" r:id="rId1"/>
   </p:sldMasterIdLst>
+  <p:notesMasterIdLst>
+    <p:notesMasterId r:id="rId8"/>
+  </p:notesMasterIdLst>
   <p:sldIdLst>
     <p:sldId id="256" r:id="rId2"/>
-    <p:sldId id="257" r:id="rId3"/>
+    <p:sldId id="263" r:id="rId3"/>
     <p:sldId id="259" r:id="rId4"/>
-    <p:sldId id="258" r:id="rId5"/>
-    <p:sldId id="262" r:id="rId6"/>
-    <p:sldId id="260" r:id="rId7"/>
-    <p:sldId id="261" r:id="rId8"/>
+    <p:sldId id="265" r:id="rId5"/>
+    <p:sldId id="266" r:id="rId6"/>
+    <p:sldId id="267" r:id="rId7"/>
   </p:sldIdLst>
   <p:sldSz cx="12192000" cy="6858000"/>
   <p:notesSz cx="6858000" cy="9144000"/>
@@ -110,6 +112,11 @@
       </a:defRPr>
     </a:lvl9pPr>
   </p:defaultTextStyle>
+  <p:extLst>
+    <p:ext uri="{EFAFB233-063F-42B5-8137-9DF3F51BA10A}">
+      <p15:sldGuideLst xmlns:p15="http://schemas.microsoft.com/office/powerpoint/2012/main"/>
+    </p:ext>
+  </p:extLst>
 </p:presentation>
 </file>
 
@@ -1235,6 +1242,439 @@
     </pc:docChg>
   </pc:docChgLst>
 </pc:chgInfo>
+</file>
+
+<file path=ppt/notesMasters/notesMaster1.xml><?xml version="1.0" encoding="utf-8"?>
+<p:notesMaster xmlns:a="http://schemas.openxmlformats.org/drawingml/2006/main" xmlns:r="http://schemas.openxmlformats.org/officeDocument/2006/relationships" xmlns:p="http://schemas.openxmlformats.org/presentationml/2006/main">
+  <p:cSld>
+    <p:bg>
+      <p:bgRef idx="1001">
+        <a:schemeClr val="bg1"/>
+      </p:bgRef>
+    </p:bg>
+    <p:spTree>
+      <p:nvGrpSpPr>
+        <p:cNvPr id="1" name=""/>
+        <p:cNvGrpSpPr/>
+        <p:nvPr/>
+      </p:nvGrpSpPr>
+      <p:grpSpPr>
+        <a:xfrm>
+          <a:off x="0" y="0"/>
+          <a:ext cx="0" cy="0"/>
+          <a:chOff x="0" y="0"/>
+          <a:chExt cx="0" cy="0"/>
+        </a:xfrm>
+      </p:grpSpPr>
+      <p:sp>
+        <p:nvSpPr>
+          <p:cNvPr id="2" name="Header Placeholder 1"/>
+          <p:cNvSpPr>
+            <a:spLocks noGrp="1"/>
+          </p:cNvSpPr>
+          <p:nvPr>
+            <p:ph type="hdr" sz="quarter"/>
+          </p:nvPr>
+        </p:nvSpPr>
+        <p:spPr>
+          <a:xfrm>
+            <a:off x="0" y="0"/>
+            <a:ext cx="2971800" cy="458788"/>
+          </a:xfrm>
+          <a:prstGeom prst="rect">
+            <a:avLst/>
+          </a:prstGeom>
+        </p:spPr>
+        <p:txBody>
+          <a:bodyPr vert="horz" lIns="91440" tIns="45720" rIns="91440" bIns="45720" rtlCol="0"/>
+          <a:lstStyle>
+            <a:lvl1pPr algn="l">
+              <a:defRPr sz="1200"/>
+            </a:lvl1pPr>
+          </a:lstStyle>
+          <a:p>
+            <a:endParaRPr lang="en-US"/>
+          </a:p>
+        </p:txBody>
+      </p:sp>
+      <p:sp>
+        <p:nvSpPr>
+          <p:cNvPr id="3" name="Date Placeholder 2"/>
+          <p:cNvSpPr>
+            <a:spLocks noGrp="1"/>
+          </p:cNvSpPr>
+          <p:nvPr>
+            <p:ph type="dt" idx="1"/>
+          </p:nvPr>
+        </p:nvSpPr>
+        <p:spPr>
+          <a:xfrm>
+            <a:off x="3884613" y="0"/>
+            <a:ext cx="2971800" cy="458788"/>
+          </a:xfrm>
+          <a:prstGeom prst="rect">
+            <a:avLst/>
+          </a:prstGeom>
+        </p:spPr>
+        <p:txBody>
+          <a:bodyPr vert="horz" lIns="91440" tIns="45720" rIns="91440" bIns="45720" rtlCol="0"/>
+          <a:lstStyle>
+            <a:lvl1pPr algn="r">
+              <a:defRPr sz="1200"/>
+            </a:lvl1pPr>
+          </a:lstStyle>
+          <a:p>
+            <a:fld id="{444F6E4B-6478-4AD8-8DD8-8A2D2DE5044D}" type="datetimeFigureOut">
+              <a:rPr lang="en-US" smtClean="0"/>
+              <a:t>10/6/2020</a:t>
+            </a:fld>
+            <a:endParaRPr lang="en-US"/>
+          </a:p>
+        </p:txBody>
+      </p:sp>
+      <p:sp>
+        <p:nvSpPr>
+          <p:cNvPr id="4" name="Slide Image Placeholder 3"/>
+          <p:cNvSpPr>
+            <a:spLocks noGrp="1" noRot="1" noChangeAspect="1"/>
+          </p:cNvSpPr>
+          <p:nvPr>
+            <p:ph type="sldImg" idx="2"/>
+          </p:nvPr>
+        </p:nvSpPr>
+        <p:spPr>
+          <a:xfrm>
+            <a:off x="685800" y="1143000"/>
+            <a:ext cx="5486400" cy="3086100"/>
+          </a:xfrm>
+          <a:prstGeom prst="rect">
+            <a:avLst/>
+          </a:prstGeom>
+          <a:noFill/>
+          <a:ln w="12700">
+            <a:solidFill>
+              <a:prstClr val="black"/>
+            </a:solidFill>
+          </a:ln>
+        </p:spPr>
+        <p:txBody>
+          <a:bodyPr vert="horz" lIns="91440" tIns="45720" rIns="91440" bIns="45720" rtlCol="0" anchor="ctr"/>
+          <a:lstStyle/>
+          <a:p>
+            <a:endParaRPr lang="en-US"/>
+          </a:p>
+        </p:txBody>
+      </p:sp>
+      <p:sp>
+        <p:nvSpPr>
+          <p:cNvPr id="5" name="Notes Placeholder 4"/>
+          <p:cNvSpPr>
+            <a:spLocks noGrp="1"/>
+          </p:cNvSpPr>
+          <p:nvPr>
+            <p:ph type="body" sz="quarter" idx="3"/>
+          </p:nvPr>
+        </p:nvSpPr>
+        <p:spPr>
+          <a:xfrm>
+            <a:off x="685800" y="4400550"/>
+            <a:ext cx="5486400" cy="3600450"/>
+          </a:xfrm>
+          <a:prstGeom prst="rect">
+            <a:avLst/>
+          </a:prstGeom>
+        </p:spPr>
+        <p:txBody>
+          <a:bodyPr vert="horz" lIns="91440" tIns="45720" rIns="91440" bIns="45720" rtlCol="0"/>
+          <a:lstStyle/>
+          <a:p>
+            <a:pPr lvl="0"/>
+            <a:r>
+              <a:rPr lang="en-US"/>
+              <a:t>Click to edit Master text styles</a:t>
+            </a:r>
+          </a:p>
+          <a:p>
+            <a:pPr lvl="1"/>
+            <a:r>
+              <a:rPr lang="en-US"/>
+              <a:t>Second level</a:t>
+            </a:r>
+          </a:p>
+          <a:p>
+            <a:pPr lvl="2"/>
+            <a:r>
+              <a:rPr lang="en-US"/>
+              <a:t>Third level</a:t>
+            </a:r>
+          </a:p>
+          <a:p>
+            <a:pPr lvl="3"/>
+            <a:r>
+              <a:rPr lang="en-US"/>
+              <a:t>Fourth level</a:t>
+            </a:r>
+          </a:p>
+          <a:p>
+            <a:pPr lvl="4"/>
+            <a:r>
+              <a:rPr lang="en-US"/>
+              <a:t>Fifth level</a:t>
+            </a:r>
+          </a:p>
+        </p:txBody>
+      </p:sp>
+      <p:sp>
+        <p:nvSpPr>
+          <p:cNvPr id="6" name="Footer Placeholder 5"/>
+          <p:cNvSpPr>
+            <a:spLocks noGrp="1"/>
+          </p:cNvSpPr>
+          <p:nvPr>
+            <p:ph type="ftr" sz="quarter" idx="4"/>
+          </p:nvPr>
+        </p:nvSpPr>
+        <p:spPr>
+          <a:xfrm>
+            <a:off x="0" y="8685213"/>
+            <a:ext cx="2971800" cy="458787"/>
+          </a:xfrm>
+          <a:prstGeom prst="rect">
+            <a:avLst/>
+          </a:prstGeom>
+        </p:spPr>
+        <p:txBody>
+          <a:bodyPr vert="horz" lIns="91440" tIns="45720" rIns="91440" bIns="45720" rtlCol="0" anchor="b"/>
+          <a:lstStyle>
+            <a:lvl1pPr algn="l">
+              <a:defRPr sz="1200"/>
+            </a:lvl1pPr>
+          </a:lstStyle>
+          <a:p>
+            <a:endParaRPr lang="en-US"/>
+          </a:p>
+        </p:txBody>
+      </p:sp>
+      <p:sp>
+        <p:nvSpPr>
+          <p:cNvPr id="7" name="Slide Number Placeholder 6"/>
+          <p:cNvSpPr>
+            <a:spLocks noGrp="1"/>
+          </p:cNvSpPr>
+          <p:nvPr>
+            <p:ph type="sldNum" sz="quarter" idx="5"/>
+          </p:nvPr>
+        </p:nvSpPr>
+        <p:spPr>
+          <a:xfrm>
+            <a:off x="3884613" y="8685213"/>
+            <a:ext cx="2971800" cy="458787"/>
+          </a:xfrm>
+          <a:prstGeom prst="rect">
+            <a:avLst/>
+          </a:prstGeom>
+        </p:spPr>
+        <p:txBody>
+          <a:bodyPr vert="horz" lIns="91440" tIns="45720" rIns="91440" bIns="45720" rtlCol="0" anchor="b"/>
+          <a:lstStyle>
+            <a:lvl1pPr algn="r">
+              <a:defRPr sz="1200"/>
+            </a:lvl1pPr>
+          </a:lstStyle>
+          <a:p>
+            <a:fld id="{4956E257-BA03-4551-84B4-C026AC9ADEDE}" type="slidenum">
+              <a:rPr lang="en-US" smtClean="0"/>
+              <a:t>‹#›</a:t>
+            </a:fld>
+            <a:endParaRPr lang="en-US"/>
+          </a:p>
+        </p:txBody>
+      </p:sp>
+    </p:spTree>
+    <p:extLst>
+      <p:ext uri="{BB962C8B-B14F-4D97-AF65-F5344CB8AC3E}">
+        <p14:creationId xmlns:p14="http://schemas.microsoft.com/office/powerpoint/2010/main" val="2163783922"/>
+      </p:ext>
+    </p:extLst>
+  </p:cSld>
+  <p:clrMap bg1="lt1" tx1="dk1" bg2="lt2" tx2="dk2" accent1="accent1" accent2="accent2" accent3="accent3" accent4="accent4" accent5="accent5" accent6="accent6" hlink="hlink" folHlink="folHlink"/>
+  <p:notesStyle>
+    <a:lvl1pPr marL="0" algn="l" defTabSz="914400" rtl="0" eaLnBrk="1" latinLnBrk="0" hangingPunct="1">
+      <a:defRPr sz="1200" kern="1200">
+        <a:solidFill>
+          <a:schemeClr val="tx1"/>
+        </a:solidFill>
+        <a:latin typeface="+mn-lt"/>
+        <a:ea typeface="+mn-ea"/>
+        <a:cs typeface="+mn-cs"/>
+      </a:defRPr>
+    </a:lvl1pPr>
+    <a:lvl2pPr marL="457200" algn="l" defTabSz="914400" rtl="0" eaLnBrk="1" latinLnBrk="0" hangingPunct="1">
+      <a:defRPr sz="1200" kern="1200">
+        <a:solidFill>
+          <a:schemeClr val="tx1"/>
+        </a:solidFill>
+        <a:latin typeface="+mn-lt"/>
+        <a:ea typeface="+mn-ea"/>
+        <a:cs typeface="+mn-cs"/>
+      </a:defRPr>
+    </a:lvl2pPr>
+    <a:lvl3pPr marL="914400" algn="l" defTabSz="914400" rtl="0" eaLnBrk="1" latinLnBrk="0" hangingPunct="1">
+      <a:defRPr sz="1200" kern="1200">
+        <a:solidFill>
+          <a:schemeClr val="tx1"/>
+        </a:solidFill>
+        <a:latin typeface="+mn-lt"/>
+        <a:ea typeface="+mn-ea"/>
+        <a:cs typeface="+mn-cs"/>
+      </a:defRPr>
+    </a:lvl3pPr>
+    <a:lvl4pPr marL="1371600" algn="l" defTabSz="914400" rtl="0" eaLnBrk="1" latinLnBrk="0" hangingPunct="1">
+      <a:defRPr sz="1200" kern="1200">
+        <a:solidFill>
+          <a:schemeClr val="tx1"/>
+        </a:solidFill>
+        <a:latin typeface="+mn-lt"/>
+        <a:ea typeface="+mn-ea"/>
+        <a:cs typeface="+mn-cs"/>
+      </a:defRPr>
+    </a:lvl4pPr>
+    <a:lvl5pPr marL="1828800" algn="l" defTabSz="914400" rtl="0" eaLnBrk="1" latinLnBrk="0" hangingPunct="1">
+      <a:defRPr sz="1200" kern="1200">
+        <a:solidFill>
+          <a:schemeClr val="tx1"/>
+        </a:solidFill>
+        <a:latin typeface="+mn-lt"/>
+        <a:ea typeface="+mn-ea"/>
+        <a:cs typeface="+mn-cs"/>
+      </a:defRPr>
+    </a:lvl5pPr>
+    <a:lvl6pPr marL="2286000" algn="l" defTabSz="914400" rtl="0" eaLnBrk="1" latinLnBrk="0" hangingPunct="1">
+      <a:defRPr sz="1200" kern="1200">
+        <a:solidFill>
+          <a:schemeClr val="tx1"/>
+        </a:solidFill>
+        <a:latin typeface="+mn-lt"/>
+        <a:ea typeface="+mn-ea"/>
+        <a:cs typeface="+mn-cs"/>
+      </a:defRPr>
+    </a:lvl6pPr>
+    <a:lvl7pPr marL="2743200" algn="l" defTabSz="914400" rtl="0" eaLnBrk="1" latinLnBrk="0" hangingPunct="1">
+      <a:defRPr sz="1200" kern="1200">
+        <a:solidFill>
+          <a:schemeClr val="tx1"/>
+        </a:solidFill>
+        <a:latin typeface="+mn-lt"/>
+        <a:ea typeface="+mn-ea"/>
+        <a:cs typeface="+mn-cs"/>
+      </a:defRPr>
+    </a:lvl7pPr>
+    <a:lvl8pPr marL="3200400" algn="l" defTabSz="914400" rtl="0" eaLnBrk="1" latinLnBrk="0" hangingPunct="1">
+      <a:defRPr sz="1200" kern="1200">
+        <a:solidFill>
+          <a:schemeClr val="tx1"/>
+        </a:solidFill>
+        <a:latin typeface="+mn-lt"/>
+        <a:ea typeface="+mn-ea"/>
+        <a:cs typeface="+mn-cs"/>
+      </a:defRPr>
+    </a:lvl8pPr>
+    <a:lvl9pPr marL="3657600" algn="l" defTabSz="914400" rtl="0" eaLnBrk="1" latinLnBrk="0" hangingPunct="1">
+      <a:defRPr sz="1200" kern="1200">
+        <a:solidFill>
+          <a:schemeClr val="tx1"/>
+        </a:solidFill>
+        <a:latin typeface="+mn-lt"/>
+        <a:ea typeface="+mn-ea"/>
+        <a:cs typeface="+mn-cs"/>
+      </a:defRPr>
+    </a:lvl9pPr>
+  </p:notesStyle>
+</p:notesMaster>
+</file>
+
+<file path=ppt/notesSlides/notesSlide1.xml><?xml version="1.0" encoding="utf-8"?>
+<p:notes xmlns:a="http://schemas.openxmlformats.org/drawingml/2006/main" xmlns:r="http://schemas.openxmlformats.org/officeDocument/2006/relationships" xmlns:p="http://schemas.openxmlformats.org/presentationml/2006/main">
+  <p:cSld>
+    <p:spTree>
+      <p:nvGrpSpPr>
+        <p:cNvPr id="1" name=""/>
+        <p:cNvGrpSpPr/>
+        <p:nvPr/>
+      </p:nvGrpSpPr>
+      <p:grpSpPr>
+        <a:xfrm>
+          <a:off x="0" y="0"/>
+          <a:ext cx="0" cy="0"/>
+          <a:chOff x="0" y="0"/>
+          <a:chExt cx="0" cy="0"/>
+        </a:xfrm>
+      </p:grpSpPr>
+      <p:sp>
+        <p:nvSpPr>
+          <p:cNvPr id="2" name="Slide Image Placeholder 1"/>
+          <p:cNvSpPr>
+            <a:spLocks noGrp="1" noRot="1" noChangeAspect="1"/>
+          </p:cNvSpPr>
+          <p:nvPr>
+            <p:ph type="sldImg"/>
+          </p:nvPr>
+        </p:nvSpPr>
+        <p:spPr/>
+      </p:sp>
+      <p:sp>
+        <p:nvSpPr>
+          <p:cNvPr id="3" name="Notes Placeholder 2"/>
+          <p:cNvSpPr>
+            <a:spLocks noGrp="1"/>
+          </p:cNvSpPr>
+          <p:nvPr>
+            <p:ph type="body" idx="1"/>
+          </p:nvPr>
+        </p:nvSpPr>
+        <p:spPr/>
+        <p:txBody>
+          <a:bodyPr/>
+          <a:lstStyle/>
+          <a:p>
+            <a:endParaRPr lang="en-US" dirty="0"/>
+          </a:p>
+        </p:txBody>
+      </p:sp>
+      <p:sp>
+        <p:nvSpPr>
+          <p:cNvPr id="4" name="Slide Number Placeholder 3"/>
+          <p:cNvSpPr>
+            <a:spLocks noGrp="1"/>
+          </p:cNvSpPr>
+          <p:nvPr>
+            <p:ph type="sldNum" sz="quarter" idx="5"/>
+          </p:nvPr>
+        </p:nvSpPr>
+        <p:spPr/>
+        <p:txBody>
+          <a:bodyPr/>
+          <a:lstStyle/>
+          <a:p>
+            <a:fld id="{4956E257-BA03-4551-84B4-C026AC9ADEDE}" type="slidenum">
+              <a:rPr lang="en-US" smtClean="0"/>
+              <a:t>4</a:t>
+            </a:fld>
+            <a:endParaRPr lang="en-US"/>
+          </a:p>
+        </p:txBody>
+      </p:sp>
+    </p:spTree>
+    <p:extLst>
+      <p:ext uri="{BB962C8B-B14F-4D97-AF65-F5344CB8AC3E}">
+        <p14:creationId xmlns:p14="http://schemas.microsoft.com/office/powerpoint/2010/main" val="4239418650"/>
+      </p:ext>
+    </p:extLst>
+  </p:cSld>
+  <p:clrMapOvr>
+    <a:masterClrMapping/>
+  </p:clrMapOvr>
+</p:notes>
 </file>
 
 <file path=ppt/slideLayouts/slideLayout1.xml><?xml version="1.0" encoding="utf-8"?>
@@ -1384,7 +1824,7 @@
           <a:p>
             <a:fld id="{65B910DF-B555-4D30-B35E-2297D59E32D0}" type="datetime1">
               <a:rPr lang="en-US" smtClean="0"/>
-              <a:t>9/14/2020</a:t>
+              <a:t>10/6/2020</a:t>
             </a:fld>
             <a:endParaRPr lang="en-US" dirty="0"/>
           </a:p>
@@ -1587,7 +2027,7 @@
           <a:p>
             <a:fld id="{29D1D79F-E600-4AC1-A639-0B9FB8286C38}" type="datetime1">
               <a:rPr lang="en-US" smtClean="0"/>
-              <a:t>9/14/2020</a:t>
+              <a:t>10/6/2020</a:t>
             </a:fld>
             <a:endParaRPr lang="en-US" dirty="0"/>
           </a:p>
@@ -1800,7 +2240,7 @@
           <a:p>
             <a:fld id="{390F5D60-A842-4D08-9D7D-A7A57AB501A2}" type="datetime1">
               <a:rPr lang="en-US" smtClean="0"/>
-              <a:t>9/14/2020</a:t>
+              <a:t>10/6/2020</a:t>
             </a:fld>
             <a:endParaRPr lang="en-US" dirty="0"/>
           </a:p>
@@ -2015,7 +2455,7 @@
           <a:p>
             <a:fld id="{0DF2F1F9-9322-493A-A9EE-BB75692CE5F5}" type="datetime1">
               <a:rPr lang="en-US" smtClean="0"/>
-              <a:t>9/14/2020</a:t>
+              <a:t>10/6/2020</a:t>
             </a:fld>
             <a:endParaRPr lang="en-US" dirty="0"/>
           </a:p>
@@ -2295,7 +2735,7 @@
           <a:p>
             <a:fld id="{7858DE51-4D5E-4D23-8181-86A5B05D5351}" type="datetime1">
               <a:rPr lang="en-US" smtClean="0"/>
-              <a:t>9/14/2020</a:t>
+              <a:t>10/6/2020</a:t>
             </a:fld>
             <a:endParaRPr lang="en-US" dirty="0"/>
           </a:p>
@@ -2565,7 +3005,7 @@
           <a:p>
             <a:fld id="{9C399FCA-87F3-427A-B1A2-15346103C68A}" type="datetime1">
               <a:rPr lang="en-US" smtClean="0"/>
-              <a:t>9/14/2020</a:t>
+              <a:t>10/6/2020</a:t>
             </a:fld>
             <a:endParaRPr lang="en-US" dirty="0"/>
           </a:p>
@@ -2982,7 +3422,7 @@
           <a:p>
             <a:fld id="{693DF709-7E2D-49E6-A629-D8E3363D194F}" type="datetime1">
               <a:rPr lang="en-US" smtClean="0"/>
-              <a:t>9/14/2020</a:t>
+              <a:t>10/6/2020</a:t>
             </a:fld>
             <a:endParaRPr lang="en-US" dirty="0"/>
           </a:p>
@@ -3128,7 +3568,7 @@
           <a:p>
             <a:fld id="{85D0A921-9375-4BAA-A7C2-7975528669FA}" type="datetime1">
               <a:rPr lang="en-US" smtClean="0"/>
-              <a:t>9/14/2020</a:t>
+              <a:t>10/6/2020</a:t>
             </a:fld>
             <a:endParaRPr lang="en-US" dirty="0"/>
           </a:p>
@@ -3246,7 +3686,7 @@
           <a:p>
             <a:fld id="{A5D25425-F285-48AE-A409-A618E3EEA628}" type="datetime1">
               <a:rPr lang="en-US" smtClean="0"/>
-              <a:t>9/14/2020</a:t>
+              <a:t>10/6/2020</a:t>
             </a:fld>
             <a:endParaRPr lang="en-US" dirty="0"/>
           </a:p>
@@ -3562,7 +4002,7 @@
           <a:p>
             <a:fld id="{EB56A94D-7D6A-4378-93F6-A3A33186E34B}" type="datetime1">
               <a:rPr lang="en-US" smtClean="0"/>
-              <a:t>9/14/2020</a:t>
+              <a:t>10/6/2020</a:t>
             </a:fld>
             <a:endParaRPr lang="en-US" dirty="0"/>
           </a:p>
@@ -3858,7 +4298,7 @@
           <a:p>
             <a:fld id="{285FC0F9-687B-4417-9D77-CE2D7AD8C321}" type="datetime1">
               <a:rPr lang="en-US" smtClean="0"/>
-              <a:t>9/14/2020</a:t>
+              <a:t>10/6/2020</a:t>
             </a:fld>
             <a:endParaRPr lang="en-US" dirty="0"/>
           </a:p>
@@ -4895,7 +5335,7 @@
           <a:p>
             <a:fld id="{B32DFD30-2122-4F4A-97B4-D0A849E36C5F}" type="datetime1">
               <a:rPr lang="en-US" smtClean="0"/>
-              <a:t>9/14/2020</a:t>
+              <a:t>10/6/2020</a:t>
             </a:fld>
             <a:endParaRPr lang="en-US" dirty="0"/>
           </a:p>
@@ -5343,7 +5783,7 @@
       </p:grpSpPr>
       <p:sp useBgFill="1">
         <p:nvSpPr>
-          <p:cNvPr id="37" name="Rectangle 25">
+          <p:cNvPr id="46" name="Rectangle 45">
             <a:extLst>
               <a:ext uri="{FF2B5EF4-FFF2-40B4-BE49-F238E27FC236}">
                 <a16:creationId xmlns:a16="http://schemas.microsoft.com/office/drawing/2014/main" id="{4E1EF4E8-5513-4BF5-BC41-04645281C672}"/>
@@ -5391,41 +5831,130 @@
           </a:p>
         </p:txBody>
       </p:sp>
-      <p:pic>
-        <p:nvPicPr>
-          <p:cNvPr id="19" name="Picture 3">
+      <p:sp>
+        <p:nvSpPr>
+          <p:cNvPr id="48" name="Rectangle 47">
             <a:extLst>
               <a:ext uri="{FF2B5EF4-FFF2-40B4-BE49-F238E27FC236}">
-                <a16:creationId xmlns:a16="http://schemas.microsoft.com/office/drawing/2014/main" id="{63FF164A-2D07-4C44-87D2-7D99BEBDF110}"/>
+                <a16:creationId xmlns:a16="http://schemas.microsoft.com/office/drawing/2014/main" id="{361EA5BB-A258-4E22-94F4-C79A441363DA}"/>
+              </a:ext>
+              <a:ext uri="{C183D7F6-B498-43B3-948B-1728B52AA6E4}">
+                <adec:decorative xmlns:adec="http://schemas.microsoft.com/office/drawing/2017/decorative" val="1"/>
               </a:ext>
             </a:extLst>
           </p:cNvPr>
-          <p:cNvPicPr>
-            <a:picLocks noChangeAspect="1"/>
-          </p:cNvPicPr>
-          <p:nvPr/>
-        </p:nvPicPr>
-        <p:blipFill rotWithShape="1">
-          <a:blip r:embed="rId2"/>
-          <a:srcRect t="7017" b="8713"/>
-          <a:stretch/>
-        </p:blipFill>
+          <p:cNvSpPr>
+            <a:spLocks noGrp="1" noRot="1" noChangeAspect="1" noMove="1" noResize="1" noEditPoints="1" noAdjustHandles="1" noChangeArrowheads="1" noChangeShapeType="1" noTextEdit="1"/>
+          </p:cNvSpPr>
+          <p:nvPr>
+            <p:extLst>
+              <p:ext uri="{386F3935-93C4-4BCD-93E2-E3B085C9AB24}">
+                <p16:designElem xmlns:p16="http://schemas.microsoft.com/office/powerpoint/2015/main" val="1"/>
+              </p:ext>
+            </p:extLst>
+          </p:nvPr>
+        </p:nvSpPr>
         <p:spPr>
           <a:xfrm>
-            <a:off x="20" y="10"/>
-            <a:ext cx="12191980" cy="6857989"/>
+            <a:off x="0" y="0"/>
+            <a:ext cx="12192000" cy="6858000"/>
           </a:xfrm>
           <a:prstGeom prst="rect">
             <a:avLst/>
           </a:prstGeom>
+          <a:solidFill>
+            <a:srgbClr val="FFFFFF">
+              <a:alpha val="10000"/>
+            </a:srgbClr>
+          </a:solidFill>
+          <a:ln w="3848" cap="flat">
+            <a:noFill/>
+            <a:prstDash val="solid"/>
+            <a:miter/>
+          </a:ln>
+          <a:effectLst/>
         </p:spPr>
-      </p:pic>
+        <p:txBody>
+          <a:bodyPr rtlCol="0" anchor="ctr"/>
+          <a:lstStyle/>
+          <a:p>
+            <a:endParaRPr lang="en-US" dirty="0">
+              <a:solidFill>
+                <a:schemeClr val="tx1"/>
+              </a:solidFill>
+            </a:endParaRPr>
+          </a:p>
+        </p:txBody>
+      </p:sp>
+      <p:sp>
+        <p:nvSpPr>
+          <p:cNvPr id="50" name="Rectangle 49">
+            <a:extLst>
+              <a:ext uri="{FF2B5EF4-FFF2-40B4-BE49-F238E27FC236}">
+                <a16:creationId xmlns:a16="http://schemas.microsoft.com/office/drawing/2014/main" id="{AF778DA5-2E76-4243-A41F-622B0A3705EA}"/>
+              </a:ext>
+              <a:ext uri="{C183D7F6-B498-43B3-948B-1728B52AA6E4}">
+                <adec:decorative xmlns:adec="http://schemas.microsoft.com/office/drawing/2017/decorative" val="1"/>
+              </a:ext>
+            </a:extLst>
+          </p:cNvPr>
+          <p:cNvSpPr>
+            <a:spLocks noGrp="1" noRot="1" noChangeAspect="1" noMove="1" noResize="1" noEditPoints="1" noAdjustHandles="1" noChangeArrowheads="1" noChangeShapeType="1" noTextEdit="1"/>
+          </p:cNvSpPr>
+          <p:nvPr>
+            <p:extLst>
+              <p:ext uri="{386F3935-93C4-4BCD-93E2-E3B085C9AB24}">
+                <p16:designElem xmlns:p16="http://schemas.microsoft.com/office/powerpoint/2015/main" val="1"/>
+              </p:ext>
+            </p:extLst>
+          </p:nvPr>
+        </p:nvSpPr>
+        <p:spPr>
+          <a:xfrm>
+            <a:off x="-6214" y="-2"/>
+            <a:ext cx="12213872" cy="6858001"/>
+          </a:xfrm>
+          <a:prstGeom prst="rect">
+            <a:avLst/>
+          </a:prstGeom>
+          <a:solidFill>
+            <a:schemeClr val="accent2"/>
+          </a:solidFill>
+          <a:ln>
+            <a:noFill/>
+          </a:ln>
+        </p:spPr>
+        <p:style>
+          <a:lnRef idx="2">
+            <a:schemeClr val="accent1">
+              <a:shade val="50000"/>
+            </a:schemeClr>
+          </a:lnRef>
+          <a:fillRef idx="1">
+            <a:schemeClr val="accent1"/>
+          </a:fillRef>
+          <a:effectRef idx="0">
+            <a:schemeClr val="accent1"/>
+          </a:effectRef>
+          <a:fontRef idx="minor">
+            <a:schemeClr val="lt1"/>
+          </a:fontRef>
+        </p:style>
+        <p:txBody>
+          <a:bodyPr rtlCol="0" anchor="ctr"/>
+          <a:lstStyle/>
+          <a:p>
+            <a:pPr algn="ctr"/>
+            <a:endParaRPr lang="en-US"/>
+          </a:p>
+        </p:txBody>
+      </p:sp>
       <p:grpSp>
         <p:nvGrpSpPr>
-          <p:cNvPr id="38" name="Group 27">
+          <p:cNvPr id="52" name="Group 51">
             <a:extLst>
               <a:ext uri="{FF2B5EF4-FFF2-40B4-BE49-F238E27FC236}">
-                <a16:creationId xmlns:a16="http://schemas.microsoft.com/office/drawing/2014/main" id="{E2F6F869-F143-4607-BEE5-AA6FEB71E109}"/>
+                <a16:creationId xmlns:a16="http://schemas.microsoft.com/office/drawing/2014/main" id="{5E2ECF49-80AF-40F0-8F4E-A3FD1038F997}"/>
               </a:ext>
               <a:ext uri="{C183D7F6-B498-43B3-948B-1728B52AA6E4}">
                 <adec:decorative xmlns:adec="http://schemas.microsoft.com/office/drawing/2017/decorative" val="1"/>
@@ -5445,18 +5974,18 @@
         </p:nvGrpSpPr>
         <p:grpSpPr>
           <a:xfrm>
-            <a:off x="438029" y="254882"/>
-            <a:ext cx="2063695" cy="2594445"/>
-            <a:chOff x="438029" y="254882"/>
-            <a:chExt cx="2063695" cy="2594445"/>
+            <a:off x="228600" y="329988"/>
+            <a:ext cx="11601588" cy="5954377"/>
+            <a:chOff x="228600" y="329988"/>
+            <a:chExt cx="11601588" cy="5954377"/>
           </a:xfrm>
         </p:grpSpPr>
-        <p:sp useBgFill="1">
+        <p:sp>
           <p:nvSpPr>
-            <p:cNvPr id="29" name="Graphic 10">
+            <p:cNvPr id="53" name="Graphic 10">
               <a:extLst>
                 <a:ext uri="{FF2B5EF4-FFF2-40B4-BE49-F238E27FC236}">
-                  <a16:creationId xmlns:a16="http://schemas.microsoft.com/office/drawing/2014/main" id="{C75470B2-BBA7-4280-A6F6-FAE9E9F1CC7A}"/>
+                  <a16:creationId xmlns:a16="http://schemas.microsoft.com/office/drawing/2014/main" id="{3EF42841-9A62-45AD-974F-C5BD69FB1781}"/>
                 </a:ext>
                 <a:ext uri="{C183D7F6-B498-43B3-948B-1728B52AA6E4}">
                   <adec:decorative xmlns:adec="http://schemas.microsoft.com/office/drawing/2017/decorative" val="1"/>
@@ -5474,7 +6003,2616 @@
           </p:nvSpPr>
           <p:spPr>
             <a:xfrm rot="2700000">
-              <a:off x="559425" y="995030"/>
+              <a:off x="555219" y="1044769"/>
+              <a:ext cx="1066799" cy="1066799"/>
+            </a:xfrm>
+            <a:custGeom>
+              <a:avLst/>
+              <a:gdLst>
+                <a:gd name="connsiteX0" fmla="*/ 4053340 w 6859500"/>
+                <a:gd name="connsiteY0" fmla="*/ 6235893 h 6859500"/>
+                <a:gd name="connsiteX1" fmla="*/ 4053340 w 6859500"/>
+                <a:gd name="connsiteY1" fmla="*/ 4053340 h 6859500"/>
+                <a:gd name="connsiteX2" fmla="*/ 6235893 w 6859500"/>
+                <a:gd name="connsiteY2" fmla="*/ 4053340 h 6859500"/>
+                <a:gd name="connsiteX3" fmla="*/ 6859501 w 6859500"/>
+                <a:gd name="connsiteY3" fmla="*/ 3429731 h 6859500"/>
+                <a:gd name="connsiteX4" fmla="*/ 6235893 w 6859500"/>
+                <a:gd name="connsiteY4" fmla="*/ 2806123 h 6859500"/>
+                <a:gd name="connsiteX5" fmla="*/ 4053340 w 6859500"/>
+                <a:gd name="connsiteY5" fmla="*/ 2806123 h 6859500"/>
+                <a:gd name="connsiteX6" fmla="*/ 4053340 w 6859500"/>
+                <a:gd name="connsiteY6" fmla="*/ 623608 h 6859500"/>
+                <a:gd name="connsiteX7" fmla="*/ 3429731 w 6859500"/>
+                <a:gd name="connsiteY7" fmla="*/ 0 h 6859500"/>
+                <a:gd name="connsiteX8" fmla="*/ 2806123 w 6859500"/>
+                <a:gd name="connsiteY8" fmla="*/ 623608 h 6859500"/>
+                <a:gd name="connsiteX9" fmla="*/ 2806123 w 6859500"/>
+                <a:gd name="connsiteY9" fmla="*/ 2806161 h 6859500"/>
+                <a:gd name="connsiteX10" fmla="*/ 623608 w 6859500"/>
+                <a:gd name="connsiteY10" fmla="*/ 2806161 h 6859500"/>
+                <a:gd name="connsiteX11" fmla="*/ 0 w 6859500"/>
+                <a:gd name="connsiteY11" fmla="*/ 3429731 h 6859500"/>
+                <a:gd name="connsiteX12" fmla="*/ 623608 w 6859500"/>
+                <a:gd name="connsiteY12" fmla="*/ 4053340 h 6859500"/>
+                <a:gd name="connsiteX13" fmla="*/ 2806161 w 6859500"/>
+                <a:gd name="connsiteY13" fmla="*/ 4053340 h 6859500"/>
+                <a:gd name="connsiteX14" fmla="*/ 2806161 w 6859500"/>
+                <a:gd name="connsiteY14" fmla="*/ 6235893 h 6859500"/>
+                <a:gd name="connsiteX15" fmla="*/ 3429770 w 6859500"/>
+                <a:gd name="connsiteY15" fmla="*/ 6859501 h 6859500"/>
+                <a:gd name="connsiteX16" fmla="*/ 4053340 w 6859500"/>
+                <a:gd name="connsiteY16" fmla="*/ 6235893 h 6859500"/>
+              </a:gdLst>
+              <a:ahLst/>
+              <a:cxnLst>
+                <a:cxn ang="0">
+                  <a:pos x="connsiteX0" y="connsiteY0"/>
+                </a:cxn>
+                <a:cxn ang="0">
+                  <a:pos x="connsiteX1" y="connsiteY1"/>
+                </a:cxn>
+                <a:cxn ang="0">
+                  <a:pos x="connsiteX2" y="connsiteY2"/>
+                </a:cxn>
+                <a:cxn ang="0">
+                  <a:pos x="connsiteX3" y="connsiteY3"/>
+                </a:cxn>
+                <a:cxn ang="0">
+                  <a:pos x="connsiteX4" y="connsiteY4"/>
+                </a:cxn>
+                <a:cxn ang="0">
+                  <a:pos x="connsiteX5" y="connsiteY5"/>
+                </a:cxn>
+                <a:cxn ang="0">
+                  <a:pos x="connsiteX6" y="connsiteY6"/>
+                </a:cxn>
+                <a:cxn ang="0">
+                  <a:pos x="connsiteX7" y="connsiteY7"/>
+                </a:cxn>
+                <a:cxn ang="0">
+                  <a:pos x="connsiteX8" y="connsiteY8"/>
+                </a:cxn>
+                <a:cxn ang="0">
+                  <a:pos x="connsiteX9" y="connsiteY9"/>
+                </a:cxn>
+                <a:cxn ang="0">
+                  <a:pos x="connsiteX10" y="connsiteY10"/>
+                </a:cxn>
+                <a:cxn ang="0">
+                  <a:pos x="connsiteX11" y="connsiteY11"/>
+                </a:cxn>
+                <a:cxn ang="0">
+                  <a:pos x="connsiteX12" y="connsiteY12"/>
+                </a:cxn>
+                <a:cxn ang="0">
+                  <a:pos x="connsiteX13" y="connsiteY13"/>
+                </a:cxn>
+                <a:cxn ang="0">
+                  <a:pos x="connsiteX14" y="connsiteY14"/>
+                </a:cxn>
+                <a:cxn ang="0">
+                  <a:pos x="connsiteX15" y="connsiteY15"/>
+                </a:cxn>
+                <a:cxn ang="0">
+                  <a:pos x="connsiteX16" y="connsiteY16"/>
+                </a:cxn>
+              </a:cxnLst>
+              <a:rect l="l" t="t" r="r" b="b"/>
+              <a:pathLst>
+                <a:path w="6859500" h="6859500">
+                  <a:moveTo>
+                    <a:pt x="4053340" y="6235893"/>
+                  </a:moveTo>
+                  <a:lnTo>
+                    <a:pt x="4053340" y="4053340"/>
+                  </a:lnTo>
+                  <a:lnTo>
+                    <a:pt x="6235893" y="4053340"/>
+                  </a:lnTo>
+                  <a:cubicBezTo>
+                    <a:pt x="6580293" y="4053340"/>
+                    <a:pt x="6859501" y="3774132"/>
+                    <a:pt x="6859501" y="3429731"/>
+                  </a:cubicBezTo>
+                  <a:cubicBezTo>
+                    <a:pt x="6859501" y="3085330"/>
+                    <a:pt x="6580332" y="2806123"/>
+                    <a:pt x="6235893" y="2806123"/>
+                  </a:cubicBezTo>
+                  <a:lnTo>
+                    <a:pt x="4053340" y="2806123"/>
+                  </a:lnTo>
+                  <a:lnTo>
+                    <a:pt x="4053340" y="623608"/>
+                  </a:lnTo>
+                  <a:cubicBezTo>
+                    <a:pt x="4053340" y="279208"/>
+                    <a:pt x="3774171" y="0"/>
+                    <a:pt x="3429731" y="0"/>
+                  </a:cubicBezTo>
+                  <a:cubicBezTo>
+                    <a:pt x="3085330" y="0"/>
+                    <a:pt x="2806123" y="279208"/>
+                    <a:pt x="2806123" y="623608"/>
+                  </a:cubicBezTo>
+                  <a:lnTo>
+                    <a:pt x="2806123" y="2806161"/>
+                  </a:lnTo>
+                  <a:lnTo>
+                    <a:pt x="623608" y="2806161"/>
+                  </a:lnTo>
+                  <a:cubicBezTo>
+                    <a:pt x="279208" y="2806161"/>
+                    <a:pt x="0" y="3085369"/>
+                    <a:pt x="0" y="3429731"/>
+                  </a:cubicBezTo>
+                  <a:cubicBezTo>
+                    <a:pt x="0" y="3774132"/>
+                    <a:pt x="279208" y="4053340"/>
+                    <a:pt x="623608" y="4053340"/>
+                  </a:cubicBezTo>
+                  <a:lnTo>
+                    <a:pt x="2806161" y="4053340"/>
+                  </a:lnTo>
+                  <a:lnTo>
+                    <a:pt x="2806161" y="6235893"/>
+                  </a:lnTo>
+                  <a:cubicBezTo>
+                    <a:pt x="2806161" y="6580293"/>
+                    <a:pt x="3085369" y="6859501"/>
+                    <a:pt x="3429770" y="6859501"/>
+                  </a:cubicBezTo>
+                  <a:cubicBezTo>
+                    <a:pt x="3774171" y="6859501"/>
+                    <a:pt x="4053340" y="6580293"/>
+                    <a:pt x="4053340" y="6235893"/>
+                  </a:cubicBezTo>
+                  <a:close/>
+                </a:path>
+              </a:pathLst>
+            </a:custGeom>
+            <a:solidFill>
+              <a:schemeClr val="accent2"/>
+            </a:solidFill>
+            <a:ln w="3848" cap="flat">
+              <a:noFill/>
+              <a:prstDash val="solid"/>
+              <a:miter/>
+            </a:ln>
+            <a:effectLst>
+              <a:outerShdw blurRad="101600" dist="38100" dir="16200000" rotWithShape="0">
+                <a:srgbClr val="000000">
+                  <a:alpha val="25000"/>
+                </a:srgbClr>
+              </a:outerShdw>
+            </a:effectLst>
+          </p:spPr>
+          <p:txBody>
+            <a:bodyPr rtlCol="0" anchor="ctr"/>
+            <a:lstStyle/>
+            <a:p>
+              <a:endParaRPr lang="en-US" dirty="0"/>
+            </a:p>
+          </p:txBody>
+        </p:sp>
+        <p:sp>
+          <p:nvSpPr>
+            <p:cNvPr id="54" name="Graphic 10">
+              <a:extLst>
+                <a:ext uri="{FF2B5EF4-FFF2-40B4-BE49-F238E27FC236}">
+                  <a16:creationId xmlns:a16="http://schemas.microsoft.com/office/drawing/2014/main" id="{DC90F08D-69EB-4DFA-8AEF-D78641C1F042}"/>
+                </a:ext>
+                <a:ext uri="{C183D7F6-B498-43B3-948B-1728B52AA6E4}">
+                  <adec:decorative xmlns:adec="http://schemas.microsoft.com/office/drawing/2017/decorative" val="1"/>
+                </a:ext>
+              </a:extLst>
+            </p:cNvPr>
+            <p:cNvSpPr/>
+            <p:nvPr>
+              <p:extLst>
+                <p:ext uri="{386F3935-93C4-4BCD-93E2-E3B085C9AB24}">
+                  <p16:designElem xmlns:p16="http://schemas.microsoft.com/office/powerpoint/2015/main" val="1"/>
+                </p:ext>
+              </p:extLst>
+            </p:nvPr>
+          </p:nvSpPr>
+          <p:spPr>
+            <a:xfrm rot="2700000">
+              <a:off x="1949692" y="329988"/>
+              <a:ext cx="485348" cy="485348"/>
+            </a:xfrm>
+            <a:custGeom>
+              <a:avLst/>
+              <a:gdLst>
+                <a:gd name="connsiteX0" fmla="*/ 4053340 w 6859500"/>
+                <a:gd name="connsiteY0" fmla="*/ 6235893 h 6859500"/>
+                <a:gd name="connsiteX1" fmla="*/ 4053340 w 6859500"/>
+                <a:gd name="connsiteY1" fmla="*/ 4053340 h 6859500"/>
+                <a:gd name="connsiteX2" fmla="*/ 6235893 w 6859500"/>
+                <a:gd name="connsiteY2" fmla="*/ 4053340 h 6859500"/>
+                <a:gd name="connsiteX3" fmla="*/ 6859501 w 6859500"/>
+                <a:gd name="connsiteY3" fmla="*/ 3429731 h 6859500"/>
+                <a:gd name="connsiteX4" fmla="*/ 6235893 w 6859500"/>
+                <a:gd name="connsiteY4" fmla="*/ 2806123 h 6859500"/>
+                <a:gd name="connsiteX5" fmla="*/ 4053340 w 6859500"/>
+                <a:gd name="connsiteY5" fmla="*/ 2806123 h 6859500"/>
+                <a:gd name="connsiteX6" fmla="*/ 4053340 w 6859500"/>
+                <a:gd name="connsiteY6" fmla="*/ 623608 h 6859500"/>
+                <a:gd name="connsiteX7" fmla="*/ 3429731 w 6859500"/>
+                <a:gd name="connsiteY7" fmla="*/ 0 h 6859500"/>
+                <a:gd name="connsiteX8" fmla="*/ 2806123 w 6859500"/>
+                <a:gd name="connsiteY8" fmla="*/ 623608 h 6859500"/>
+                <a:gd name="connsiteX9" fmla="*/ 2806123 w 6859500"/>
+                <a:gd name="connsiteY9" fmla="*/ 2806161 h 6859500"/>
+                <a:gd name="connsiteX10" fmla="*/ 623608 w 6859500"/>
+                <a:gd name="connsiteY10" fmla="*/ 2806161 h 6859500"/>
+                <a:gd name="connsiteX11" fmla="*/ 0 w 6859500"/>
+                <a:gd name="connsiteY11" fmla="*/ 3429731 h 6859500"/>
+                <a:gd name="connsiteX12" fmla="*/ 623608 w 6859500"/>
+                <a:gd name="connsiteY12" fmla="*/ 4053340 h 6859500"/>
+                <a:gd name="connsiteX13" fmla="*/ 2806161 w 6859500"/>
+                <a:gd name="connsiteY13" fmla="*/ 4053340 h 6859500"/>
+                <a:gd name="connsiteX14" fmla="*/ 2806161 w 6859500"/>
+                <a:gd name="connsiteY14" fmla="*/ 6235893 h 6859500"/>
+                <a:gd name="connsiteX15" fmla="*/ 3429770 w 6859500"/>
+                <a:gd name="connsiteY15" fmla="*/ 6859501 h 6859500"/>
+                <a:gd name="connsiteX16" fmla="*/ 4053340 w 6859500"/>
+                <a:gd name="connsiteY16" fmla="*/ 6235893 h 6859500"/>
+              </a:gdLst>
+              <a:ahLst/>
+              <a:cxnLst>
+                <a:cxn ang="0">
+                  <a:pos x="connsiteX0" y="connsiteY0"/>
+                </a:cxn>
+                <a:cxn ang="0">
+                  <a:pos x="connsiteX1" y="connsiteY1"/>
+                </a:cxn>
+                <a:cxn ang="0">
+                  <a:pos x="connsiteX2" y="connsiteY2"/>
+                </a:cxn>
+                <a:cxn ang="0">
+                  <a:pos x="connsiteX3" y="connsiteY3"/>
+                </a:cxn>
+                <a:cxn ang="0">
+                  <a:pos x="connsiteX4" y="connsiteY4"/>
+                </a:cxn>
+                <a:cxn ang="0">
+                  <a:pos x="connsiteX5" y="connsiteY5"/>
+                </a:cxn>
+                <a:cxn ang="0">
+                  <a:pos x="connsiteX6" y="connsiteY6"/>
+                </a:cxn>
+                <a:cxn ang="0">
+                  <a:pos x="connsiteX7" y="connsiteY7"/>
+                </a:cxn>
+                <a:cxn ang="0">
+                  <a:pos x="connsiteX8" y="connsiteY8"/>
+                </a:cxn>
+                <a:cxn ang="0">
+                  <a:pos x="connsiteX9" y="connsiteY9"/>
+                </a:cxn>
+                <a:cxn ang="0">
+                  <a:pos x="connsiteX10" y="connsiteY10"/>
+                </a:cxn>
+                <a:cxn ang="0">
+                  <a:pos x="connsiteX11" y="connsiteY11"/>
+                </a:cxn>
+                <a:cxn ang="0">
+                  <a:pos x="connsiteX12" y="connsiteY12"/>
+                </a:cxn>
+                <a:cxn ang="0">
+                  <a:pos x="connsiteX13" y="connsiteY13"/>
+                </a:cxn>
+                <a:cxn ang="0">
+                  <a:pos x="connsiteX14" y="connsiteY14"/>
+                </a:cxn>
+                <a:cxn ang="0">
+                  <a:pos x="connsiteX15" y="connsiteY15"/>
+                </a:cxn>
+                <a:cxn ang="0">
+                  <a:pos x="connsiteX16" y="connsiteY16"/>
+                </a:cxn>
+              </a:cxnLst>
+              <a:rect l="l" t="t" r="r" b="b"/>
+              <a:pathLst>
+                <a:path w="6859500" h="6859500">
+                  <a:moveTo>
+                    <a:pt x="4053340" y="6235893"/>
+                  </a:moveTo>
+                  <a:lnTo>
+                    <a:pt x="4053340" y="4053340"/>
+                  </a:lnTo>
+                  <a:lnTo>
+                    <a:pt x="6235893" y="4053340"/>
+                  </a:lnTo>
+                  <a:cubicBezTo>
+                    <a:pt x="6580293" y="4053340"/>
+                    <a:pt x="6859501" y="3774132"/>
+                    <a:pt x="6859501" y="3429731"/>
+                  </a:cubicBezTo>
+                  <a:cubicBezTo>
+                    <a:pt x="6859501" y="3085330"/>
+                    <a:pt x="6580332" y="2806123"/>
+                    <a:pt x="6235893" y="2806123"/>
+                  </a:cubicBezTo>
+                  <a:lnTo>
+                    <a:pt x="4053340" y="2806123"/>
+                  </a:lnTo>
+                  <a:lnTo>
+                    <a:pt x="4053340" y="623608"/>
+                  </a:lnTo>
+                  <a:cubicBezTo>
+                    <a:pt x="4053340" y="279208"/>
+                    <a:pt x="3774171" y="0"/>
+                    <a:pt x="3429731" y="0"/>
+                  </a:cubicBezTo>
+                  <a:cubicBezTo>
+                    <a:pt x="3085330" y="0"/>
+                    <a:pt x="2806123" y="279208"/>
+                    <a:pt x="2806123" y="623608"/>
+                  </a:cubicBezTo>
+                  <a:lnTo>
+                    <a:pt x="2806123" y="2806161"/>
+                  </a:lnTo>
+                  <a:lnTo>
+                    <a:pt x="623608" y="2806161"/>
+                  </a:lnTo>
+                  <a:cubicBezTo>
+                    <a:pt x="279208" y="2806161"/>
+                    <a:pt x="0" y="3085369"/>
+                    <a:pt x="0" y="3429731"/>
+                  </a:cubicBezTo>
+                  <a:cubicBezTo>
+                    <a:pt x="0" y="3774132"/>
+                    <a:pt x="279208" y="4053340"/>
+                    <a:pt x="623608" y="4053340"/>
+                  </a:cubicBezTo>
+                  <a:lnTo>
+                    <a:pt x="2806161" y="4053340"/>
+                  </a:lnTo>
+                  <a:lnTo>
+                    <a:pt x="2806161" y="6235893"/>
+                  </a:lnTo>
+                  <a:cubicBezTo>
+                    <a:pt x="2806161" y="6580293"/>
+                    <a:pt x="3085369" y="6859501"/>
+                    <a:pt x="3429770" y="6859501"/>
+                  </a:cubicBezTo>
+                  <a:cubicBezTo>
+                    <a:pt x="3774171" y="6859501"/>
+                    <a:pt x="4053340" y="6580293"/>
+                    <a:pt x="4053340" y="6235893"/>
+                  </a:cubicBezTo>
+                  <a:close/>
+                </a:path>
+              </a:pathLst>
+            </a:custGeom>
+            <a:solidFill>
+              <a:schemeClr val="accent2"/>
+            </a:solidFill>
+            <a:ln w="3848" cap="flat">
+              <a:noFill/>
+              <a:prstDash val="solid"/>
+              <a:miter/>
+            </a:ln>
+            <a:effectLst>
+              <a:outerShdw blurRad="101600" dist="38100" dir="16200000" rotWithShape="0">
+                <a:srgbClr val="000000">
+                  <a:alpha val="25000"/>
+                </a:srgbClr>
+              </a:outerShdw>
+            </a:effectLst>
+          </p:spPr>
+          <p:txBody>
+            <a:bodyPr rtlCol="0" anchor="ctr"/>
+            <a:lstStyle/>
+            <a:p>
+              <a:endParaRPr lang="en-US" dirty="0"/>
+            </a:p>
+          </p:txBody>
+        </p:sp>
+        <p:sp useBgFill="1">
+          <p:nvSpPr>
+            <p:cNvPr id="55" name="Graphic 10">
+              <a:extLst>
+                <a:ext uri="{FF2B5EF4-FFF2-40B4-BE49-F238E27FC236}">
+                  <a16:creationId xmlns:a16="http://schemas.microsoft.com/office/drawing/2014/main" id="{D7DBA6B9-151F-4966-AE62-954E45494860}"/>
+                </a:ext>
+                <a:ext uri="{C183D7F6-B498-43B3-948B-1728B52AA6E4}">
+                  <adec:decorative xmlns:adec="http://schemas.microsoft.com/office/drawing/2017/decorative" val="1"/>
+                </a:ext>
+              </a:extLst>
+            </p:cNvPr>
+            <p:cNvSpPr/>
+            <p:nvPr>
+              <p:extLst>
+                <p:ext uri="{386F3935-93C4-4BCD-93E2-E3B085C9AB24}">
+                  <p16:designElem xmlns:p16="http://schemas.microsoft.com/office/powerpoint/2015/main" val="1"/>
+                </p:ext>
+              </p:extLst>
+            </p:nvPr>
+          </p:nvSpPr>
+          <p:spPr>
+            <a:xfrm rot="2700000">
+              <a:off x="9286405" y="476589"/>
+              <a:ext cx="1910011" cy="1910011"/>
+            </a:xfrm>
+            <a:custGeom>
+              <a:avLst/>
+              <a:gdLst>
+                <a:gd name="connsiteX0" fmla="*/ 4053340 w 6859500"/>
+                <a:gd name="connsiteY0" fmla="*/ 6235893 h 6859500"/>
+                <a:gd name="connsiteX1" fmla="*/ 4053340 w 6859500"/>
+                <a:gd name="connsiteY1" fmla="*/ 4053340 h 6859500"/>
+                <a:gd name="connsiteX2" fmla="*/ 6235893 w 6859500"/>
+                <a:gd name="connsiteY2" fmla="*/ 4053340 h 6859500"/>
+                <a:gd name="connsiteX3" fmla="*/ 6859501 w 6859500"/>
+                <a:gd name="connsiteY3" fmla="*/ 3429731 h 6859500"/>
+                <a:gd name="connsiteX4" fmla="*/ 6235893 w 6859500"/>
+                <a:gd name="connsiteY4" fmla="*/ 2806123 h 6859500"/>
+                <a:gd name="connsiteX5" fmla="*/ 4053340 w 6859500"/>
+                <a:gd name="connsiteY5" fmla="*/ 2806123 h 6859500"/>
+                <a:gd name="connsiteX6" fmla="*/ 4053340 w 6859500"/>
+                <a:gd name="connsiteY6" fmla="*/ 623608 h 6859500"/>
+                <a:gd name="connsiteX7" fmla="*/ 3429731 w 6859500"/>
+                <a:gd name="connsiteY7" fmla="*/ 0 h 6859500"/>
+                <a:gd name="connsiteX8" fmla="*/ 2806123 w 6859500"/>
+                <a:gd name="connsiteY8" fmla="*/ 623608 h 6859500"/>
+                <a:gd name="connsiteX9" fmla="*/ 2806123 w 6859500"/>
+                <a:gd name="connsiteY9" fmla="*/ 2806161 h 6859500"/>
+                <a:gd name="connsiteX10" fmla="*/ 623608 w 6859500"/>
+                <a:gd name="connsiteY10" fmla="*/ 2806161 h 6859500"/>
+                <a:gd name="connsiteX11" fmla="*/ 0 w 6859500"/>
+                <a:gd name="connsiteY11" fmla="*/ 3429731 h 6859500"/>
+                <a:gd name="connsiteX12" fmla="*/ 623608 w 6859500"/>
+                <a:gd name="connsiteY12" fmla="*/ 4053340 h 6859500"/>
+                <a:gd name="connsiteX13" fmla="*/ 2806161 w 6859500"/>
+                <a:gd name="connsiteY13" fmla="*/ 4053340 h 6859500"/>
+                <a:gd name="connsiteX14" fmla="*/ 2806161 w 6859500"/>
+                <a:gd name="connsiteY14" fmla="*/ 6235893 h 6859500"/>
+                <a:gd name="connsiteX15" fmla="*/ 3429770 w 6859500"/>
+                <a:gd name="connsiteY15" fmla="*/ 6859501 h 6859500"/>
+                <a:gd name="connsiteX16" fmla="*/ 4053340 w 6859500"/>
+                <a:gd name="connsiteY16" fmla="*/ 6235893 h 6859500"/>
+              </a:gdLst>
+              <a:ahLst/>
+              <a:cxnLst>
+                <a:cxn ang="0">
+                  <a:pos x="connsiteX0" y="connsiteY0"/>
+                </a:cxn>
+                <a:cxn ang="0">
+                  <a:pos x="connsiteX1" y="connsiteY1"/>
+                </a:cxn>
+                <a:cxn ang="0">
+                  <a:pos x="connsiteX2" y="connsiteY2"/>
+                </a:cxn>
+                <a:cxn ang="0">
+                  <a:pos x="connsiteX3" y="connsiteY3"/>
+                </a:cxn>
+                <a:cxn ang="0">
+                  <a:pos x="connsiteX4" y="connsiteY4"/>
+                </a:cxn>
+                <a:cxn ang="0">
+                  <a:pos x="connsiteX5" y="connsiteY5"/>
+                </a:cxn>
+                <a:cxn ang="0">
+                  <a:pos x="connsiteX6" y="connsiteY6"/>
+                </a:cxn>
+                <a:cxn ang="0">
+                  <a:pos x="connsiteX7" y="connsiteY7"/>
+                </a:cxn>
+                <a:cxn ang="0">
+                  <a:pos x="connsiteX8" y="connsiteY8"/>
+                </a:cxn>
+                <a:cxn ang="0">
+                  <a:pos x="connsiteX9" y="connsiteY9"/>
+                </a:cxn>
+                <a:cxn ang="0">
+                  <a:pos x="connsiteX10" y="connsiteY10"/>
+                </a:cxn>
+                <a:cxn ang="0">
+                  <a:pos x="connsiteX11" y="connsiteY11"/>
+                </a:cxn>
+                <a:cxn ang="0">
+                  <a:pos x="connsiteX12" y="connsiteY12"/>
+                </a:cxn>
+                <a:cxn ang="0">
+                  <a:pos x="connsiteX13" y="connsiteY13"/>
+                </a:cxn>
+                <a:cxn ang="0">
+                  <a:pos x="connsiteX14" y="connsiteY14"/>
+                </a:cxn>
+                <a:cxn ang="0">
+                  <a:pos x="connsiteX15" y="connsiteY15"/>
+                </a:cxn>
+                <a:cxn ang="0">
+                  <a:pos x="connsiteX16" y="connsiteY16"/>
+                </a:cxn>
+              </a:cxnLst>
+              <a:rect l="l" t="t" r="r" b="b"/>
+              <a:pathLst>
+                <a:path w="6859500" h="6859500">
+                  <a:moveTo>
+                    <a:pt x="4053340" y="6235893"/>
+                  </a:moveTo>
+                  <a:lnTo>
+                    <a:pt x="4053340" y="4053340"/>
+                  </a:lnTo>
+                  <a:lnTo>
+                    <a:pt x="6235893" y="4053340"/>
+                  </a:lnTo>
+                  <a:cubicBezTo>
+                    <a:pt x="6580293" y="4053340"/>
+                    <a:pt x="6859501" y="3774132"/>
+                    <a:pt x="6859501" y="3429731"/>
+                  </a:cubicBezTo>
+                  <a:cubicBezTo>
+                    <a:pt x="6859501" y="3085330"/>
+                    <a:pt x="6580332" y="2806123"/>
+                    <a:pt x="6235893" y="2806123"/>
+                  </a:cubicBezTo>
+                  <a:lnTo>
+                    <a:pt x="4053340" y="2806123"/>
+                  </a:lnTo>
+                  <a:lnTo>
+                    <a:pt x="4053340" y="623608"/>
+                  </a:lnTo>
+                  <a:cubicBezTo>
+                    <a:pt x="4053340" y="279208"/>
+                    <a:pt x="3774171" y="0"/>
+                    <a:pt x="3429731" y="0"/>
+                  </a:cubicBezTo>
+                  <a:cubicBezTo>
+                    <a:pt x="3085330" y="0"/>
+                    <a:pt x="2806123" y="279208"/>
+                    <a:pt x="2806123" y="623608"/>
+                  </a:cubicBezTo>
+                  <a:lnTo>
+                    <a:pt x="2806123" y="2806161"/>
+                  </a:lnTo>
+                  <a:lnTo>
+                    <a:pt x="623608" y="2806161"/>
+                  </a:lnTo>
+                  <a:cubicBezTo>
+                    <a:pt x="279208" y="2806161"/>
+                    <a:pt x="0" y="3085369"/>
+                    <a:pt x="0" y="3429731"/>
+                  </a:cubicBezTo>
+                  <a:cubicBezTo>
+                    <a:pt x="0" y="3774132"/>
+                    <a:pt x="279208" y="4053340"/>
+                    <a:pt x="623608" y="4053340"/>
+                  </a:cubicBezTo>
+                  <a:lnTo>
+                    <a:pt x="2806161" y="4053340"/>
+                  </a:lnTo>
+                  <a:lnTo>
+                    <a:pt x="2806161" y="6235893"/>
+                  </a:lnTo>
+                  <a:cubicBezTo>
+                    <a:pt x="2806161" y="6580293"/>
+                    <a:pt x="3085369" y="6859501"/>
+                    <a:pt x="3429770" y="6859501"/>
+                  </a:cubicBezTo>
+                  <a:cubicBezTo>
+                    <a:pt x="3774171" y="6859501"/>
+                    <a:pt x="4053340" y="6580293"/>
+                    <a:pt x="4053340" y="6235893"/>
+                  </a:cubicBezTo>
+                  <a:close/>
+                </a:path>
+              </a:pathLst>
+            </a:custGeom>
+            <a:solidFill>
+              <a:schemeClr val="accent2"/>
+            </a:solidFill>
+            <a:ln w="3848" cap="flat">
+              <a:noFill/>
+              <a:prstDash val="solid"/>
+              <a:miter/>
+            </a:ln>
+            <a:effectLst>
+              <a:outerShdw blurRad="101600" dist="38100" dir="16200000" rotWithShape="0">
+                <a:srgbClr val="000000">
+                  <a:alpha val="25000"/>
+                </a:srgbClr>
+              </a:outerShdw>
+            </a:effectLst>
+          </p:spPr>
+          <p:txBody>
+            <a:bodyPr rtlCol="0" anchor="ctr"/>
+            <a:lstStyle/>
+            <a:p>
+              <a:endParaRPr lang="en-US"/>
+            </a:p>
+          </p:txBody>
+        </p:sp>
+        <p:sp>
+          <p:nvSpPr>
+            <p:cNvPr id="56" name="Oval 55">
+              <a:extLst>
+                <a:ext uri="{FF2B5EF4-FFF2-40B4-BE49-F238E27FC236}">
+                  <a16:creationId xmlns:a16="http://schemas.microsoft.com/office/drawing/2014/main" id="{CDE4DFBE-42D6-47AB-96E9-AF8F0E466FDC}"/>
+                </a:ext>
+                <a:ext uri="{C183D7F6-B498-43B3-948B-1728B52AA6E4}">
+                  <adec:decorative xmlns:adec="http://schemas.microsoft.com/office/drawing/2017/decorative" val="1"/>
+                </a:ext>
+              </a:extLst>
+            </p:cNvPr>
+            <p:cNvSpPr/>
+            <p:nvPr>
+              <p:extLst>
+                <p:ext uri="{386F3935-93C4-4BCD-93E2-E3B085C9AB24}">
+                  <p16:designElem xmlns:p16="http://schemas.microsoft.com/office/powerpoint/2015/main" val="1"/>
+                </p:ext>
+              </p:extLst>
+            </p:nvPr>
+          </p:nvSpPr>
+          <p:spPr>
+            <a:xfrm rot="10800000">
+              <a:off x="469978" y="517613"/>
+              <a:ext cx="261660" cy="261660"/>
+            </a:xfrm>
+            <a:prstGeom prst="ellipse">
+              <a:avLst/>
+            </a:prstGeom>
+            <a:solidFill>
+              <a:schemeClr val="accent2"/>
+            </a:solidFill>
+            <a:ln w="3848" cap="flat">
+              <a:noFill/>
+              <a:prstDash val="solid"/>
+              <a:miter/>
+            </a:ln>
+            <a:effectLst>
+              <a:outerShdw blurRad="101600" dist="38100" dir="16200000" rotWithShape="0">
+                <a:srgbClr val="000000">
+                  <a:alpha val="25000"/>
+                </a:srgbClr>
+              </a:outerShdw>
+            </a:effectLst>
+          </p:spPr>
+          <p:txBody>
+            <a:bodyPr rtlCol="0" anchor="ctr"/>
+            <a:lstStyle/>
+            <a:p>
+              <a:endParaRPr lang="en-US" dirty="0"/>
+            </a:p>
+          </p:txBody>
+        </p:sp>
+        <p:sp useBgFill="1">
+          <p:nvSpPr>
+            <p:cNvPr id="57" name="Oval 56">
+              <a:extLst>
+                <a:ext uri="{FF2B5EF4-FFF2-40B4-BE49-F238E27FC236}">
+                  <a16:creationId xmlns:a16="http://schemas.microsoft.com/office/drawing/2014/main" id="{943A78C4-A856-46A9-AD4C-42016120E4AE}"/>
+                </a:ext>
+                <a:ext uri="{C183D7F6-B498-43B3-948B-1728B52AA6E4}">
+                  <adec:decorative xmlns:adec="http://schemas.microsoft.com/office/drawing/2017/decorative" val="1"/>
+                </a:ext>
+              </a:extLst>
+            </p:cNvPr>
+            <p:cNvSpPr/>
+            <p:nvPr>
+              <p:extLst>
+                <p:ext uri="{386F3935-93C4-4BCD-93E2-E3B085C9AB24}">
+                  <p16:designElem xmlns:p16="http://schemas.microsoft.com/office/powerpoint/2015/main" val="1"/>
+                </p:ext>
+              </p:extLst>
+            </p:nvPr>
+          </p:nvSpPr>
+          <p:spPr>
+            <a:xfrm rot="10800000">
+              <a:off x="11515796" y="5858134"/>
+              <a:ext cx="261660" cy="261660"/>
+            </a:xfrm>
+            <a:prstGeom prst="ellipse">
+              <a:avLst/>
+            </a:prstGeom>
+            <a:solidFill>
+              <a:schemeClr val="accent2"/>
+            </a:solidFill>
+            <a:ln w="3848" cap="flat">
+              <a:noFill/>
+              <a:prstDash val="solid"/>
+              <a:miter/>
+            </a:ln>
+            <a:effectLst>
+              <a:outerShdw blurRad="101600" dist="38100" dir="16200000" rotWithShape="0">
+                <a:srgbClr val="000000">
+                  <a:alpha val="25000"/>
+                </a:srgbClr>
+              </a:outerShdw>
+            </a:effectLst>
+          </p:spPr>
+          <p:txBody>
+            <a:bodyPr rtlCol="0" anchor="ctr"/>
+            <a:lstStyle/>
+            <a:p>
+              <a:endParaRPr lang="en-US"/>
+            </a:p>
+          </p:txBody>
+        </p:sp>
+        <p:sp>
+          <p:nvSpPr>
+            <p:cNvPr id="58" name="Oval 57">
+              <a:extLst>
+                <a:ext uri="{FF2B5EF4-FFF2-40B4-BE49-F238E27FC236}">
+                  <a16:creationId xmlns:a16="http://schemas.microsoft.com/office/drawing/2014/main" id="{DCF809D8-1792-42EF-8E81-647E3C93BFB8}"/>
+                </a:ext>
+                <a:ext uri="{C183D7F6-B498-43B3-948B-1728B52AA6E4}">
+                  <adec:decorative xmlns:adec="http://schemas.microsoft.com/office/drawing/2017/decorative" val="1"/>
+                </a:ext>
+              </a:extLst>
+            </p:cNvPr>
+            <p:cNvSpPr/>
+            <p:nvPr>
+              <p:extLst>
+                <p:ext uri="{386F3935-93C4-4BCD-93E2-E3B085C9AB24}">
+                  <p16:designElem xmlns:p16="http://schemas.microsoft.com/office/powerpoint/2015/main" val="1"/>
+                </p:ext>
+              </p:extLst>
+            </p:nvPr>
+          </p:nvSpPr>
+          <p:spPr>
+            <a:xfrm rot="10800000">
+              <a:off x="228600" y="5865935"/>
+              <a:ext cx="418430" cy="418430"/>
+            </a:xfrm>
+            <a:prstGeom prst="ellipse">
+              <a:avLst/>
+            </a:prstGeom>
+            <a:solidFill>
+              <a:schemeClr val="accent2"/>
+            </a:solidFill>
+            <a:ln w="3848" cap="flat">
+              <a:noFill/>
+              <a:prstDash val="solid"/>
+              <a:miter/>
+            </a:ln>
+            <a:effectLst>
+              <a:outerShdw blurRad="101600" dist="38100" dir="16200000" rotWithShape="0">
+                <a:srgbClr val="000000">
+                  <a:alpha val="25000"/>
+                </a:srgbClr>
+              </a:outerShdw>
+            </a:effectLst>
+          </p:spPr>
+          <p:txBody>
+            <a:bodyPr rtlCol="0" anchor="ctr"/>
+            <a:lstStyle/>
+            <a:p>
+              <a:endParaRPr lang="en-US" dirty="0"/>
+            </a:p>
+          </p:txBody>
+        </p:sp>
+        <p:sp useBgFill="1">
+          <p:nvSpPr>
+            <p:cNvPr id="59" name="Oval 58">
+              <a:extLst>
+                <a:ext uri="{FF2B5EF4-FFF2-40B4-BE49-F238E27FC236}">
+                  <a16:creationId xmlns:a16="http://schemas.microsoft.com/office/drawing/2014/main" id="{A10D66A3-5A73-4B90-9D4A-F5CB9BBE11CD}"/>
+                </a:ext>
+                <a:ext uri="{C183D7F6-B498-43B3-948B-1728B52AA6E4}">
+                  <adec:decorative xmlns:adec="http://schemas.microsoft.com/office/drawing/2017/decorative" val="1"/>
+                </a:ext>
+              </a:extLst>
+            </p:cNvPr>
+            <p:cNvSpPr/>
+            <p:nvPr>
+              <p:extLst>
+                <p:ext uri="{386F3935-93C4-4BCD-93E2-E3B085C9AB24}">
+                  <p16:designElem xmlns:p16="http://schemas.microsoft.com/office/powerpoint/2015/main" val="1"/>
+                </p:ext>
+              </p:extLst>
+            </p:nvPr>
+          </p:nvSpPr>
+          <p:spPr>
+            <a:xfrm rot="10800000">
+              <a:off x="11353799" y="370501"/>
+              <a:ext cx="476389" cy="476389"/>
+            </a:xfrm>
+            <a:prstGeom prst="ellipse">
+              <a:avLst/>
+            </a:prstGeom>
+            <a:solidFill>
+              <a:schemeClr val="accent2"/>
+            </a:solidFill>
+            <a:ln w="3848" cap="flat">
+              <a:noFill/>
+              <a:prstDash val="solid"/>
+              <a:miter/>
+            </a:ln>
+            <a:effectLst>
+              <a:outerShdw blurRad="101600" dist="38100" dir="16200000" rotWithShape="0">
+                <a:srgbClr val="000000">
+                  <a:alpha val="25000"/>
+                </a:srgbClr>
+              </a:outerShdw>
+            </a:effectLst>
+          </p:spPr>
+          <p:txBody>
+            <a:bodyPr rtlCol="0" anchor="ctr"/>
+            <a:lstStyle/>
+            <a:p>
+              <a:endParaRPr lang="en-US"/>
+            </a:p>
+          </p:txBody>
+        </p:sp>
+      </p:grpSp>
+      <p:sp>
+        <p:nvSpPr>
+          <p:cNvPr id="2" name="Title 1">
+            <a:extLst>
+              <a:ext uri="{FF2B5EF4-FFF2-40B4-BE49-F238E27FC236}">
+                <a16:creationId xmlns:a16="http://schemas.microsoft.com/office/drawing/2014/main" id="{B1BD0FC0-BA03-4600-9E50-676EC8A0E9D1}"/>
+              </a:ext>
+            </a:extLst>
+          </p:cNvPr>
+          <p:cNvSpPr>
+            <a:spLocks noGrp="1"/>
+          </p:cNvSpPr>
+          <p:nvPr>
+            <p:ph type="ctrTitle"/>
+          </p:nvPr>
+        </p:nvSpPr>
+        <p:spPr>
+          <a:xfrm>
+            <a:off x="268396" y="755195"/>
+            <a:ext cx="11247400" cy="2603099"/>
+          </a:xfrm>
+        </p:spPr>
+        <p:txBody>
+          <a:bodyPr anchor="b">
+            <a:normAutofit/>
+          </a:bodyPr>
+          <a:lstStyle/>
+          <a:p>
+            <a:r>
+              <a:rPr lang="en-US" sz="6600" dirty="0" err="1">
+                <a:solidFill>
+                  <a:srgbClr val="FFFFFF"/>
+                </a:solidFill>
+              </a:rPr>
+              <a:t>Dynjit</a:t>
+            </a:r>
+            <a:br>
+              <a:rPr lang="en-US" sz="5400" dirty="0">
+                <a:solidFill>
+                  <a:srgbClr val="FFFFFF"/>
+                </a:solidFill>
+              </a:rPr>
+            </a:br>
+            <a:endParaRPr lang="en-US" sz="3200" dirty="0">
+              <a:solidFill>
+                <a:srgbClr val="FFFFFF"/>
+              </a:solidFill>
+            </a:endParaRPr>
+          </a:p>
+        </p:txBody>
+      </p:sp>
+      <p:sp>
+        <p:nvSpPr>
+          <p:cNvPr id="3" name="Subtitle 2">
+            <a:extLst>
+              <a:ext uri="{FF2B5EF4-FFF2-40B4-BE49-F238E27FC236}">
+                <a16:creationId xmlns:a16="http://schemas.microsoft.com/office/drawing/2014/main" id="{D07D78E5-6950-46A2-A5FF-8EBFC8B362AD}"/>
+              </a:ext>
+            </a:extLst>
+          </p:cNvPr>
+          <p:cNvSpPr>
+            <a:spLocks noGrp="1"/>
+          </p:cNvSpPr>
+          <p:nvPr>
+            <p:ph type="subTitle" idx="1"/>
+          </p:nvPr>
+        </p:nvSpPr>
+        <p:spPr>
+          <a:xfrm>
+            <a:off x="514927" y="3096708"/>
+            <a:ext cx="11162145" cy="2206602"/>
+          </a:xfrm>
+        </p:spPr>
+        <p:txBody>
+          <a:bodyPr anchor="t">
+            <a:normAutofit/>
+          </a:bodyPr>
+          <a:lstStyle/>
+          <a:p>
+            <a:r>
+              <a:rPr lang="en-US" sz="2400" dirty="0">
+                <a:solidFill>
+                  <a:srgbClr val="FFFFFF"/>
+                </a:solidFill>
+              </a:rPr>
+              <a:t>A Just-In-Time Compiler for Python</a:t>
+            </a:r>
+          </a:p>
+          <a:p>
+            <a:endParaRPr lang="en-US" dirty="0">
+              <a:solidFill>
+                <a:srgbClr val="FFFFFF"/>
+              </a:solidFill>
+            </a:endParaRPr>
+          </a:p>
+        </p:txBody>
+      </p:sp>
+    </p:spTree>
+    <p:extLst>
+      <p:ext uri="{BB962C8B-B14F-4D97-AF65-F5344CB8AC3E}">
+        <p14:creationId xmlns:p14="http://schemas.microsoft.com/office/powerpoint/2010/main" val="259384964"/>
+      </p:ext>
+    </p:extLst>
+  </p:cSld>
+  <p:clrMapOvr>
+    <a:masterClrMapping/>
+  </p:clrMapOvr>
+</p:sld>
+</file>
+
+<file path=ppt/slides/slide2.xml><?xml version="1.0" encoding="utf-8"?>
+<p:sld xmlns:a="http://schemas.openxmlformats.org/drawingml/2006/main" xmlns:r="http://schemas.openxmlformats.org/officeDocument/2006/relationships" xmlns:p="http://schemas.openxmlformats.org/presentationml/2006/main">
+  <p:cSld>
+    <p:spTree>
+      <p:nvGrpSpPr>
+        <p:cNvPr id="1" name=""/>
+        <p:cNvGrpSpPr/>
+        <p:nvPr/>
+      </p:nvGrpSpPr>
+      <p:grpSpPr>
+        <a:xfrm>
+          <a:off x="0" y="0"/>
+          <a:ext cx="0" cy="0"/>
+          <a:chOff x="0" y="0"/>
+          <a:chExt cx="0" cy="0"/>
+        </a:xfrm>
+      </p:grpSpPr>
+      <p:sp>
+        <p:nvSpPr>
+          <p:cNvPr id="2" name="Title 1">
+            <a:extLst>
+              <a:ext uri="{FF2B5EF4-FFF2-40B4-BE49-F238E27FC236}">
+                <a16:creationId xmlns:a16="http://schemas.microsoft.com/office/drawing/2014/main" id="{AD11BC86-8E3F-406A-A6D5-561ABAC3F4AB}"/>
+              </a:ext>
+            </a:extLst>
+          </p:cNvPr>
+          <p:cNvSpPr>
+            <a:spLocks noGrp="1"/>
+          </p:cNvSpPr>
+          <p:nvPr>
+            <p:ph type="title"/>
+          </p:nvPr>
+        </p:nvSpPr>
+        <p:spPr>
+          <a:xfrm>
+            <a:off x="289066" y="120425"/>
+            <a:ext cx="10515600" cy="1325563"/>
+          </a:xfrm>
+        </p:spPr>
+        <p:txBody>
+          <a:bodyPr/>
+          <a:lstStyle/>
+          <a:p>
+            <a:r>
+              <a:rPr lang="en-US" dirty="0"/>
+              <a:t>Approach</a:t>
+            </a:r>
+          </a:p>
+        </p:txBody>
+      </p:sp>
+      <p:sp>
+        <p:nvSpPr>
+          <p:cNvPr id="5" name="Rectangle 4">
+            <a:extLst>
+              <a:ext uri="{FF2B5EF4-FFF2-40B4-BE49-F238E27FC236}">
+                <a16:creationId xmlns:a16="http://schemas.microsoft.com/office/drawing/2014/main" id="{7A0D7B32-8090-4EEC-9EBE-51B1DE95DED1}"/>
+              </a:ext>
+            </a:extLst>
+          </p:cNvPr>
+          <p:cNvSpPr/>
+          <p:nvPr/>
+        </p:nvSpPr>
+        <p:spPr>
+          <a:xfrm>
+            <a:off x="5174101" y="225123"/>
+            <a:ext cx="2099349" cy="1032710"/>
+          </a:xfrm>
+          <a:prstGeom prst="rect">
+            <a:avLst/>
+          </a:prstGeom>
+          <a:solidFill>
+            <a:schemeClr val="accent6">
+              <a:lumMod val="60000"/>
+              <a:lumOff val="40000"/>
+            </a:schemeClr>
+          </a:solidFill>
+        </p:spPr>
+        <p:style>
+          <a:lnRef idx="2">
+            <a:schemeClr val="accent1">
+              <a:shade val="50000"/>
+            </a:schemeClr>
+          </a:lnRef>
+          <a:fillRef idx="1">
+            <a:schemeClr val="accent1"/>
+          </a:fillRef>
+          <a:effectRef idx="0">
+            <a:schemeClr val="accent1"/>
+          </a:effectRef>
+          <a:fontRef idx="minor">
+            <a:schemeClr val="lt1"/>
+          </a:fontRef>
+        </p:style>
+        <p:txBody>
+          <a:bodyPr rtlCol="0" anchor="ctr"/>
+          <a:lstStyle/>
+          <a:p>
+            <a:pPr algn="ctr"/>
+            <a:r>
+              <a:rPr lang="en-US" dirty="0"/>
+              <a:t>Non-Nested Python Function Object</a:t>
+            </a:r>
+          </a:p>
+        </p:txBody>
+      </p:sp>
+      <p:sp>
+        <p:nvSpPr>
+          <p:cNvPr id="10" name="Rectangle 9">
+            <a:extLst>
+              <a:ext uri="{FF2B5EF4-FFF2-40B4-BE49-F238E27FC236}">
+                <a16:creationId xmlns:a16="http://schemas.microsoft.com/office/drawing/2014/main" id="{9633DBFB-9CB8-4236-8975-D4FFFED9BC34}"/>
+              </a:ext>
+            </a:extLst>
+          </p:cNvPr>
+          <p:cNvSpPr/>
+          <p:nvPr/>
+        </p:nvSpPr>
+        <p:spPr>
+          <a:xfrm>
+            <a:off x="7098230" y="1921379"/>
+            <a:ext cx="1631324" cy="802783"/>
+          </a:xfrm>
+          <a:prstGeom prst="rect">
+            <a:avLst/>
+          </a:prstGeom>
+          <a:solidFill>
+            <a:schemeClr val="accent6">
+              <a:lumMod val="60000"/>
+              <a:lumOff val="40000"/>
+            </a:schemeClr>
+          </a:solidFill>
+        </p:spPr>
+        <p:style>
+          <a:lnRef idx="2">
+            <a:schemeClr val="accent1">
+              <a:shade val="50000"/>
+            </a:schemeClr>
+          </a:lnRef>
+          <a:fillRef idx="1">
+            <a:schemeClr val="accent1"/>
+          </a:fillRef>
+          <a:effectRef idx="0">
+            <a:schemeClr val="accent1"/>
+          </a:effectRef>
+          <a:fontRef idx="minor">
+            <a:schemeClr val="lt1"/>
+          </a:fontRef>
+        </p:style>
+        <p:txBody>
+          <a:bodyPr rtlCol="0" anchor="ctr"/>
+          <a:lstStyle/>
+          <a:p>
+            <a:pPr algn="ctr"/>
+            <a:r>
+              <a:rPr lang="en-US" dirty="0"/>
+              <a:t>JIT Compiler</a:t>
+            </a:r>
+          </a:p>
+        </p:txBody>
+      </p:sp>
+      <p:sp>
+        <p:nvSpPr>
+          <p:cNvPr id="12" name="Rectangle 11">
+            <a:extLst>
+              <a:ext uri="{FF2B5EF4-FFF2-40B4-BE49-F238E27FC236}">
+                <a16:creationId xmlns:a16="http://schemas.microsoft.com/office/drawing/2014/main" id="{B2E18439-C7E8-4948-ACD2-4D510365E1FC}"/>
+              </a:ext>
+            </a:extLst>
+          </p:cNvPr>
+          <p:cNvSpPr/>
+          <p:nvPr/>
+        </p:nvSpPr>
+        <p:spPr>
+          <a:xfrm>
+            <a:off x="8463750" y="3437314"/>
+            <a:ext cx="1631324" cy="802783"/>
+          </a:xfrm>
+          <a:prstGeom prst="rect">
+            <a:avLst/>
+          </a:prstGeom>
+          <a:solidFill>
+            <a:schemeClr val="accent6">
+              <a:lumMod val="60000"/>
+              <a:lumOff val="40000"/>
+            </a:schemeClr>
+          </a:solidFill>
+        </p:spPr>
+        <p:style>
+          <a:lnRef idx="2">
+            <a:schemeClr val="accent1">
+              <a:shade val="50000"/>
+            </a:schemeClr>
+          </a:lnRef>
+          <a:fillRef idx="1">
+            <a:schemeClr val="accent1"/>
+          </a:fillRef>
+          <a:effectRef idx="0">
+            <a:schemeClr val="accent1"/>
+          </a:effectRef>
+          <a:fontRef idx="minor">
+            <a:schemeClr val="lt1"/>
+          </a:fontRef>
+        </p:style>
+        <p:txBody>
+          <a:bodyPr rtlCol="0" anchor="ctr"/>
+          <a:lstStyle/>
+          <a:p>
+            <a:pPr algn="ctr"/>
+            <a:r>
+              <a:rPr lang="en-US" dirty="0"/>
+              <a:t>Core CPY</a:t>
+            </a:r>
+          </a:p>
+        </p:txBody>
+      </p:sp>
+      <mc:AlternateContent xmlns:mc="http://schemas.openxmlformats.org/markup-compatibility/2006">
+        <mc:Choice xmlns:a14="http://schemas.microsoft.com/office/drawing/2010/main" Requires="a14">
+          <p:sp>
+            <p:nvSpPr>
+              <p:cNvPr id="16" name="Rectangle 15">
+                <a:extLst>
+                  <a:ext uri="{FF2B5EF4-FFF2-40B4-BE49-F238E27FC236}">
+                    <a16:creationId xmlns:a16="http://schemas.microsoft.com/office/drawing/2014/main" id="{0B022588-D776-43C1-8EF4-05666B3FF4D9}"/>
+                  </a:ext>
+                </a:extLst>
+              </p:cNvPr>
+              <p:cNvSpPr/>
+              <p:nvPr/>
+            </p:nvSpPr>
+            <p:spPr>
+              <a:xfrm>
+                <a:off x="276894" y="5091610"/>
+                <a:ext cx="2270976" cy="802783"/>
+              </a:xfrm>
+              <a:prstGeom prst="rect">
+                <a:avLst/>
+              </a:prstGeom>
+              <a:solidFill>
+                <a:schemeClr val="accent6">
+                  <a:lumMod val="60000"/>
+                  <a:lumOff val="40000"/>
+                </a:schemeClr>
+              </a:solidFill>
+            </p:spPr>
+            <p:style>
+              <a:lnRef idx="2">
+                <a:schemeClr val="accent1">
+                  <a:shade val="50000"/>
+                </a:schemeClr>
+              </a:lnRef>
+              <a:fillRef idx="1">
+                <a:schemeClr val="accent1"/>
+              </a:fillRef>
+              <a:effectRef idx="0">
+                <a:schemeClr val="accent1"/>
+              </a:effectRef>
+              <a:fontRef idx="minor">
+                <a:schemeClr val="lt1"/>
+              </a:fontRef>
+            </p:style>
+            <p:txBody>
+              <a:bodyPr rtlCol="0" anchor="ctr"/>
+              <a:lstStyle/>
+              <a:p>
+                <a:pPr algn="ctr"/>
+                <a14:m>
+                  <m:oMathPara xmlns:m="http://schemas.openxmlformats.org/officeDocument/2006/math">
+                    <m:oMathParaPr>
+                      <m:jc m:val="centerGroup"/>
+                    </m:oMathParaPr>
+                    <m:oMath xmlns:m="http://schemas.openxmlformats.org/officeDocument/2006/math">
+                      <m:sSup>
+                        <m:sSupPr>
+                          <m:ctrlPr>
+                            <a:rPr lang="en-US"/>
+                          </m:ctrlPr>
+                        </m:sSupPr>
+                        <m:e>
+                          <m:r>
+                            <a:rPr lang="en-US"/>
+                            <m:t>𝐷𝑦𝑛𝑗𝑖𝑡</m:t>
+                          </m:r>
+                        </m:e>
+                        <m:sup>
+                          <m:r>
+                            <a:rPr lang="en-US"/>
+                            <m:t>𝑡𝑟𝑒𝑒</m:t>
+                          </m:r>
+                          <m:r>
+                            <a:rPr lang="en-US"/>
+                            <m:t>+</m:t>
+                          </m:r>
+                          <m:r>
+                            <a:rPr lang="en-US"/>
+                            <m:t>𝑔𝑜𝑡𝑜</m:t>
+                          </m:r>
+                          <m:r>
+                            <a:rPr lang="en-US"/>
+                            <m:t>/</m:t>
+                          </m:r>
+                          <m:r>
+                            <a:rPr lang="en-US"/>
+                            <m:t>𝑙𝑎𝑏𝑒𝑙</m:t>
+                          </m:r>
+                        </m:sup>
+                      </m:sSup>
+                    </m:oMath>
+                  </m:oMathPara>
+                </a14:m>
+                <a:endParaRPr lang="en-US" dirty="0"/>
+              </a:p>
+            </p:txBody>
+          </p:sp>
+        </mc:Choice>
+        <mc:Fallback>
+          <p:sp>
+            <p:nvSpPr>
+              <p:cNvPr id="16" name="Rectangle 15">
+                <a:extLst>
+                  <a:ext uri="{FF2B5EF4-FFF2-40B4-BE49-F238E27FC236}">
+                    <a16:creationId xmlns:a16="http://schemas.microsoft.com/office/drawing/2014/main" id="{0B022588-D776-43C1-8EF4-05666B3FF4D9}"/>
+                  </a:ext>
+                </a:extLst>
+              </p:cNvPr>
+              <p:cNvSpPr>
+                <a:spLocks noRot="1" noChangeAspect="1" noMove="1" noResize="1" noEditPoints="1" noAdjustHandles="1" noChangeArrowheads="1" noChangeShapeType="1" noTextEdit="1"/>
+              </p:cNvSpPr>
+              <p:nvPr/>
+            </p:nvSpPr>
+            <p:spPr>
+              <a:xfrm>
+                <a:off x="276894" y="5091610"/>
+                <a:ext cx="2270976" cy="802783"/>
+              </a:xfrm>
+              <a:prstGeom prst="rect">
+                <a:avLst/>
+              </a:prstGeom>
+              <a:blipFill>
+                <a:blip r:embed="rId2"/>
+                <a:stretch>
+                  <a:fillRect/>
+                </a:stretch>
+              </a:blipFill>
+            </p:spPr>
+            <p:txBody>
+              <a:bodyPr/>
+              <a:lstStyle/>
+              <a:p>
+                <a:r>
+                  <a:rPr lang="en-US">
+                    <a:noFill/>
+                  </a:rPr>
+                  <a:t> </a:t>
+                </a:r>
+              </a:p>
+            </p:txBody>
+          </p:sp>
+        </mc:Fallback>
+      </mc:AlternateContent>
+      <p:cxnSp>
+        <p:nvCxnSpPr>
+          <p:cNvPr id="27" name="Connector: Elbow 26">
+            <a:extLst>
+              <a:ext uri="{FF2B5EF4-FFF2-40B4-BE49-F238E27FC236}">
+                <a16:creationId xmlns:a16="http://schemas.microsoft.com/office/drawing/2014/main" id="{B70D6B5A-F597-46A6-A54B-EB41C4FE31C7}"/>
+              </a:ext>
+            </a:extLst>
+          </p:cNvPr>
+          <p:cNvCxnSpPr>
+            <a:cxnSpLocks/>
+            <a:stCxn id="10" idx="2"/>
+            <a:endCxn id="12" idx="0"/>
+          </p:cNvCxnSpPr>
+          <p:nvPr/>
+        </p:nvCxnSpPr>
+        <p:spPr>
+          <a:xfrm rot="16200000" flipH="1">
+            <a:off x="8240076" y="2397978"/>
+            <a:ext cx="713152" cy="1365520"/>
+          </a:xfrm>
+          <a:prstGeom prst="bentConnector3">
+            <a:avLst>
+              <a:gd name="adj1" fmla="val 50000"/>
+            </a:avLst>
+          </a:prstGeom>
+          <a:ln w="38100">
+            <a:tailEnd type="triangle"/>
+          </a:ln>
+        </p:spPr>
+        <p:style>
+          <a:lnRef idx="3">
+            <a:schemeClr val="accent2"/>
+          </a:lnRef>
+          <a:fillRef idx="0">
+            <a:schemeClr val="accent2"/>
+          </a:fillRef>
+          <a:effectRef idx="2">
+            <a:schemeClr val="accent2"/>
+          </a:effectRef>
+          <a:fontRef idx="minor">
+            <a:schemeClr val="tx1"/>
+          </a:fontRef>
+        </p:style>
+      </p:cxnSp>
+      <p:sp>
+        <p:nvSpPr>
+          <p:cNvPr id="42" name="TextBox 41">
+            <a:extLst>
+              <a:ext uri="{FF2B5EF4-FFF2-40B4-BE49-F238E27FC236}">
+                <a16:creationId xmlns:a16="http://schemas.microsoft.com/office/drawing/2014/main" id="{631732B5-E184-4DE8-93EC-078FC4422D4D}"/>
+              </a:ext>
+            </a:extLst>
+          </p:cNvPr>
+          <p:cNvSpPr txBox="1"/>
+          <p:nvPr/>
+        </p:nvSpPr>
+        <p:spPr>
+          <a:xfrm>
+            <a:off x="8882195" y="1643272"/>
+            <a:ext cx="2921401" cy="369332"/>
+          </a:xfrm>
+          <a:prstGeom prst="rect">
+            <a:avLst/>
+          </a:prstGeom>
+          <a:noFill/>
+        </p:spPr>
+        <p:txBody>
+          <a:bodyPr wrap="square" rtlCol="0">
+            <a:spAutoFit/>
+          </a:bodyPr>
+          <a:lstStyle/>
+          <a:p>
+            <a:r>
+              <a:rPr lang="en-US" dirty="0"/>
+              <a:t> “Shapes” of Arguments</a:t>
+            </a:r>
+          </a:p>
+        </p:txBody>
+      </p:sp>
+      <mc:AlternateContent xmlns:mc="http://schemas.openxmlformats.org/markup-compatibility/2006">
+        <mc:Choice xmlns:a14="http://schemas.microsoft.com/office/drawing/2010/main" Requires="a14">
+          <p:sp>
+            <p:nvSpPr>
+              <p:cNvPr id="55" name="Rectangle 54">
+                <a:extLst>
+                  <a:ext uri="{FF2B5EF4-FFF2-40B4-BE49-F238E27FC236}">
+                    <a16:creationId xmlns:a16="http://schemas.microsoft.com/office/drawing/2014/main" id="{D78BE83B-2DC8-45B8-8840-48D9507E22CB}"/>
+                  </a:ext>
+                </a:extLst>
+              </p:cNvPr>
+              <p:cNvSpPr/>
+              <p:nvPr/>
+            </p:nvSpPr>
+            <p:spPr>
+              <a:xfrm>
+                <a:off x="596720" y="3253254"/>
+                <a:ext cx="1631324" cy="802783"/>
+              </a:xfrm>
+              <a:prstGeom prst="rect">
+                <a:avLst/>
+              </a:prstGeom>
+              <a:solidFill>
+                <a:schemeClr val="accent6">
+                  <a:lumMod val="60000"/>
+                  <a:lumOff val="40000"/>
+                </a:schemeClr>
+              </a:solidFill>
+            </p:spPr>
+            <p:style>
+              <a:lnRef idx="2">
+                <a:schemeClr val="accent1">
+                  <a:shade val="50000"/>
+                </a:schemeClr>
+              </a:lnRef>
+              <a:fillRef idx="1">
+                <a:schemeClr val="accent1"/>
+              </a:fillRef>
+              <a:effectRef idx="0">
+                <a:schemeClr val="accent1"/>
+              </a:effectRef>
+              <a:fontRef idx="minor">
+                <a:schemeClr val="lt1"/>
+              </a:fontRef>
+            </p:style>
+            <p:txBody>
+              <a:bodyPr rtlCol="0" anchor="ctr"/>
+              <a:lstStyle/>
+              <a:p>
+                <a:pPr algn="ctr"/>
+                <a14:m>
+                  <m:oMathPara xmlns:m="http://schemas.openxmlformats.org/officeDocument/2006/math">
+                    <m:oMathParaPr>
+                      <m:jc m:val="centerGroup"/>
+                    </m:oMathParaPr>
+                    <m:oMath xmlns:m="http://schemas.openxmlformats.org/officeDocument/2006/math">
+                      <m:r>
+                        <a:rPr lang="en-US" b="0" i="1" smtClean="0">
+                          <a:latin typeface="Cambria Math" panose="02040503050406030204" pitchFamily="18" charset="0"/>
+                        </a:rPr>
+                        <m:t>𝐷𝑦𝑛𝑗𝑖</m:t>
+                      </m:r>
+                      <m:sSup>
+                        <m:sSupPr>
+                          <m:ctrlPr>
+                            <a:rPr lang="en-US" b="0" i="1" smtClean="0">
+                              <a:latin typeface="Cambria Math" panose="02040503050406030204" pitchFamily="18" charset="0"/>
+                            </a:rPr>
+                          </m:ctrlPr>
+                        </m:sSupPr>
+                        <m:e>
+                          <m:r>
+                            <a:rPr lang="en-US" b="0" i="1" smtClean="0">
+                              <a:latin typeface="Cambria Math" panose="02040503050406030204" pitchFamily="18" charset="0"/>
+                            </a:rPr>
+                            <m:t>𝑡</m:t>
+                          </m:r>
+                        </m:e>
+                        <m:sup>
+                          <m:r>
+                            <a:rPr lang="en-US" b="0" i="1" smtClean="0">
+                              <a:latin typeface="Cambria Math" panose="02040503050406030204" pitchFamily="18" charset="0"/>
+                            </a:rPr>
+                            <m:t>𝑓𝑙𝑎𝑡𝑡𝑒𝑛</m:t>
+                          </m:r>
+                        </m:sup>
+                      </m:sSup>
+                    </m:oMath>
+                  </m:oMathPara>
+                </a14:m>
+                <a:endParaRPr lang="en-US" dirty="0"/>
+              </a:p>
+            </p:txBody>
+          </p:sp>
+        </mc:Choice>
+        <mc:Fallback>
+          <p:sp>
+            <p:nvSpPr>
+              <p:cNvPr id="55" name="Rectangle 54">
+                <a:extLst>
+                  <a:ext uri="{FF2B5EF4-FFF2-40B4-BE49-F238E27FC236}">
+                    <a16:creationId xmlns:a16="http://schemas.microsoft.com/office/drawing/2014/main" id="{D78BE83B-2DC8-45B8-8840-48D9507E22CB}"/>
+                  </a:ext>
+                </a:extLst>
+              </p:cNvPr>
+              <p:cNvSpPr>
+                <a:spLocks noRot="1" noChangeAspect="1" noMove="1" noResize="1" noEditPoints="1" noAdjustHandles="1" noChangeArrowheads="1" noChangeShapeType="1" noTextEdit="1"/>
+              </p:cNvSpPr>
+              <p:nvPr/>
+            </p:nvSpPr>
+            <p:spPr>
+              <a:xfrm>
+                <a:off x="596720" y="3253254"/>
+                <a:ext cx="1631324" cy="802783"/>
+              </a:xfrm>
+              <a:prstGeom prst="rect">
+                <a:avLst/>
+              </a:prstGeom>
+              <a:blipFill>
+                <a:blip r:embed="rId3"/>
+                <a:stretch>
+                  <a:fillRect/>
+                </a:stretch>
+              </a:blipFill>
+            </p:spPr>
+            <p:txBody>
+              <a:bodyPr/>
+              <a:lstStyle/>
+              <a:p>
+                <a:r>
+                  <a:rPr lang="en-US">
+                    <a:noFill/>
+                  </a:rPr>
+                  <a:t> </a:t>
+                </a:r>
+              </a:p>
+            </p:txBody>
+          </p:sp>
+        </mc:Fallback>
+      </mc:AlternateContent>
+      <p:cxnSp>
+        <p:nvCxnSpPr>
+          <p:cNvPr id="63" name="Straight Arrow Connector 62">
+            <a:extLst>
+              <a:ext uri="{FF2B5EF4-FFF2-40B4-BE49-F238E27FC236}">
+                <a16:creationId xmlns:a16="http://schemas.microsoft.com/office/drawing/2014/main" id="{28440F8B-9420-4E5B-9F60-F6B62B607747}"/>
+              </a:ext>
+            </a:extLst>
+          </p:cNvPr>
+          <p:cNvCxnSpPr>
+            <a:cxnSpLocks/>
+            <a:stCxn id="16" idx="0"/>
+            <a:endCxn id="55" idx="2"/>
+          </p:cNvCxnSpPr>
+          <p:nvPr/>
+        </p:nvCxnSpPr>
+        <p:spPr>
+          <a:xfrm flipV="1">
+            <a:off x="1412382" y="4056037"/>
+            <a:ext cx="0" cy="1035573"/>
+          </a:xfrm>
+          <a:prstGeom prst="straightConnector1">
+            <a:avLst/>
+          </a:prstGeom>
+          <a:ln w="38100">
+            <a:tailEnd type="triangle"/>
+          </a:ln>
+        </p:spPr>
+        <p:style>
+          <a:lnRef idx="3">
+            <a:schemeClr val="accent2"/>
+          </a:lnRef>
+          <a:fillRef idx="0">
+            <a:schemeClr val="accent2"/>
+          </a:fillRef>
+          <a:effectRef idx="2">
+            <a:schemeClr val="accent2"/>
+          </a:effectRef>
+          <a:fontRef idx="minor">
+            <a:schemeClr val="tx1"/>
+          </a:fontRef>
+        </p:style>
+      </p:cxnSp>
+      <p:sp>
+        <p:nvSpPr>
+          <p:cNvPr id="22" name="Rectangle 21">
+            <a:extLst>
+              <a:ext uri="{FF2B5EF4-FFF2-40B4-BE49-F238E27FC236}">
+                <a16:creationId xmlns:a16="http://schemas.microsoft.com/office/drawing/2014/main" id="{3972FBCB-3EB8-4D5B-B777-433DD1E9E595}"/>
+              </a:ext>
+            </a:extLst>
+          </p:cNvPr>
+          <p:cNvSpPr/>
+          <p:nvPr/>
+        </p:nvSpPr>
+        <p:spPr>
+          <a:xfrm>
+            <a:off x="9309391" y="225474"/>
+            <a:ext cx="2099349" cy="1032710"/>
+          </a:xfrm>
+          <a:prstGeom prst="rect">
+            <a:avLst/>
+          </a:prstGeom>
+          <a:solidFill>
+            <a:schemeClr val="accent6">
+              <a:lumMod val="60000"/>
+              <a:lumOff val="40000"/>
+            </a:schemeClr>
+          </a:solidFill>
+        </p:spPr>
+        <p:style>
+          <a:lnRef idx="2">
+            <a:schemeClr val="accent1">
+              <a:shade val="50000"/>
+            </a:schemeClr>
+          </a:lnRef>
+          <a:fillRef idx="1">
+            <a:schemeClr val="accent1"/>
+          </a:fillRef>
+          <a:effectRef idx="0">
+            <a:schemeClr val="accent1"/>
+          </a:effectRef>
+          <a:fontRef idx="minor">
+            <a:schemeClr val="lt1"/>
+          </a:fontRef>
+        </p:style>
+        <p:txBody>
+          <a:bodyPr rtlCol="0" anchor="ctr"/>
+          <a:lstStyle/>
+          <a:p>
+            <a:pPr algn="ctr"/>
+            <a:r>
+              <a:rPr lang="en-US" dirty="0"/>
+              <a:t>Runtime Arguments</a:t>
+            </a:r>
+          </a:p>
+        </p:txBody>
+      </p:sp>
+      <p:cxnSp>
+        <p:nvCxnSpPr>
+          <p:cNvPr id="52" name="Straight Arrow Connector 51" descr="Call&#10;">
+            <a:extLst>
+              <a:ext uri="{FF2B5EF4-FFF2-40B4-BE49-F238E27FC236}">
+                <a16:creationId xmlns:a16="http://schemas.microsoft.com/office/drawing/2014/main" id="{17FFA014-69CA-4444-B735-F1E386AECE2A}"/>
+              </a:ext>
+            </a:extLst>
+          </p:cNvPr>
+          <p:cNvCxnSpPr>
+            <a:cxnSpLocks/>
+            <a:stCxn id="22" idx="1"/>
+            <a:endCxn id="5" idx="3"/>
+          </p:cNvCxnSpPr>
+          <p:nvPr/>
+        </p:nvCxnSpPr>
+        <p:spPr>
+          <a:xfrm flipH="1" flipV="1">
+            <a:off x="7273450" y="741478"/>
+            <a:ext cx="2035941" cy="351"/>
+          </a:xfrm>
+          <a:prstGeom prst="straightConnector1">
+            <a:avLst/>
+          </a:prstGeom>
+          <a:ln w="38100">
+            <a:tailEnd type="triangle"/>
+          </a:ln>
+        </p:spPr>
+        <p:style>
+          <a:lnRef idx="3">
+            <a:schemeClr val="accent2"/>
+          </a:lnRef>
+          <a:fillRef idx="0">
+            <a:schemeClr val="accent2"/>
+          </a:fillRef>
+          <a:effectRef idx="2">
+            <a:schemeClr val="accent2"/>
+          </a:effectRef>
+          <a:fontRef idx="minor">
+            <a:schemeClr val="tx1"/>
+          </a:fontRef>
+        </p:style>
+      </p:cxnSp>
+      <p:cxnSp>
+        <p:nvCxnSpPr>
+          <p:cNvPr id="57" name="Connector: Elbow 56">
+            <a:extLst>
+              <a:ext uri="{FF2B5EF4-FFF2-40B4-BE49-F238E27FC236}">
+                <a16:creationId xmlns:a16="http://schemas.microsoft.com/office/drawing/2014/main" id="{AD672D1D-9B8E-481C-ACDC-F2123C16243F}"/>
+              </a:ext>
+            </a:extLst>
+          </p:cNvPr>
+          <p:cNvCxnSpPr>
+            <a:cxnSpLocks/>
+            <a:stCxn id="5" idx="2"/>
+            <a:endCxn id="10" idx="0"/>
+          </p:cNvCxnSpPr>
+          <p:nvPr/>
+        </p:nvCxnSpPr>
+        <p:spPr>
+          <a:xfrm rot="16200000" flipH="1">
+            <a:off x="6737061" y="744548"/>
+            <a:ext cx="663546" cy="1690116"/>
+          </a:xfrm>
+          <a:prstGeom prst="bentConnector3">
+            <a:avLst>
+              <a:gd name="adj1" fmla="val 50000"/>
+            </a:avLst>
+          </a:prstGeom>
+          <a:ln w="38100">
+            <a:tailEnd type="triangle"/>
+          </a:ln>
+        </p:spPr>
+        <p:style>
+          <a:lnRef idx="3">
+            <a:schemeClr val="accent2"/>
+          </a:lnRef>
+          <a:fillRef idx="0">
+            <a:schemeClr val="accent2"/>
+          </a:fillRef>
+          <a:effectRef idx="2">
+            <a:schemeClr val="accent2"/>
+          </a:effectRef>
+          <a:fontRef idx="minor">
+            <a:schemeClr val="tx1"/>
+          </a:fontRef>
+        </p:style>
+      </p:cxnSp>
+      <p:cxnSp>
+        <p:nvCxnSpPr>
+          <p:cNvPr id="61" name="Connector: Elbow 60">
+            <a:extLst>
+              <a:ext uri="{FF2B5EF4-FFF2-40B4-BE49-F238E27FC236}">
+                <a16:creationId xmlns:a16="http://schemas.microsoft.com/office/drawing/2014/main" id="{8147F0AA-8045-4A89-A2A2-677D8613D957}"/>
+              </a:ext>
+            </a:extLst>
+          </p:cNvPr>
+          <p:cNvCxnSpPr>
+            <a:cxnSpLocks/>
+            <a:stCxn id="22" idx="2"/>
+            <a:endCxn id="10" idx="0"/>
+          </p:cNvCxnSpPr>
+          <p:nvPr/>
+        </p:nvCxnSpPr>
+        <p:spPr>
+          <a:xfrm rot="5400000">
+            <a:off x="8804882" y="367194"/>
+            <a:ext cx="663195" cy="2445174"/>
+          </a:xfrm>
+          <a:prstGeom prst="bentConnector3">
+            <a:avLst>
+              <a:gd name="adj1" fmla="val 50000"/>
+            </a:avLst>
+          </a:prstGeom>
+          <a:ln w="38100">
+            <a:tailEnd type="triangle"/>
+          </a:ln>
+        </p:spPr>
+        <p:style>
+          <a:lnRef idx="3">
+            <a:schemeClr val="accent2"/>
+          </a:lnRef>
+          <a:fillRef idx="0">
+            <a:schemeClr val="accent2"/>
+          </a:fillRef>
+          <a:effectRef idx="2">
+            <a:schemeClr val="accent2"/>
+          </a:effectRef>
+          <a:fontRef idx="minor">
+            <a:schemeClr val="tx1"/>
+          </a:fontRef>
+        </p:style>
+      </p:cxnSp>
+      <p:sp>
+        <p:nvSpPr>
+          <p:cNvPr id="98" name="Rectangle 97">
+            <a:extLst>
+              <a:ext uri="{FF2B5EF4-FFF2-40B4-BE49-F238E27FC236}">
+                <a16:creationId xmlns:a16="http://schemas.microsoft.com/office/drawing/2014/main" id="{3065002E-DD01-4436-B376-40B412FEEEAD}"/>
+              </a:ext>
+            </a:extLst>
+          </p:cNvPr>
+          <p:cNvSpPr/>
+          <p:nvPr/>
+        </p:nvSpPr>
+        <p:spPr>
+          <a:xfrm>
+            <a:off x="602808" y="1921378"/>
+            <a:ext cx="1631324" cy="802783"/>
+          </a:xfrm>
+          <a:prstGeom prst="rect">
+            <a:avLst/>
+          </a:prstGeom>
+          <a:solidFill>
+            <a:schemeClr val="accent6">
+              <a:lumMod val="60000"/>
+              <a:lumOff val="40000"/>
+            </a:schemeClr>
+          </a:solidFill>
+        </p:spPr>
+        <p:style>
+          <a:lnRef idx="2">
+            <a:schemeClr val="accent1">
+              <a:shade val="50000"/>
+            </a:schemeClr>
+          </a:lnRef>
+          <a:fillRef idx="1">
+            <a:schemeClr val="accent1"/>
+          </a:fillRef>
+          <a:effectRef idx="0">
+            <a:schemeClr val="accent1"/>
+          </a:effectRef>
+          <a:fontRef idx="minor">
+            <a:schemeClr val="lt1"/>
+          </a:fontRef>
+        </p:style>
+        <p:txBody>
+          <a:bodyPr rtlCol="0" anchor="ctr"/>
+          <a:lstStyle/>
+          <a:p>
+            <a:pPr algn="ctr"/>
+            <a:r>
+              <a:rPr lang="en-US" b="0" dirty="0" err="1"/>
+              <a:t>Cython</a:t>
+            </a:r>
+            <a:endParaRPr lang="en-US" dirty="0"/>
+          </a:p>
+          <a:p>
+            <a:pPr algn="ctr"/>
+            <a:r>
+              <a:rPr lang="en-US" sz="1000" dirty="0"/>
+              <a:t>any backend interfacing with Python C APIs</a:t>
+            </a:r>
+            <a:endParaRPr lang="en-US" dirty="0"/>
+          </a:p>
+        </p:txBody>
+      </p:sp>
+      <p:cxnSp>
+        <p:nvCxnSpPr>
+          <p:cNvPr id="99" name="Straight Arrow Connector 98">
+            <a:extLst>
+              <a:ext uri="{FF2B5EF4-FFF2-40B4-BE49-F238E27FC236}">
+                <a16:creationId xmlns:a16="http://schemas.microsoft.com/office/drawing/2014/main" id="{EC26CEA9-B33E-486E-A9C5-53D3B080C760}"/>
+              </a:ext>
+            </a:extLst>
+          </p:cNvPr>
+          <p:cNvCxnSpPr>
+            <a:cxnSpLocks/>
+            <a:stCxn id="55" idx="0"/>
+            <a:endCxn id="98" idx="2"/>
+          </p:cNvCxnSpPr>
+          <p:nvPr/>
+        </p:nvCxnSpPr>
+        <p:spPr>
+          <a:xfrm flipV="1">
+            <a:off x="1412382" y="2724161"/>
+            <a:ext cx="6088" cy="529093"/>
+          </a:xfrm>
+          <a:prstGeom prst="straightConnector1">
+            <a:avLst/>
+          </a:prstGeom>
+          <a:ln w="38100">
+            <a:tailEnd type="triangle"/>
+          </a:ln>
+        </p:spPr>
+        <p:style>
+          <a:lnRef idx="3">
+            <a:schemeClr val="accent2"/>
+          </a:lnRef>
+          <a:fillRef idx="0">
+            <a:schemeClr val="accent2"/>
+          </a:fillRef>
+          <a:effectRef idx="2">
+            <a:schemeClr val="accent2"/>
+          </a:effectRef>
+          <a:fontRef idx="minor">
+            <a:schemeClr val="tx1"/>
+          </a:fontRef>
+        </p:style>
+      </p:cxnSp>
+      <p:sp>
+        <p:nvSpPr>
+          <p:cNvPr id="109" name="Rectangle 108">
+            <a:extLst>
+              <a:ext uri="{FF2B5EF4-FFF2-40B4-BE49-F238E27FC236}">
+                <a16:creationId xmlns:a16="http://schemas.microsoft.com/office/drawing/2014/main" id="{1C731552-8F58-450C-80A4-F1EB94178203}"/>
+              </a:ext>
+            </a:extLst>
+          </p:cNvPr>
+          <p:cNvSpPr/>
+          <p:nvPr/>
+        </p:nvSpPr>
+        <p:spPr>
+          <a:xfrm>
+            <a:off x="3667168" y="1921378"/>
+            <a:ext cx="1631324" cy="802783"/>
+          </a:xfrm>
+          <a:prstGeom prst="rect">
+            <a:avLst/>
+          </a:prstGeom>
+          <a:solidFill>
+            <a:schemeClr val="accent6">
+              <a:lumMod val="60000"/>
+              <a:lumOff val="40000"/>
+            </a:schemeClr>
+          </a:solidFill>
+        </p:spPr>
+        <p:style>
+          <a:lnRef idx="2">
+            <a:schemeClr val="accent1">
+              <a:shade val="50000"/>
+            </a:schemeClr>
+          </a:lnRef>
+          <a:fillRef idx="1">
+            <a:schemeClr val="accent1"/>
+          </a:fillRef>
+          <a:effectRef idx="0">
+            <a:schemeClr val="accent1"/>
+          </a:effectRef>
+          <a:fontRef idx="minor">
+            <a:schemeClr val="lt1"/>
+          </a:fontRef>
+        </p:style>
+        <p:txBody>
+          <a:bodyPr rtlCol="0" anchor="ctr"/>
+          <a:lstStyle/>
+          <a:p>
+            <a:pPr algn="ctr"/>
+            <a:r>
+              <a:rPr lang="en-US" dirty="0"/>
+              <a:t>C function</a:t>
+            </a:r>
+          </a:p>
+        </p:txBody>
+      </p:sp>
+      <p:cxnSp>
+        <p:nvCxnSpPr>
+          <p:cNvPr id="110" name="Straight Arrow Connector 109">
+            <a:extLst>
+              <a:ext uri="{FF2B5EF4-FFF2-40B4-BE49-F238E27FC236}">
+                <a16:creationId xmlns:a16="http://schemas.microsoft.com/office/drawing/2014/main" id="{D05439AA-12E5-41C0-AFDE-E28DF43DE441}"/>
+              </a:ext>
+            </a:extLst>
+          </p:cNvPr>
+          <p:cNvCxnSpPr>
+            <a:cxnSpLocks/>
+            <a:stCxn id="10" idx="1"/>
+            <a:endCxn id="109" idx="3"/>
+          </p:cNvCxnSpPr>
+          <p:nvPr/>
+        </p:nvCxnSpPr>
+        <p:spPr>
+          <a:xfrm flipH="1" flipV="1">
+            <a:off x="5298492" y="2322770"/>
+            <a:ext cx="1799738" cy="1"/>
+          </a:xfrm>
+          <a:prstGeom prst="straightConnector1">
+            <a:avLst/>
+          </a:prstGeom>
+          <a:ln w="38100">
+            <a:tailEnd type="triangle"/>
+          </a:ln>
+        </p:spPr>
+        <p:style>
+          <a:lnRef idx="3">
+            <a:schemeClr val="accent2"/>
+          </a:lnRef>
+          <a:fillRef idx="0">
+            <a:schemeClr val="accent2"/>
+          </a:fillRef>
+          <a:effectRef idx="2">
+            <a:schemeClr val="accent2"/>
+          </a:effectRef>
+          <a:fontRef idx="minor">
+            <a:schemeClr val="tx1"/>
+          </a:fontRef>
+        </p:style>
+      </p:cxnSp>
+      <p:cxnSp>
+        <p:nvCxnSpPr>
+          <p:cNvPr id="115" name="Straight Arrow Connector 114">
+            <a:extLst>
+              <a:ext uri="{FF2B5EF4-FFF2-40B4-BE49-F238E27FC236}">
+                <a16:creationId xmlns:a16="http://schemas.microsoft.com/office/drawing/2014/main" id="{863508F2-1D8A-4C82-A5E7-A6310F3BBD9C}"/>
+              </a:ext>
+            </a:extLst>
+          </p:cNvPr>
+          <p:cNvCxnSpPr>
+            <a:cxnSpLocks/>
+            <a:stCxn id="98" idx="3"/>
+            <a:endCxn id="109" idx="1"/>
+          </p:cNvCxnSpPr>
+          <p:nvPr/>
+        </p:nvCxnSpPr>
+        <p:spPr>
+          <a:xfrm>
+            <a:off x="2234132" y="2322770"/>
+            <a:ext cx="1433036" cy="0"/>
+          </a:xfrm>
+          <a:prstGeom prst="straightConnector1">
+            <a:avLst/>
+          </a:prstGeom>
+          <a:ln w="38100">
+            <a:tailEnd type="triangle"/>
+          </a:ln>
+        </p:spPr>
+        <p:style>
+          <a:lnRef idx="3">
+            <a:schemeClr val="accent2"/>
+          </a:lnRef>
+          <a:fillRef idx="0">
+            <a:schemeClr val="accent2"/>
+          </a:fillRef>
+          <a:effectRef idx="2">
+            <a:schemeClr val="accent2"/>
+          </a:effectRef>
+          <a:fontRef idx="minor">
+            <a:schemeClr val="tx1"/>
+          </a:fontRef>
+        </p:style>
+      </p:cxnSp>
+      <p:cxnSp>
+        <p:nvCxnSpPr>
+          <p:cNvPr id="120" name="Connector: Elbow 119">
+            <a:extLst>
+              <a:ext uri="{FF2B5EF4-FFF2-40B4-BE49-F238E27FC236}">
+                <a16:creationId xmlns:a16="http://schemas.microsoft.com/office/drawing/2014/main" id="{A65BD546-DF35-4237-A868-60EA775F33A5}"/>
+              </a:ext>
+            </a:extLst>
+          </p:cNvPr>
+          <p:cNvCxnSpPr>
+            <a:cxnSpLocks/>
+            <a:stCxn id="12" idx="2"/>
+            <a:endCxn id="16" idx="3"/>
+          </p:cNvCxnSpPr>
+          <p:nvPr/>
+        </p:nvCxnSpPr>
+        <p:spPr>
+          <a:xfrm rot="5400000">
+            <a:off x="5287189" y="1500778"/>
+            <a:ext cx="1252905" cy="6731542"/>
+          </a:xfrm>
+          <a:prstGeom prst="bentConnector2">
+            <a:avLst/>
+          </a:prstGeom>
+          <a:ln w="38100">
+            <a:tailEnd type="triangle"/>
+          </a:ln>
+        </p:spPr>
+        <p:style>
+          <a:lnRef idx="3">
+            <a:schemeClr val="accent2"/>
+          </a:lnRef>
+          <a:fillRef idx="0">
+            <a:schemeClr val="accent2"/>
+          </a:fillRef>
+          <a:effectRef idx="2">
+            <a:schemeClr val="accent2"/>
+          </a:effectRef>
+          <a:fontRef idx="minor">
+            <a:schemeClr val="tx1"/>
+          </a:fontRef>
+        </p:style>
+      </p:cxnSp>
+      <p:sp>
+        <p:nvSpPr>
+          <p:cNvPr id="124" name="Arrow: Right 123">
+            <a:extLst>
+              <a:ext uri="{FF2B5EF4-FFF2-40B4-BE49-F238E27FC236}">
+                <a16:creationId xmlns:a16="http://schemas.microsoft.com/office/drawing/2014/main" id="{ECFC4AF6-EB3F-4727-A037-9CFD6577EFEC}"/>
+              </a:ext>
+            </a:extLst>
+          </p:cNvPr>
+          <p:cNvSpPr/>
+          <p:nvPr/>
+        </p:nvSpPr>
+        <p:spPr>
+          <a:xfrm flipH="1">
+            <a:off x="3458486" y="4169867"/>
+            <a:ext cx="4968589" cy="1208765"/>
+          </a:xfrm>
+          <a:prstGeom prst="rightArrow">
+            <a:avLst/>
+          </a:prstGeom>
+          <a:solidFill>
+            <a:schemeClr val="accent6">
+              <a:lumMod val="60000"/>
+              <a:lumOff val="40000"/>
+            </a:schemeClr>
+          </a:solidFill>
+        </p:spPr>
+        <p:style>
+          <a:lnRef idx="2">
+            <a:schemeClr val="accent1">
+              <a:shade val="50000"/>
+            </a:schemeClr>
+          </a:lnRef>
+          <a:fillRef idx="1">
+            <a:schemeClr val="accent1"/>
+          </a:fillRef>
+          <a:effectRef idx="0">
+            <a:schemeClr val="accent1"/>
+          </a:effectRef>
+          <a:fontRef idx="minor">
+            <a:schemeClr val="lt1"/>
+          </a:fontRef>
+        </p:style>
+        <p:txBody>
+          <a:bodyPr rtlCol="0" anchor="ctr"/>
+          <a:lstStyle/>
+          <a:p>
+            <a:pPr marL="342900" indent="-342900">
+              <a:buAutoNum type="arabicPeriod"/>
+            </a:pPr>
+            <a:r>
+              <a:rPr lang="en-US" sz="1600" dirty="0"/>
+              <a:t>User Assumptions      2. Type Specialization</a:t>
+            </a:r>
+          </a:p>
+        </p:txBody>
+      </p:sp>
+      <p:sp>
+        <p:nvSpPr>
+          <p:cNvPr id="130" name="Arrow: Right 129">
+            <a:extLst>
+              <a:ext uri="{FF2B5EF4-FFF2-40B4-BE49-F238E27FC236}">
+                <a16:creationId xmlns:a16="http://schemas.microsoft.com/office/drawing/2014/main" id="{0A4C18D2-24D2-49DD-A77E-08BE95AA0789}"/>
+              </a:ext>
+            </a:extLst>
+          </p:cNvPr>
+          <p:cNvSpPr/>
+          <p:nvPr/>
+        </p:nvSpPr>
+        <p:spPr>
+          <a:xfrm flipH="1">
+            <a:off x="3458485" y="5530196"/>
+            <a:ext cx="6196376" cy="1208765"/>
+          </a:xfrm>
+          <a:prstGeom prst="rightArrow">
+            <a:avLst/>
+          </a:prstGeom>
+          <a:solidFill>
+            <a:schemeClr val="accent6">
+              <a:lumMod val="60000"/>
+              <a:lumOff val="40000"/>
+            </a:schemeClr>
+          </a:solidFill>
+        </p:spPr>
+        <p:style>
+          <a:lnRef idx="2">
+            <a:schemeClr val="accent1">
+              <a:shade val="50000"/>
+            </a:schemeClr>
+          </a:lnRef>
+          <a:fillRef idx="1">
+            <a:schemeClr val="accent1"/>
+          </a:fillRef>
+          <a:effectRef idx="0">
+            <a:schemeClr val="accent1"/>
+          </a:effectRef>
+          <a:fontRef idx="minor">
+            <a:schemeClr val="lt1"/>
+          </a:fontRef>
+        </p:style>
+        <p:txBody>
+          <a:bodyPr rtlCol="0" anchor="ctr"/>
+          <a:lstStyle/>
+          <a:p>
+            <a:r>
+              <a:rPr lang="en-US" sz="1600" dirty="0"/>
+              <a:t>3.   Boolean Value Split     4. Union Type Split      5. </a:t>
+            </a:r>
+            <a:r>
+              <a:rPr lang="en-US" sz="1600" dirty="0" err="1"/>
+              <a:t>Intrinsics</a:t>
+            </a:r>
+            <a:endParaRPr lang="en-US" sz="1600" dirty="0"/>
+          </a:p>
+        </p:txBody>
+      </p:sp>
+      <p:sp>
+        <p:nvSpPr>
+          <p:cNvPr id="133" name="TextBox 132">
+            <a:extLst>
+              <a:ext uri="{FF2B5EF4-FFF2-40B4-BE49-F238E27FC236}">
+                <a16:creationId xmlns:a16="http://schemas.microsoft.com/office/drawing/2014/main" id="{36A52302-BE0C-45C7-BC3A-1EC6B020CC8D}"/>
+              </a:ext>
+            </a:extLst>
+          </p:cNvPr>
+          <p:cNvSpPr txBox="1"/>
+          <p:nvPr/>
+        </p:nvSpPr>
+        <p:spPr>
+          <a:xfrm>
+            <a:off x="7368042" y="255715"/>
+            <a:ext cx="1941349" cy="954107"/>
+          </a:xfrm>
+          <a:prstGeom prst="rect">
+            <a:avLst/>
+          </a:prstGeom>
+          <a:noFill/>
+        </p:spPr>
+        <p:txBody>
+          <a:bodyPr wrap="square" rtlCol="0">
+            <a:spAutoFit/>
+          </a:bodyPr>
+          <a:lstStyle/>
+          <a:p>
+            <a:r>
+              <a:rPr lang="en-US" sz="2800" dirty="0"/>
+              <a:t>Runtime Call</a:t>
+            </a:r>
+          </a:p>
+        </p:txBody>
+      </p:sp>
+      <p:sp>
+        <p:nvSpPr>
+          <p:cNvPr id="135" name="TextBox 134">
+            <a:extLst>
+              <a:ext uri="{FF2B5EF4-FFF2-40B4-BE49-F238E27FC236}">
+                <a16:creationId xmlns:a16="http://schemas.microsoft.com/office/drawing/2014/main" id="{03ED6479-28B9-4926-A6F1-04515C6C6EB0}"/>
+              </a:ext>
+            </a:extLst>
+          </p:cNvPr>
+          <p:cNvSpPr txBox="1"/>
+          <p:nvPr/>
+        </p:nvSpPr>
+        <p:spPr>
+          <a:xfrm>
+            <a:off x="5425623" y="1949584"/>
+            <a:ext cx="2066768" cy="307777"/>
+          </a:xfrm>
+          <a:prstGeom prst="rect">
+            <a:avLst/>
+          </a:prstGeom>
+          <a:noFill/>
+        </p:spPr>
+        <p:txBody>
+          <a:bodyPr wrap="square" rtlCol="0">
+            <a:spAutoFit/>
+          </a:bodyPr>
+          <a:lstStyle/>
+          <a:p>
+            <a:r>
+              <a:rPr lang="en-US" sz="1400" dirty="0"/>
+              <a:t>Cached “Method”</a:t>
+            </a:r>
+          </a:p>
+        </p:txBody>
+      </p:sp>
+      <p:sp>
+        <p:nvSpPr>
+          <p:cNvPr id="137" name="TextBox 136">
+            <a:extLst>
+              <a:ext uri="{FF2B5EF4-FFF2-40B4-BE49-F238E27FC236}">
+                <a16:creationId xmlns:a16="http://schemas.microsoft.com/office/drawing/2014/main" id="{09C593B2-109A-48C3-B83C-26F30ECC27B8}"/>
+              </a:ext>
+            </a:extLst>
+          </p:cNvPr>
+          <p:cNvSpPr txBox="1"/>
+          <p:nvPr/>
+        </p:nvSpPr>
+        <p:spPr>
+          <a:xfrm>
+            <a:off x="7982892" y="2778538"/>
+            <a:ext cx="3097232" cy="584775"/>
+          </a:xfrm>
+          <a:prstGeom prst="rect">
+            <a:avLst/>
+          </a:prstGeom>
+          <a:noFill/>
+        </p:spPr>
+        <p:txBody>
+          <a:bodyPr wrap="square" rtlCol="0">
+            <a:spAutoFit/>
+          </a:bodyPr>
+          <a:lstStyle/>
+          <a:p>
+            <a:r>
+              <a:rPr lang="en-US" sz="1600" dirty="0"/>
+              <a:t>Get Python Bytecode,</a:t>
+            </a:r>
+          </a:p>
+          <a:p>
+            <a:r>
+              <a:rPr lang="en-US" sz="1600" dirty="0"/>
+              <a:t>Translate to</a:t>
+            </a:r>
+          </a:p>
+        </p:txBody>
+      </p:sp>
+      <p:sp>
+        <p:nvSpPr>
+          <p:cNvPr id="139" name="TextBox 138">
+            <a:extLst>
+              <a:ext uri="{FF2B5EF4-FFF2-40B4-BE49-F238E27FC236}">
+                <a16:creationId xmlns:a16="http://schemas.microsoft.com/office/drawing/2014/main" id="{D9EB6FBA-C516-4875-BDA3-A5C132EF94A0}"/>
+              </a:ext>
+            </a:extLst>
+          </p:cNvPr>
+          <p:cNvSpPr txBox="1"/>
+          <p:nvPr/>
+        </p:nvSpPr>
+        <p:spPr>
+          <a:xfrm>
+            <a:off x="4403941" y="5187251"/>
+            <a:ext cx="6290001" cy="523220"/>
+          </a:xfrm>
+          <a:prstGeom prst="rect">
+            <a:avLst/>
+          </a:prstGeom>
+          <a:noFill/>
+        </p:spPr>
+        <p:txBody>
+          <a:bodyPr wrap="square" rtlCol="0">
+            <a:spAutoFit/>
+          </a:bodyPr>
+          <a:lstStyle/>
+          <a:p>
+            <a:r>
+              <a:rPr lang="en-US" sz="2800" dirty="0"/>
+              <a:t>Partial Evaluation</a:t>
+            </a:r>
+          </a:p>
+        </p:txBody>
+      </p:sp>
+      <p:sp>
+        <p:nvSpPr>
+          <p:cNvPr id="141" name="TextBox 140">
+            <a:extLst>
+              <a:ext uri="{FF2B5EF4-FFF2-40B4-BE49-F238E27FC236}">
+                <a16:creationId xmlns:a16="http://schemas.microsoft.com/office/drawing/2014/main" id="{D3F13946-C989-4899-A15D-CB8B15167F73}"/>
+              </a:ext>
+            </a:extLst>
+          </p:cNvPr>
+          <p:cNvSpPr txBox="1"/>
+          <p:nvPr/>
+        </p:nvSpPr>
+        <p:spPr>
+          <a:xfrm>
+            <a:off x="510101" y="4481187"/>
+            <a:ext cx="3088785" cy="369332"/>
+          </a:xfrm>
+          <a:prstGeom prst="rect">
+            <a:avLst/>
+          </a:prstGeom>
+          <a:noFill/>
+        </p:spPr>
+        <p:txBody>
+          <a:bodyPr wrap="square" rtlCol="0">
+            <a:spAutoFit/>
+          </a:bodyPr>
+          <a:lstStyle/>
+          <a:p>
+            <a:r>
+              <a:rPr lang="en-US" dirty="0"/>
+              <a:t>Reloop: Remove </a:t>
+            </a:r>
+            <a:r>
+              <a:rPr lang="en-US" dirty="0" err="1"/>
+              <a:t>goto</a:t>
+            </a:r>
+            <a:r>
+              <a:rPr lang="en-US" dirty="0"/>
+              <a:t>/label</a:t>
+            </a:r>
+          </a:p>
+        </p:txBody>
+      </p:sp>
+      <p:sp>
+        <p:nvSpPr>
+          <p:cNvPr id="143" name="TextBox 142">
+            <a:extLst>
+              <a:ext uri="{FF2B5EF4-FFF2-40B4-BE49-F238E27FC236}">
+                <a16:creationId xmlns:a16="http://schemas.microsoft.com/office/drawing/2014/main" id="{98495729-17F1-4216-88C3-E461613DE019}"/>
+              </a:ext>
+            </a:extLst>
+          </p:cNvPr>
+          <p:cNvSpPr txBox="1"/>
+          <p:nvPr/>
+        </p:nvSpPr>
+        <p:spPr>
+          <a:xfrm>
+            <a:off x="538764" y="2807585"/>
+            <a:ext cx="3088785" cy="369332"/>
+          </a:xfrm>
+          <a:prstGeom prst="rect">
+            <a:avLst/>
+          </a:prstGeom>
+          <a:noFill/>
+        </p:spPr>
+        <p:txBody>
+          <a:bodyPr wrap="square" rtlCol="0">
+            <a:spAutoFit/>
+          </a:bodyPr>
+          <a:lstStyle/>
+          <a:p>
+            <a:r>
+              <a:rPr lang="en-US" dirty="0"/>
+              <a:t>Code generation</a:t>
+            </a:r>
+          </a:p>
+        </p:txBody>
+      </p:sp>
+      <p:sp>
+        <p:nvSpPr>
+          <p:cNvPr id="145" name="TextBox 144">
+            <a:extLst>
+              <a:ext uri="{FF2B5EF4-FFF2-40B4-BE49-F238E27FC236}">
+                <a16:creationId xmlns:a16="http://schemas.microsoft.com/office/drawing/2014/main" id="{7EC9EAF5-5BEB-476F-9D1C-EB6090E90C5B}"/>
+              </a:ext>
+            </a:extLst>
+          </p:cNvPr>
+          <p:cNvSpPr txBox="1"/>
+          <p:nvPr/>
+        </p:nvSpPr>
+        <p:spPr>
+          <a:xfrm>
+            <a:off x="2378375" y="1925578"/>
+            <a:ext cx="2387324" cy="369332"/>
+          </a:xfrm>
+          <a:prstGeom prst="rect">
+            <a:avLst/>
+          </a:prstGeom>
+          <a:noFill/>
+        </p:spPr>
+        <p:txBody>
+          <a:bodyPr wrap="square" rtlCol="0">
+            <a:spAutoFit/>
+          </a:bodyPr>
+          <a:lstStyle/>
+          <a:p>
+            <a:r>
+              <a:rPr lang="en-US" dirty="0"/>
+              <a:t>compile</a:t>
+            </a:r>
+          </a:p>
+        </p:txBody>
+      </p:sp>
+      <p:sp>
+        <p:nvSpPr>
+          <p:cNvPr id="147" name="Speech Bubble: Rectangle with Corners Rounded 146">
+            <a:extLst>
+              <a:ext uri="{FF2B5EF4-FFF2-40B4-BE49-F238E27FC236}">
+                <a16:creationId xmlns:a16="http://schemas.microsoft.com/office/drawing/2014/main" id="{057B68FD-D194-4B3F-8444-1AD0EF7CED08}"/>
+              </a:ext>
+            </a:extLst>
+          </p:cNvPr>
+          <p:cNvSpPr/>
+          <p:nvPr/>
+        </p:nvSpPr>
+        <p:spPr>
+          <a:xfrm flipV="1">
+            <a:off x="3485038" y="2914329"/>
+            <a:ext cx="3260363" cy="1089801"/>
+          </a:xfrm>
+          <a:prstGeom prst="wedgeRoundRectCallout">
+            <a:avLst/>
+          </a:prstGeom>
+          <a:solidFill>
+            <a:schemeClr val="accent6">
+              <a:lumMod val="40000"/>
+              <a:lumOff val="60000"/>
+            </a:schemeClr>
+          </a:solidFill>
+        </p:spPr>
+        <p:style>
+          <a:lnRef idx="2">
+            <a:schemeClr val="accent1">
+              <a:shade val="50000"/>
+            </a:schemeClr>
+          </a:lnRef>
+          <a:fillRef idx="1">
+            <a:schemeClr val="accent1"/>
+          </a:fillRef>
+          <a:effectRef idx="0">
+            <a:schemeClr val="accent1"/>
+          </a:effectRef>
+          <a:fontRef idx="minor">
+            <a:schemeClr val="lt1"/>
+          </a:fontRef>
+        </p:style>
+        <p:txBody>
+          <a:bodyPr rtlCol="0" anchor="ctr"/>
+          <a:lstStyle/>
+          <a:p>
+            <a:pPr algn="ctr"/>
+            <a:endParaRPr lang="en-US" dirty="0"/>
+          </a:p>
+        </p:txBody>
+      </p:sp>
+      <p:sp>
+        <p:nvSpPr>
+          <p:cNvPr id="149" name="TextBox 148">
+            <a:extLst>
+              <a:ext uri="{FF2B5EF4-FFF2-40B4-BE49-F238E27FC236}">
+                <a16:creationId xmlns:a16="http://schemas.microsoft.com/office/drawing/2014/main" id="{58D583CB-8D82-4CA0-9731-0731C26D84A8}"/>
+              </a:ext>
+            </a:extLst>
+          </p:cNvPr>
+          <p:cNvSpPr txBox="1"/>
+          <p:nvPr/>
+        </p:nvSpPr>
+        <p:spPr>
+          <a:xfrm>
+            <a:off x="3572037" y="2997564"/>
+            <a:ext cx="3085294" cy="923330"/>
+          </a:xfrm>
+          <a:prstGeom prst="rect">
+            <a:avLst/>
+          </a:prstGeom>
+          <a:noFill/>
+        </p:spPr>
+        <p:txBody>
+          <a:bodyPr wrap="square" rtlCol="0">
+            <a:spAutoFit/>
+          </a:bodyPr>
+          <a:lstStyle/>
+          <a:p>
+            <a:r>
+              <a:rPr lang="en-US" dirty="0">
+                <a:solidFill>
+                  <a:schemeClr val="accent3">
+                    <a:lumMod val="50000"/>
+                  </a:schemeClr>
+                </a:solidFill>
+              </a:rPr>
+              <a:t>The function pointer address can be referenced in other functions</a:t>
+            </a:r>
+          </a:p>
+        </p:txBody>
+      </p:sp>
+    </p:spTree>
+    <p:extLst>
+      <p:ext uri="{BB962C8B-B14F-4D97-AF65-F5344CB8AC3E}">
+        <p14:creationId xmlns:p14="http://schemas.microsoft.com/office/powerpoint/2010/main" val="913712389"/>
+      </p:ext>
+    </p:extLst>
+  </p:cSld>
+  <p:clrMapOvr>
+    <a:masterClrMapping/>
+  </p:clrMapOvr>
+</p:sld>
+</file>
+
+<file path=ppt/slides/slide3.xml><?xml version="1.0" encoding="utf-8"?>
+<p:sld xmlns:a="http://schemas.openxmlformats.org/drawingml/2006/main" xmlns:r="http://schemas.openxmlformats.org/officeDocument/2006/relationships" xmlns:p="http://schemas.openxmlformats.org/presentationml/2006/main">
+  <p:cSld>
+    <p:bg>
+      <p:bgPr>
+        <a:solidFill>
+          <a:schemeClr val="bg1"/>
+        </a:solidFill>
+        <a:effectLst/>
+      </p:bgPr>
+    </p:bg>
+    <p:spTree>
+      <p:nvGrpSpPr>
+        <p:cNvPr id="1" name=""/>
+        <p:cNvGrpSpPr/>
+        <p:nvPr/>
+      </p:nvGrpSpPr>
+      <p:grpSpPr>
+        <a:xfrm>
+          <a:off x="0" y="0"/>
+          <a:ext cx="0" cy="0"/>
+          <a:chOff x="0" y="0"/>
+          <a:chExt cx="0" cy="0"/>
+        </a:xfrm>
+      </p:grpSpPr>
+      <p:grpSp>
+        <p:nvGrpSpPr>
+          <p:cNvPr id="64" name="Group 63">
+            <a:extLst>
+              <a:ext uri="{FF2B5EF4-FFF2-40B4-BE49-F238E27FC236}">
+                <a16:creationId xmlns:a16="http://schemas.microsoft.com/office/drawing/2014/main" id="{D91916A1-FEE7-41E7-BEE3-2B4941A6F305}"/>
+              </a:ext>
+              <a:ext uri="{C183D7F6-B498-43B3-948B-1728B52AA6E4}">
+                <adec:decorative xmlns:adec="http://schemas.microsoft.com/office/drawing/2017/decorative" val="1"/>
+              </a:ext>
+            </a:extLst>
+          </p:cNvPr>
+          <p:cNvGrpSpPr>
+            <a:grpSpLocks noGrp="1" noUngrp="1" noRot="1" noChangeAspect="1" noMove="1" noResize="1"/>
+          </p:cNvGrpSpPr>
+          <p:nvPr>
+            <p:extLst>
+              <p:ext uri="{386F3935-93C4-4BCD-93E2-E3B085C9AB24}">
+                <p16:designElem xmlns:p16="http://schemas.microsoft.com/office/powerpoint/2015/main" val="1"/>
+              </p:ext>
+            </p:extLst>
+          </p:nvPr>
+        </p:nvGrpSpPr>
+        <p:grpSpPr>
+          <a:xfrm>
+            <a:off x="175990" y="62886"/>
+            <a:ext cx="11708355" cy="6301715"/>
+            <a:chOff x="175990" y="62886"/>
+            <a:chExt cx="11708355" cy="6301715"/>
+          </a:xfrm>
+        </p:grpSpPr>
+        <p:sp useBgFill="1">
+          <p:nvSpPr>
+            <p:cNvPr id="65" name="Graphic 10">
+              <a:extLst>
+                <a:ext uri="{FF2B5EF4-FFF2-40B4-BE49-F238E27FC236}">
+                  <a16:creationId xmlns:a16="http://schemas.microsoft.com/office/drawing/2014/main" id="{EAFF5F08-677C-4873-9274-02B6FE751044}"/>
+                </a:ext>
+                <a:ext uri="{C183D7F6-B498-43B3-948B-1728B52AA6E4}">
+                  <adec:decorative xmlns:adec="http://schemas.microsoft.com/office/drawing/2017/decorative" val="1"/>
+                </a:ext>
+              </a:extLst>
+            </p:cNvPr>
+            <p:cNvSpPr/>
+            <p:nvPr>
+              <p:extLst>
+                <p:ext uri="{386F3935-93C4-4BCD-93E2-E3B085C9AB24}">
+                  <p16:designElem xmlns:p16="http://schemas.microsoft.com/office/powerpoint/2015/main" val="1"/>
+                </p:ext>
+              </p:extLst>
+            </p:nvPr>
+          </p:nvSpPr>
+          <p:spPr>
+            <a:xfrm rot="2700000">
+              <a:off x="175990" y="525742"/>
               <a:ext cx="1066799" cy="1066799"/>
             </a:xfrm>
             <a:custGeom>
@@ -5671,1555 +8809,10 @@
         </p:sp>
         <p:sp useBgFill="1">
           <p:nvSpPr>
-            <p:cNvPr id="39" name="Oval 29">
+            <p:cNvPr id="66" name="Graphic 10">
               <a:extLst>
                 <a:ext uri="{FF2B5EF4-FFF2-40B4-BE49-F238E27FC236}">
-                  <a16:creationId xmlns:a16="http://schemas.microsoft.com/office/drawing/2014/main" id="{9A54C6CC-DDAA-4A39-ADF6-3C8475C59AE3}"/>
-                </a:ext>
-                <a:ext uri="{C183D7F6-B498-43B3-948B-1728B52AA6E4}">
-                  <adec:decorative xmlns:adec="http://schemas.microsoft.com/office/drawing/2017/decorative" val="1"/>
-                </a:ext>
-              </a:extLst>
-            </p:cNvPr>
-            <p:cNvSpPr/>
-            <p:nvPr>
-              <p:extLst>
-                <p:ext uri="{386F3935-93C4-4BCD-93E2-E3B085C9AB24}">
-                  <p16:designElem xmlns:p16="http://schemas.microsoft.com/office/powerpoint/2015/main" val="1"/>
-                </p:ext>
-              </p:extLst>
-            </p:nvPr>
-          </p:nvSpPr>
-          <p:spPr>
-            <a:xfrm rot="10800000">
-              <a:off x="2286000" y="1378534"/>
-              <a:ext cx="215724" cy="215724"/>
-            </a:xfrm>
-            <a:prstGeom prst="ellipse">
-              <a:avLst/>
-            </a:prstGeom>
-            <a:ln w="3848" cap="flat">
-              <a:noFill/>
-              <a:prstDash val="solid"/>
-              <a:miter/>
-            </a:ln>
-            <a:effectLst>
-              <a:glow rad="152400">
-                <a:srgbClr val="000000">
-                  <a:alpha val="4000"/>
-                </a:srgbClr>
-              </a:glow>
-              <a:outerShdw blurRad="101600" dist="38100" dir="16200000" rotWithShape="0">
-                <a:srgbClr val="000000">
-                  <a:alpha val="5000"/>
-                </a:srgbClr>
-              </a:outerShdw>
-            </a:effectLst>
-          </p:spPr>
-          <p:txBody>
-            <a:bodyPr rtlCol="0" anchor="ctr"/>
-            <a:lstStyle/>
-            <a:p>
-              <a:endParaRPr lang="en-US" dirty="0"/>
-            </a:p>
-          </p:txBody>
-        </p:sp>
-        <p:sp useBgFill="1">
-          <p:nvSpPr>
-            <p:cNvPr id="31" name="Oval 30">
-              <a:extLst>
-                <a:ext uri="{FF2B5EF4-FFF2-40B4-BE49-F238E27FC236}">
-                  <a16:creationId xmlns:a16="http://schemas.microsoft.com/office/drawing/2014/main" id="{714358CC-CF77-4F38-89E2-D6A3ABD012B9}"/>
-                </a:ext>
-                <a:ext uri="{C183D7F6-B498-43B3-948B-1728B52AA6E4}">
-                  <adec:decorative xmlns:adec="http://schemas.microsoft.com/office/drawing/2017/decorative" val="1"/>
-                </a:ext>
-              </a:extLst>
-            </p:cNvPr>
-            <p:cNvSpPr/>
-            <p:nvPr>
-              <p:extLst>
-                <p:ext uri="{386F3935-93C4-4BCD-93E2-E3B085C9AB24}">
-                  <p16:designElem xmlns:p16="http://schemas.microsoft.com/office/powerpoint/2015/main" val="1"/>
-                </p:ext>
-              </p:extLst>
-            </p:nvPr>
-          </p:nvSpPr>
-          <p:spPr>
-            <a:xfrm rot="10800000">
-              <a:off x="438029" y="254882"/>
-              <a:ext cx="474023" cy="474023"/>
-            </a:xfrm>
-            <a:prstGeom prst="ellipse">
-              <a:avLst/>
-            </a:prstGeom>
-            <a:ln w="3848" cap="flat">
-              <a:noFill/>
-              <a:prstDash val="solid"/>
-              <a:miter/>
-            </a:ln>
-            <a:effectLst>
-              <a:glow rad="152400">
-                <a:srgbClr val="000000">
-                  <a:alpha val="4000"/>
-                </a:srgbClr>
-              </a:glow>
-              <a:outerShdw blurRad="101600" dist="38100" dir="16200000" rotWithShape="0">
-                <a:srgbClr val="000000">
-                  <a:alpha val="5000"/>
-                </a:srgbClr>
-              </a:outerShdw>
-            </a:effectLst>
-          </p:spPr>
-          <p:txBody>
-            <a:bodyPr rtlCol="0" anchor="ctr"/>
-            <a:lstStyle/>
-            <a:p>
-              <a:endParaRPr lang="en-US"/>
-            </a:p>
-          </p:txBody>
-        </p:sp>
-        <p:sp useBgFill="1">
-          <p:nvSpPr>
-            <p:cNvPr id="40" name="Oval 31">
-              <a:extLst>
-                <a:ext uri="{FF2B5EF4-FFF2-40B4-BE49-F238E27FC236}">
-                  <a16:creationId xmlns:a16="http://schemas.microsoft.com/office/drawing/2014/main" id="{0CB44DA0-4772-4F1E-982F-12BAC7C5845F}"/>
-                </a:ext>
-                <a:ext uri="{C183D7F6-B498-43B3-948B-1728B52AA6E4}">
-                  <adec:decorative xmlns:adec="http://schemas.microsoft.com/office/drawing/2017/decorative" val="1"/>
-                </a:ext>
-              </a:extLst>
-            </p:cNvPr>
-            <p:cNvSpPr/>
-            <p:nvPr>
-              <p:extLst>
-                <p:ext uri="{386F3935-93C4-4BCD-93E2-E3B085C9AB24}">
-                  <p16:designElem xmlns:p16="http://schemas.microsoft.com/office/powerpoint/2015/main" val="1"/>
-                </p:ext>
-              </p:extLst>
-            </p:nvPr>
-          </p:nvSpPr>
-          <p:spPr>
-            <a:xfrm rot="10800000">
-              <a:off x="838200" y="2514942"/>
-              <a:ext cx="334385" cy="334385"/>
-            </a:xfrm>
-            <a:prstGeom prst="ellipse">
-              <a:avLst/>
-            </a:prstGeom>
-            <a:ln w="3848" cap="flat">
-              <a:noFill/>
-              <a:prstDash val="solid"/>
-              <a:miter/>
-            </a:ln>
-            <a:effectLst>
-              <a:glow rad="152400">
-                <a:srgbClr val="000000">
-                  <a:alpha val="4000"/>
-                </a:srgbClr>
-              </a:glow>
-              <a:outerShdw blurRad="101600" dist="38100" dir="16200000" rotWithShape="0">
-                <a:srgbClr val="000000">
-                  <a:alpha val="5000"/>
-                </a:srgbClr>
-              </a:outerShdw>
-            </a:effectLst>
-          </p:spPr>
-          <p:txBody>
-            <a:bodyPr rtlCol="0" anchor="ctr"/>
-            <a:lstStyle/>
-            <a:p>
-              <a:endParaRPr lang="en-US" dirty="0"/>
-            </a:p>
-          </p:txBody>
-        </p:sp>
-      </p:grpSp>
-      <p:sp>
-        <p:nvSpPr>
-          <p:cNvPr id="41" name="Rectangle 33">
-            <a:extLst>
-              <a:ext uri="{FF2B5EF4-FFF2-40B4-BE49-F238E27FC236}">
-                <a16:creationId xmlns:a16="http://schemas.microsoft.com/office/drawing/2014/main" id="{816D4481-06E0-406F-B2B0-A78607E35F77}"/>
-              </a:ext>
-              <a:ext uri="{C183D7F6-B498-43B3-948B-1728B52AA6E4}">
-                <adec:decorative xmlns:adec="http://schemas.microsoft.com/office/drawing/2017/decorative" val="1"/>
-              </a:ext>
-            </a:extLst>
-          </p:cNvPr>
-          <p:cNvSpPr>
-            <a:spLocks noGrp="1" noRot="1" noChangeAspect="1" noMove="1" noResize="1" noEditPoints="1" noAdjustHandles="1" noChangeArrowheads="1" noChangeShapeType="1" noTextEdit="1"/>
-          </p:cNvSpPr>
-          <p:nvPr>
-            <p:extLst>
-              <p:ext uri="{386F3935-93C4-4BCD-93E2-E3B085C9AB24}">
-                <p16:designElem xmlns:p16="http://schemas.microsoft.com/office/powerpoint/2015/main" val="1"/>
-              </p:ext>
-            </p:extLst>
-          </p:nvPr>
-        </p:nvSpPr>
-        <p:spPr>
-          <a:xfrm>
-            <a:off x="0" y="-1"/>
-            <a:ext cx="12192000" cy="6857999"/>
-          </a:xfrm>
-          <a:prstGeom prst="rect">
-            <a:avLst/>
-          </a:prstGeom>
-          <a:solidFill>
-            <a:schemeClr val="accent2">
-              <a:alpha val="40000"/>
-            </a:schemeClr>
-          </a:solidFill>
-          <a:ln w="3848" cap="flat">
-            <a:noFill/>
-            <a:prstDash val="solid"/>
-            <a:miter/>
-          </a:ln>
-          <a:effectLst/>
-        </p:spPr>
-        <p:txBody>
-          <a:bodyPr rtlCol="0" anchor="ctr"/>
-          <a:lstStyle/>
-          <a:p>
-            <a:endParaRPr lang="en-US" dirty="0">
-              <a:solidFill>
-                <a:schemeClr val="tx1"/>
-              </a:solidFill>
-            </a:endParaRPr>
-          </a:p>
-        </p:txBody>
-      </p:sp>
-      <p:sp>
-        <p:nvSpPr>
-          <p:cNvPr id="2" name="Title 1">
-            <a:extLst>
-              <a:ext uri="{FF2B5EF4-FFF2-40B4-BE49-F238E27FC236}">
-                <a16:creationId xmlns:a16="http://schemas.microsoft.com/office/drawing/2014/main" id="{B1BD0FC0-BA03-4600-9E50-676EC8A0E9D1}"/>
-              </a:ext>
-            </a:extLst>
-          </p:cNvPr>
-          <p:cNvSpPr>
-            <a:spLocks noGrp="1"/>
-          </p:cNvSpPr>
-          <p:nvPr>
-            <p:ph type="ctrTitle"/>
-          </p:nvPr>
-        </p:nvSpPr>
-        <p:spPr>
-          <a:xfrm>
-            <a:off x="1524000" y="728905"/>
-            <a:ext cx="9144000" cy="3184274"/>
-          </a:xfrm>
-        </p:spPr>
-        <p:txBody>
-          <a:bodyPr>
-            <a:normAutofit/>
-          </a:bodyPr>
-          <a:lstStyle/>
-          <a:p>
-            <a:r>
-              <a:rPr lang="en-US" dirty="0">
-                <a:solidFill>
-                  <a:srgbClr val="FFFFFF"/>
-                </a:solidFill>
-              </a:rPr>
-              <a:t>A Just-In-Time Compiler for Python</a:t>
-            </a:r>
-          </a:p>
-        </p:txBody>
-      </p:sp>
-      <p:sp>
-        <p:nvSpPr>
-          <p:cNvPr id="3" name="Subtitle 2">
-            <a:extLst>
-              <a:ext uri="{FF2B5EF4-FFF2-40B4-BE49-F238E27FC236}">
-                <a16:creationId xmlns:a16="http://schemas.microsoft.com/office/drawing/2014/main" id="{D07D78E5-6950-46A2-A5FF-8EBFC8B362AD}"/>
-              </a:ext>
-            </a:extLst>
-          </p:cNvPr>
-          <p:cNvSpPr>
-            <a:spLocks noGrp="1"/>
-          </p:cNvSpPr>
-          <p:nvPr>
-            <p:ph type="subTitle" idx="1"/>
-          </p:nvPr>
-        </p:nvSpPr>
-        <p:spPr>
-          <a:xfrm>
-            <a:off x="1524000" y="4072044"/>
-            <a:ext cx="9144000" cy="1495379"/>
-          </a:xfrm>
-        </p:spPr>
-        <p:txBody>
-          <a:bodyPr>
-            <a:normAutofit/>
-          </a:bodyPr>
-          <a:lstStyle/>
-          <a:p>
-            <a:r>
-              <a:rPr lang="en-US" sz="2200" dirty="0">
-                <a:solidFill>
-                  <a:srgbClr val="FFFFFF"/>
-                </a:solidFill>
-              </a:rPr>
-              <a:t>Runtime Specialization</a:t>
-            </a:r>
-          </a:p>
-        </p:txBody>
-      </p:sp>
-    </p:spTree>
-    <p:extLst>
-      <p:ext uri="{BB962C8B-B14F-4D97-AF65-F5344CB8AC3E}">
-        <p14:creationId xmlns:p14="http://schemas.microsoft.com/office/powerpoint/2010/main" val="259384964"/>
-      </p:ext>
-    </p:extLst>
-  </p:cSld>
-  <p:clrMapOvr>
-    <a:masterClrMapping/>
-  </p:clrMapOvr>
-</p:sld>
-</file>
-
-<file path=ppt/slides/slide2.xml><?xml version="1.0" encoding="utf-8"?>
-<p:sld xmlns:a="http://schemas.openxmlformats.org/drawingml/2006/main" xmlns:r="http://schemas.openxmlformats.org/officeDocument/2006/relationships" xmlns:p="http://schemas.openxmlformats.org/presentationml/2006/main">
-  <p:cSld>
-    <p:spTree>
-      <p:nvGrpSpPr>
-        <p:cNvPr id="1" name=""/>
-        <p:cNvGrpSpPr/>
-        <p:nvPr/>
-      </p:nvGrpSpPr>
-      <p:grpSpPr>
-        <a:xfrm>
-          <a:off x="0" y="0"/>
-          <a:ext cx="0" cy="0"/>
-          <a:chOff x="0" y="0"/>
-          <a:chExt cx="0" cy="0"/>
-        </a:xfrm>
-      </p:grpSpPr>
-      <p:sp>
-        <p:nvSpPr>
-          <p:cNvPr id="2" name="Title 1">
-            <a:extLst>
-              <a:ext uri="{FF2B5EF4-FFF2-40B4-BE49-F238E27FC236}">
-                <a16:creationId xmlns:a16="http://schemas.microsoft.com/office/drawing/2014/main" id="{AD11BC86-8E3F-406A-A6D5-561ABAC3F4AB}"/>
-              </a:ext>
-            </a:extLst>
-          </p:cNvPr>
-          <p:cNvSpPr>
-            <a:spLocks noGrp="1"/>
-          </p:cNvSpPr>
-          <p:nvPr>
-            <p:ph type="title"/>
-          </p:nvPr>
-        </p:nvSpPr>
-        <p:spPr>
-          <a:xfrm>
-            <a:off x="289066" y="120425"/>
-            <a:ext cx="10515600" cy="1325563"/>
-          </a:xfrm>
-        </p:spPr>
-        <p:txBody>
-          <a:bodyPr/>
-          <a:lstStyle/>
-          <a:p>
-            <a:r>
-              <a:rPr lang="en-US" dirty="0"/>
-              <a:t>Approach</a:t>
-            </a:r>
-          </a:p>
-        </p:txBody>
-      </p:sp>
-      <p:sp>
-        <p:nvSpPr>
-          <p:cNvPr id="5" name="Rectangle 4">
-            <a:extLst>
-              <a:ext uri="{FF2B5EF4-FFF2-40B4-BE49-F238E27FC236}">
-                <a16:creationId xmlns:a16="http://schemas.microsoft.com/office/drawing/2014/main" id="{7A0D7B32-8090-4EEC-9EBE-51B1DE95DED1}"/>
-              </a:ext>
-            </a:extLst>
-          </p:cNvPr>
-          <p:cNvSpPr/>
-          <p:nvPr/>
-        </p:nvSpPr>
-        <p:spPr>
-          <a:xfrm>
-            <a:off x="3654379" y="225123"/>
-            <a:ext cx="1631324" cy="802783"/>
-          </a:xfrm>
-          <a:prstGeom prst="rect">
-            <a:avLst/>
-          </a:prstGeom>
-        </p:spPr>
-        <p:style>
-          <a:lnRef idx="2">
-            <a:schemeClr val="accent1">
-              <a:shade val="50000"/>
-            </a:schemeClr>
-          </a:lnRef>
-          <a:fillRef idx="1">
-            <a:schemeClr val="accent1"/>
-          </a:fillRef>
-          <a:effectRef idx="0">
-            <a:schemeClr val="accent1"/>
-          </a:effectRef>
-          <a:fontRef idx="minor">
-            <a:schemeClr val="lt1"/>
-          </a:fontRef>
-        </p:style>
-        <p:txBody>
-          <a:bodyPr rtlCol="0" anchor="ctr"/>
-          <a:lstStyle/>
-          <a:p>
-            <a:pPr algn="ctr"/>
-            <a:r>
-              <a:rPr lang="en-US" dirty="0"/>
-              <a:t>Python Bytecode</a:t>
-            </a:r>
-          </a:p>
-        </p:txBody>
-      </p:sp>
-      <p:sp>
-        <p:nvSpPr>
-          <p:cNvPr id="7" name="Rectangle 6">
-            <a:extLst>
-              <a:ext uri="{FF2B5EF4-FFF2-40B4-BE49-F238E27FC236}">
-                <a16:creationId xmlns:a16="http://schemas.microsoft.com/office/drawing/2014/main" id="{F1018E72-258C-45E7-8793-6C0FAF15575B}"/>
-              </a:ext>
-            </a:extLst>
-          </p:cNvPr>
-          <p:cNvSpPr/>
-          <p:nvPr/>
-        </p:nvSpPr>
-        <p:spPr>
-          <a:xfrm>
-            <a:off x="6058435" y="231406"/>
-            <a:ext cx="1631324" cy="802783"/>
-          </a:xfrm>
-          <a:prstGeom prst="rect">
-            <a:avLst/>
-          </a:prstGeom>
-        </p:spPr>
-        <p:style>
-          <a:lnRef idx="2">
-            <a:schemeClr val="accent1">
-              <a:shade val="50000"/>
-            </a:schemeClr>
-          </a:lnRef>
-          <a:fillRef idx="1">
-            <a:schemeClr val="accent1"/>
-          </a:fillRef>
-          <a:effectRef idx="0">
-            <a:schemeClr val="accent1"/>
-          </a:effectRef>
-          <a:fontRef idx="minor">
-            <a:schemeClr val="lt1"/>
-          </a:fontRef>
-        </p:style>
-        <p:txBody>
-          <a:bodyPr rtlCol="0" anchor="ctr"/>
-          <a:lstStyle/>
-          <a:p>
-            <a:pPr algn="ctr"/>
-            <a:r>
-              <a:rPr lang="en-US" dirty="0"/>
-              <a:t>Global Variables</a:t>
-            </a:r>
-          </a:p>
-        </p:txBody>
-      </p:sp>
-      <p:sp>
-        <p:nvSpPr>
-          <p:cNvPr id="10" name="Rectangle 9">
-            <a:extLst>
-              <a:ext uri="{FF2B5EF4-FFF2-40B4-BE49-F238E27FC236}">
-                <a16:creationId xmlns:a16="http://schemas.microsoft.com/office/drawing/2014/main" id="{9633DBFB-9CB8-4236-8975-D4FFFED9BC34}"/>
-              </a:ext>
-            </a:extLst>
-          </p:cNvPr>
-          <p:cNvSpPr/>
-          <p:nvPr/>
-        </p:nvSpPr>
-        <p:spPr>
-          <a:xfrm>
-            <a:off x="9789108" y="231405"/>
-            <a:ext cx="1631324" cy="802783"/>
-          </a:xfrm>
-          <a:prstGeom prst="rect">
-            <a:avLst/>
-          </a:prstGeom>
-        </p:spPr>
-        <p:style>
-          <a:lnRef idx="2">
-            <a:schemeClr val="accent1">
-              <a:shade val="50000"/>
-            </a:schemeClr>
-          </a:lnRef>
-          <a:fillRef idx="1">
-            <a:schemeClr val="accent1"/>
-          </a:fillRef>
-          <a:effectRef idx="0">
-            <a:schemeClr val="accent1"/>
-          </a:effectRef>
-          <a:fontRef idx="minor">
-            <a:schemeClr val="lt1"/>
-          </a:fontRef>
-        </p:style>
-        <p:txBody>
-          <a:bodyPr rtlCol="0" anchor="ctr"/>
-          <a:lstStyle/>
-          <a:p>
-            <a:pPr algn="ctr"/>
-            <a:r>
-              <a:rPr lang="en-US" dirty="0"/>
-              <a:t>JIT Compiler State</a:t>
-            </a:r>
-          </a:p>
-        </p:txBody>
-      </p:sp>
-      <p:sp>
-        <p:nvSpPr>
-          <p:cNvPr id="12" name="Rectangle 11">
-            <a:extLst>
-              <a:ext uri="{FF2B5EF4-FFF2-40B4-BE49-F238E27FC236}">
-                <a16:creationId xmlns:a16="http://schemas.microsoft.com/office/drawing/2014/main" id="{B2E18439-C7E8-4948-ACD2-4D510365E1FC}"/>
-              </a:ext>
-            </a:extLst>
-          </p:cNvPr>
-          <p:cNvSpPr/>
-          <p:nvPr/>
-        </p:nvSpPr>
-        <p:spPr>
-          <a:xfrm>
-            <a:off x="4941194" y="2089933"/>
-            <a:ext cx="1631324" cy="802783"/>
-          </a:xfrm>
-          <a:prstGeom prst="rect">
-            <a:avLst/>
-          </a:prstGeom>
-        </p:spPr>
-        <p:style>
-          <a:lnRef idx="2">
-            <a:schemeClr val="accent1">
-              <a:shade val="50000"/>
-            </a:schemeClr>
-          </a:lnRef>
-          <a:fillRef idx="1">
-            <a:schemeClr val="accent1"/>
-          </a:fillRef>
-          <a:effectRef idx="0">
-            <a:schemeClr val="accent1"/>
-          </a:effectRef>
-          <a:fontRef idx="minor">
-            <a:schemeClr val="lt1"/>
-          </a:fontRef>
-        </p:style>
-        <p:txBody>
-          <a:bodyPr rtlCol="0" anchor="ctr"/>
-          <a:lstStyle/>
-          <a:p>
-            <a:pPr algn="ctr"/>
-            <a:r>
-              <a:rPr lang="en-US" dirty="0"/>
-              <a:t>Core CPY</a:t>
-            </a:r>
-          </a:p>
-        </p:txBody>
-      </p:sp>
-      <mc:AlternateContent xmlns:mc="http://schemas.openxmlformats.org/markup-compatibility/2006">
-        <mc:Choice xmlns:a14="http://schemas.microsoft.com/office/drawing/2010/main" Requires="a14">
-          <p:sp>
-            <p:nvSpPr>
-              <p:cNvPr id="14" name="Rectangle 13">
-                <a:extLst>
-                  <a:ext uri="{FF2B5EF4-FFF2-40B4-BE49-F238E27FC236}">
-                    <a16:creationId xmlns:a16="http://schemas.microsoft.com/office/drawing/2014/main" id="{6EDD3F3E-D82A-4AFF-99D8-80E50341A61A}"/>
-                  </a:ext>
-                </a:extLst>
-              </p:cNvPr>
-              <p:cNvSpPr/>
-              <p:nvPr/>
-            </p:nvSpPr>
-            <p:spPr>
-              <a:xfrm>
-                <a:off x="8117983" y="2089934"/>
-                <a:ext cx="1631324" cy="802783"/>
-              </a:xfrm>
-              <a:prstGeom prst="rect">
-                <a:avLst/>
-              </a:prstGeom>
-            </p:spPr>
-            <p:style>
-              <a:lnRef idx="2">
-                <a:schemeClr val="accent1">
-                  <a:shade val="50000"/>
-                </a:schemeClr>
-              </a:lnRef>
-              <a:fillRef idx="1">
-                <a:schemeClr val="accent1"/>
-              </a:fillRef>
-              <a:effectRef idx="0">
-                <a:schemeClr val="accent1"/>
-              </a:effectRef>
-              <a:fontRef idx="minor">
-                <a:schemeClr val="lt1"/>
-              </a:fontRef>
-            </p:style>
-            <p:txBody>
-              <a:bodyPr rtlCol="0" anchor="ctr"/>
-              <a:lstStyle/>
-              <a:p>
-                <a:pPr algn="ctr"/>
-                <a14:m>
-                  <m:oMathPara xmlns:m="http://schemas.openxmlformats.org/officeDocument/2006/math">
-                    <m:oMathParaPr>
-                      <m:jc m:val="centerGroup"/>
-                    </m:oMathParaPr>
-                    <m:oMath xmlns:m="http://schemas.openxmlformats.org/officeDocument/2006/math">
-                      <m:sSup>
-                        <m:sSupPr>
-                          <m:ctrlPr>
-                            <a:rPr lang="en-US" b="0" i="1" smtClean="0">
-                              <a:latin typeface="Cambria Math" panose="02040503050406030204" pitchFamily="18" charset="0"/>
-                            </a:rPr>
-                          </m:ctrlPr>
-                        </m:sSupPr>
-                        <m:e>
-                          <m:r>
-                            <a:rPr lang="en-US" b="0" i="1" smtClean="0">
-                              <a:latin typeface="Cambria Math" panose="02040503050406030204" pitchFamily="18" charset="0"/>
-                            </a:rPr>
-                            <m:t>𝑅</m:t>
-                          </m:r>
-                        </m:e>
-                        <m:sup>
-                          <m:r>
-                            <a:rPr lang="en-US" b="0" i="1" smtClean="0">
-                              <a:latin typeface="Cambria Math" panose="02040503050406030204" pitchFamily="18" charset="0"/>
-                            </a:rPr>
-                            <m:t>𝑖𝑛</m:t>
-                          </m:r>
-                        </m:sup>
-                      </m:sSup>
-                    </m:oMath>
-                  </m:oMathPara>
-                </a14:m>
-                <a:endParaRPr lang="en-US" dirty="0"/>
-              </a:p>
-            </p:txBody>
-          </p:sp>
-        </mc:Choice>
-        <mc:Fallback>
-          <p:sp>
-            <p:nvSpPr>
-              <p:cNvPr id="14" name="Rectangle 13">
-                <a:extLst>
-                  <a:ext uri="{FF2B5EF4-FFF2-40B4-BE49-F238E27FC236}">
-                    <a16:creationId xmlns:a16="http://schemas.microsoft.com/office/drawing/2014/main" id="{6EDD3F3E-D82A-4AFF-99D8-80E50341A61A}"/>
-                  </a:ext>
-                </a:extLst>
-              </p:cNvPr>
-              <p:cNvSpPr>
-                <a:spLocks noRot="1" noChangeAspect="1" noMove="1" noResize="1" noEditPoints="1" noAdjustHandles="1" noChangeArrowheads="1" noChangeShapeType="1" noTextEdit="1"/>
-              </p:cNvSpPr>
-              <p:nvPr/>
-            </p:nvSpPr>
-            <p:spPr>
-              <a:xfrm>
-                <a:off x="8117983" y="2089934"/>
-                <a:ext cx="1631324" cy="802783"/>
-              </a:xfrm>
-              <a:prstGeom prst="rect">
-                <a:avLst/>
-              </a:prstGeom>
-              <a:blipFill>
-                <a:blip r:embed="rId2"/>
-                <a:stretch>
-                  <a:fillRect/>
-                </a:stretch>
-              </a:blipFill>
-            </p:spPr>
-            <p:txBody>
-              <a:bodyPr/>
-              <a:lstStyle/>
-              <a:p>
-                <a:r>
-                  <a:rPr lang="en-US">
-                    <a:noFill/>
-                  </a:rPr>
-                  <a:t> </a:t>
-                </a:r>
-              </a:p>
-            </p:txBody>
-          </p:sp>
-        </mc:Fallback>
-      </mc:AlternateContent>
-      <mc:AlternateContent xmlns:mc="http://schemas.openxmlformats.org/markup-compatibility/2006">
-        <mc:Choice xmlns:a14="http://schemas.microsoft.com/office/drawing/2010/main" Requires="a14">
-          <p:sp>
-            <p:nvSpPr>
-              <p:cNvPr id="16" name="Rectangle 15">
-                <a:extLst>
-                  <a:ext uri="{FF2B5EF4-FFF2-40B4-BE49-F238E27FC236}">
-                    <a16:creationId xmlns:a16="http://schemas.microsoft.com/office/drawing/2014/main" id="{0B022588-D776-43C1-8EF4-05666B3FF4D9}"/>
-                  </a:ext>
-                </a:extLst>
-              </p:cNvPr>
-              <p:cNvSpPr/>
-              <p:nvPr/>
-            </p:nvSpPr>
-            <p:spPr>
-              <a:xfrm>
-                <a:off x="596720" y="5110029"/>
-                <a:ext cx="1631324" cy="802783"/>
-              </a:xfrm>
-              <a:prstGeom prst="rect">
-                <a:avLst/>
-              </a:prstGeom>
-            </p:spPr>
-            <p:style>
-              <a:lnRef idx="2">
-                <a:schemeClr val="accent1">
-                  <a:shade val="50000"/>
-                </a:schemeClr>
-              </a:lnRef>
-              <a:fillRef idx="1">
-                <a:schemeClr val="accent1"/>
-              </a:fillRef>
-              <a:effectRef idx="0">
-                <a:schemeClr val="accent1"/>
-              </a:effectRef>
-              <a:fontRef idx="minor">
-                <a:schemeClr val="lt1"/>
-              </a:fontRef>
-            </p:style>
-            <p:txBody>
-              <a:bodyPr rtlCol="0" anchor="ctr"/>
-              <a:lstStyle/>
-              <a:p>
-                <a:pPr algn="ctr"/>
-                <a14:m>
-                  <m:oMathPara xmlns:m="http://schemas.openxmlformats.org/officeDocument/2006/math">
-                    <m:oMathParaPr>
-                      <m:jc m:val="centerGroup"/>
-                    </m:oMathParaPr>
-                    <m:oMath xmlns:m="http://schemas.openxmlformats.org/officeDocument/2006/math">
-                      <m:sSup>
-                        <m:sSupPr>
-                          <m:ctrlPr>
-                            <a:rPr lang="en-US" b="0" i="1" smtClean="0">
-                              <a:latin typeface="Cambria Math" panose="02040503050406030204" pitchFamily="18" charset="0"/>
-                            </a:rPr>
-                          </m:ctrlPr>
-                        </m:sSupPr>
-                        <m:e>
-                          <m:r>
-                            <a:rPr lang="en-US" b="0" i="1" smtClean="0">
-                              <a:latin typeface="Cambria Math" panose="02040503050406030204" pitchFamily="18" charset="0"/>
-                            </a:rPr>
-                            <m:t>𝑅</m:t>
-                          </m:r>
-                        </m:e>
-                        <m:sup>
-                          <m:r>
-                            <a:rPr lang="en-US" b="0" i="1" smtClean="0">
-                              <a:latin typeface="Cambria Math" panose="02040503050406030204" pitchFamily="18" charset="0"/>
-                            </a:rPr>
-                            <m:t>𝑜𝑢𝑡</m:t>
-                          </m:r>
-                        </m:sup>
-                      </m:sSup>
-                    </m:oMath>
-                  </m:oMathPara>
-                </a14:m>
-                <a:endParaRPr lang="en-US" dirty="0"/>
-              </a:p>
-            </p:txBody>
-          </p:sp>
-        </mc:Choice>
-        <mc:Fallback>
-          <p:sp>
-            <p:nvSpPr>
-              <p:cNvPr id="16" name="Rectangle 15">
-                <a:extLst>
-                  <a:ext uri="{FF2B5EF4-FFF2-40B4-BE49-F238E27FC236}">
-                    <a16:creationId xmlns:a16="http://schemas.microsoft.com/office/drawing/2014/main" id="{0B022588-D776-43C1-8EF4-05666B3FF4D9}"/>
-                  </a:ext>
-                </a:extLst>
-              </p:cNvPr>
-              <p:cNvSpPr>
-                <a:spLocks noRot="1" noChangeAspect="1" noMove="1" noResize="1" noEditPoints="1" noAdjustHandles="1" noChangeArrowheads="1" noChangeShapeType="1" noTextEdit="1"/>
-              </p:cNvSpPr>
-              <p:nvPr/>
-            </p:nvSpPr>
-            <p:spPr>
-              <a:xfrm>
-                <a:off x="596720" y="5110029"/>
-                <a:ext cx="1631324" cy="802783"/>
-              </a:xfrm>
-              <a:prstGeom prst="rect">
-                <a:avLst/>
-              </a:prstGeom>
-              <a:blipFill>
-                <a:blip r:embed="rId3"/>
-                <a:stretch>
-                  <a:fillRect/>
-                </a:stretch>
-              </a:blipFill>
-            </p:spPr>
-            <p:txBody>
-              <a:bodyPr/>
-              <a:lstStyle/>
-              <a:p>
-                <a:r>
-                  <a:rPr lang="en-US">
-                    <a:noFill/>
-                  </a:rPr>
-                  <a:t> </a:t>
-                </a:r>
-              </a:p>
-            </p:txBody>
-          </p:sp>
-        </mc:Fallback>
-      </mc:AlternateContent>
-      <p:cxnSp>
-        <p:nvCxnSpPr>
-          <p:cNvPr id="19" name="Connector: Elbow 18">
-            <a:extLst>
-              <a:ext uri="{FF2B5EF4-FFF2-40B4-BE49-F238E27FC236}">
-                <a16:creationId xmlns:a16="http://schemas.microsoft.com/office/drawing/2014/main" id="{A02A3E19-C4B7-42FB-86B2-E1B10305B68D}"/>
-              </a:ext>
-            </a:extLst>
-          </p:cNvPr>
-          <p:cNvCxnSpPr>
-            <a:stCxn id="5" idx="2"/>
-            <a:endCxn id="12" idx="1"/>
-          </p:cNvCxnSpPr>
-          <p:nvPr/>
-        </p:nvCxnSpPr>
-        <p:spPr>
-          <a:xfrm rot="16200000" flipH="1">
-            <a:off x="3973908" y="1524038"/>
-            <a:ext cx="1463419" cy="471153"/>
-          </a:xfrm>
-          <a:prstGeom prst="bentConnector2">
-            <a:avLst/>
-          </a:prstGeom>
-          <a:ln w="38100">
-            <a:tailEnd type="triangle"/>
-          </a:ln>
-        </p:spPr>
-        <p:style>
-          <a:lnRef idx="3">
-            <a:schemeClr val="accent2"/>
-          </a:lnRef>
-          <a:fillRef idx="0">
-            <a:schemeClr val="accent2"/>
-          </a:fillRef>
-          <a:effectRef idx="2">
-            <a:schemeClr val="accent2"/>
-          </a:effectRef>
-          <a:fontRef idx="minor">
-            <a:schemeClr val="tx1"/>
-          </a:fontRef>
-        </p:style>
-      </p:cxnSp>
-      <p:cxnSp>
-        <p:nvCxnSpPr>
-          <p:cNvPr id="20" name="Connector: Elbow 19">
-            <a:extLst>
-              <a:ext uri="{FF2B5EF4-FFF2-40B4-BE49-F238E27FC236}">
-                <a16:creationId xmlns:a16="http://schemas.microsoft.com/office/drawing/2014/main" id="{5A5C168A-EB29-48FE-BFB9-51B2B55D90F0}"/>
-              </a:ext>
-            </a:extLst>
-          </p:cNvPr>
-          <p:cNvCxnSpPr>
-            <a:cxnSpLocks/>
-            <a:stCxn id="7" idx="2"/>
-            <a:endCxn id="12" idx="0"/>
-          </p:cNvCxnSpPr>
-          <p:nvPr/>
-        </p:nvCxnSpPr>
-        <p:spPr>
-          <a:xfrm rot="5400000">
-            <a:off x="5787605" y="1003441"/>
-            <a:ext cx="1055744" cy="1117241"/>
-          </a:xfrm>
-          <a:prstGeom prst="bentConnector3">
-            <a:avLst>
-              <a:gd name="adj1" fmla="val 50000"/>
-            </a:avLst>
-          </a:prstGeom>
-          <a:ln w="38100">
-            <a:tailEnd type="triangle"/>
-          </a:ln>
-        </p:spPr>
-        <p:style>
-          <a:lnRef idx="3">
-            <a:schemeClr val="accent2"/>
-          </a:lnRef>
-          <a:fillRef idx="0">
-            <a:schemeClr val="accent2"/>
-          </a:fillRef>
-          <a:effectRef idx="2">
-            <a:schemeClr val="accent2"/>
-          </a:effectRef>
-          <a:fontRef idx="minor">
-            <a:schemeClr val="tx1"/>
-          </a:fontRef>
-        </p:style>
-      </p:cxnSp>
-      <p:cxnSp>
-        <p:nvCxnSpPr>
-          <p:cNvPr id="23" name="Connector: Elbow 22">
-            <a:extLst>
-              <a:ext uri="{FF2B5EF4-FFF2-40B4-BE49-F238E27FC236}">
-                <a16:creationId xmlns:a16="http://schemas.microsoft.com/office/drawing/2014/main" id="{06849094-B541-44B6-85E0-E87587E14373}"/>
-              </a:ext>
-            </a:extLst>
-          </p:cNvPr>
-          <p:cNvCxnSpPr>
-            <a:cxnSpLocks/>
-            <a:stCxn id="10" idx="1"/>
-            <a:endCxn id="7" idx="3"/>
-          </p:cNvCxnSpPr>
-          <p:nvPr/>
-        </p:nvCxnSpPr>
-        <p:spPr>
-          <a:xfrm rot="10800000" flipV="1">
-            <a:off x="7689760" y="632796"/>
-            <a:ext cx="2099349" cy="1"/>
-          </a:xfrm>
-          <a:prstGeom prst="bentConnector3">
-            <a:avLst>
-              <a:gd name="adj1" fmla="val 50000"/>
-            </a:avLst>
-          </a:prstGeom>
-          <a:ln w="38100">
-            <a:tailEnd type="triangle"/>
-          </a:ln>
-        </p:spPr>
-        <p:style>
-          <a:lnRef idx="3">
-            <a:schemeClr val="accent2"/>
-          </a:lnRef>
-          <a:fillRef idx="0">
-            <a:schemeClr val="accent2"/>
-          </a:fillRef>
-          <a:effectRef idx="2">
-            <a:schemeClr val="accent2"/>
-          </a:effectRef>
-          <a:fontRef idx="minor">
-            <a:schemeClr val="tx1"/>
-          </a:fontRef>
-        </p:style>
-      </p:cxnSp>
-      <p:cxnSp>
-        <p:nvCxnSpPr>
-          <p:cNvPr id="27" name="Connector: Elbow 26">
-            <a:extLst>
-              <a:ext uri="{FF2B5EF4-FFF2-40B4-BE49-F238E27FC236}">
-                <a16:creationId xmlns:a16="http://schemas.microsoft.com/office/drawing/2014/main" id="{B70D6B5A-F597-46A6-A54B-EB41C4FE31C7}"/>
-              </a:ext>
-            </a:extLst>
-          </p:cNvPr>
-          <p:cNvCxnSpPr>
-            <a:cxnSpLocks/>
-            <a:stCxn id="10" idx="2"/>
-            <a:endCxn id="16" idx="3"/>
-          </p:cNvCxnSpPr>
-          <p:nvPr/>
-        </p:nvCxnSpPr>
-        <p:spPr>
-          <a:xfrm rot="5400000">
-            <a:off x="4177791" y="-915559"/>
-            <a:ext cx="4477233" cy="8376726"/>
-          </a:xfrm>
-          <a:prstGeom prst="bentConnector2">
-            <a:avLst/>
-          </a:prstGeom>
-          <a:ln w="38100">
-            <a:tailEnd type="triangle"/>
-          </a:ln>
-        </p:spPr>
-        <p:style>
-          <a:lnRef idx="3">
-            <a:schemeClr val="accent2"/>
-          </a:lnRef>
-          <a:fillRef idx="0">
-            <a:schemeClr val="accent2"/>
-          </a:fillRef>
-          <a:effectRef idx="2">
-            <a:schemeClr val="accent2"/>
-          </a:effectRef>
-          <a:fontRef idx="minor">
-            <a:schemeClr val="tx1"/>
-          </a:fontRef>
-        </p:style>
-      </p:cxnSp>
-      <p:cxnSp>
-        <p:nvCxnSpPr>
-          <p:cNvPr id="30" name="Connector: Elbow 29">
-            <a:extLst>
-              <a:ext uri="{FF2B5EF4-FFF2-40B4-BE49-F238E27FC236}">
-                <a16:creationId xmlns:a16="http://schemas.microsoft.com/office/drawing/2014/main" id="{CF42798D-8A50-4587-B04A-518C53CEB0F2}"/>
-              </a:ext>
-            </a:extLst>
-          </p:cNvPr>
-          <p:cNvCxnSpPr>
-            <a:cxnSpLocks/>
-            <a:stCxn id="14" idx="3"/>
-            <a:endCxn id="16" idx="3"/>
-          </p:cNvCxnSpPr>
-          <p:nvPr/>
-        </p:nvCxnSpPr>
-        <p:spPr>
-          <a:xfrm flipH="1">
-            <a:off x="2228044" y="2491326"/>
-            <a:ext cx="7521263" cy="3020095"/>
-          </a:xfrm>
-          <a:prstGeom prst="bentConnector3">
-            <a:avLst>
-              <a:gd name="adj1" fmla="val -3039"/>
-            </a:avLst>
-          </a:prstGeom>
-          <a:ln w="38100">
-            <a:tailEnd type="triangle"/>
-          </a:ln>
-        </p:spPr>
-        <p:style>
-          <a:lnRef idx="3">
-            <a:schemeClr val="accent2"/>
-          </a:lnRef>
-          <a:fillRef idx="0">
-            <a:schemeClr val="accent2"/>
-          </a:fillRef>
-          <a:effectRef idx="2">
-            <a:schemeClr val="accent2"/>
-          </a:effectRef>
-          <a:fontRef idx="minor">
-            <a:schemeClr val="tx1"/>
-          </a:fontRef>
-        </p:style>
-      </p:cxnSp>
-      <p:sp>
-        <p:nvSpPr>
-          <p:cNvPr id="36" name="Rectangle 35">
-            <a:extLst>
-              <a:ext uri="{FF2B5EF4-FFF2-40B4-BE49-F238E27FC236}">
-                <a16:creationId xmlns:a16="http://schemas.microsoft.com/office/drawing/2014/main" id="{42E5F7E7-6E94-4A21-81E2-94CAABEFE933}"/>
-              </a:ext>
-            </a:extLst>
-          </p:cNvPr>
-          <p:cNvSpPr/>
-          <p:nvPr/>
-        </p:nvSpPr>
-        <p:spPr>
-          <a:xfrm>
-            <a:off x="3178935" y="4503313"/>
-            <a:ext cx="1843826" cy="763410"/>
-          </a:xfrm>
-          <a:prstGeom prst="rect">
-            <a:avLst/>
-          </a:prstGeom>
-        </p:spPr>
-        <p:style>
-          <a:lnRef idx="2">
-            <a:schemeClr val="accent1">
-              <a:shade val="50000"/>
-            </a:schemeClr>
-          </a:lnRef>
-          <a:fillRef idx="1">
-            <a:schemeClr val="accent1"/>
-          </a:fillRef>
-          <a:effectRef idx="0">
-            <a:schemeClr val="accent1"/>
-          </a:effectRef>
-          <a:fontRef idx="minor">
-            <a:schemeClr val="lt1"/>
-          </a:fontRef>
-        </p:style>
-        <p:txBody>
-          <a:bodyPr rtlCol="0" anchor="ctr"/>
-          <a:lstStyle/>
-          <a:p>
-            <a:pPr algn="ctr"/>
-            <a:r>
-              <a:rPr lang="en-US" dirty="0"/>
-              <a:t>Type Specialization</a:t>
-            </a:r>
-          </a:p>
-        </p:txBody>
-      </p:sp>
-      <p:sp>
-        <p:nvSpPr>
-          <p:cNvPr id="37" name="TextBox 36">
-            <a:extLst>
-              <a:ext uri="{FF2B5EF4-FFF2-40B4-BE49-F238E27FC236}">
-                <a16:creationId xmlns:a16="http://schemas.microsoft.com/office/drawing/2014/main" id="{5309C3B2-BE62-4824-996E-01F00ADF4D33}"/>
-              </a:ext>
-            </a:extLst>
-          </p:cNvPr>
-          <p:cNvSpPr txBox="1"/>
-          <p:nvPr/>
-        </p:nvSpPr>
-        <p:spPr>
-          <a:xfrm>
-            <a:off x="10804666" y="1934316"/>
-            <a:ext cx="461665" cy="3410417"/>
-          </a:xfrm>
-          <a:prstGeom prst="rect">
-            <a:avLst/>
-          </a:prstGeom>
-          <a:noFill/>
-        </p:spPr>
-        <p:txBody>
-          <a:bodyPr vert="eaVert" wrap="square" rtlCol="0">
-            <a:spAutoFit/>
-          </a:bodyPr>
-          <a:lstStyle/>
-          <a:p>
-            <a:r>
-              <a:rPr lang="en-US" dirty="0"/>
-              <a:t>Existing specialized code</a:t>
-            </a:r>
-          </a:p>
-        </p:txBody>
-      </p:sp>
-      <p:sp>
-        <p:nvSpPr>
-          <p:cNvPr id="42" name="TextBox 41">
-            <a:extLst>
-              <a:ext uri="{FF2B5EF4-FFF2-40B4-BE49-F238E27FC236}">
-                <a16:creationId xmlns:a16="http://schemas.microsoft.com/office/drawing/2014/main" id="{631732B5-E184-4DE8-93EC-078FC4422D4D}"/>
-              </a:ext>
-            </a:extLst>
-          </p:cNvPr>
-          <p:cNvSpPr txBox="1"/>
-          <p:nvPr/>
-        </p:nvSpPr>
-        <p:spPr>
-          <a:xfrm>
-            <a:off x="7760677" y="244294"/>
-            <a:ext cx="3279820" cy="369332"/>
-          </a:xfrm>
-          <a:prstGeom prst="rect">
-            <a:avLst/>
-          </a:prstGeom>
-          <a:noFill/>
-        </p:spPr>
-        <p:txBody>
-          <a:bodyPr wrap="square" rtlCol="0">
-            <a:spAutoFit/>
-          </a:bodyPr>
-          <a:lstStyle/>
-          <a:p>
-            <a:r>
-              <a:rPr lang="en-US" dirty="0"/>
-              <a:t>compiler </a:t>
-            </a:r>
-            <a:r>
-              <a:rPr lang="en-US" dirty="0" err="1"/>
-              <a:t>awared</a:t>
-            </a:r>
-            <a:r>
-              <a:rPr lang="en-US" dirty="0"/>
-              <a:t> </a:t>
-            </a:r>
-          </a:p>
-        </p:txBody>
-      </p:sp>
-      <p:sp>
-        <p:nvSpPr>
-          <p:cNvPr id="51" name="Rectangle 50">
-            <a:extLst>
-              <a:ext uri="{FF2B5EF4-FFF2-40B4-BE49-F238E27FC236}">
-                <a16:creationId xmlns:a16="http://schemas.microsoft.com/office/drawing/2014/main" id="{95CAC6ED-F6A4-4CF8-9CC8-7033E688BDE5}"/>
-              </a:ext>
-            </a:extLst>
-          </p:cNvPr>
-          <p:cNvSpPr/>
-          <p:nvPr/>
-        </p:nvSpPr>
-        <p:spPr>
-          <a:xfrm>
-            <a:off x="8117983" y="4503311"/>
-            <a:ext cx="1576052" cy="763409"/>
-          </a:xfrm>
-          <a:prstGeom prst="rect">
-            <a:avLst/>
-          </a:prstGeom>
-        </p:spPr>
-        <p:style>
-          <a:lnRef idx="2">
-            <a:schemeClr val="accent1">
-              <a:shade val="50000"/>
-            </a:schemeClr>
-          </a:lnRef>
-          <a:fillRef idx="1">
-            <a:schemeClr val="accent1"/>
-          </a:fillRef>
-          <a:effectRef idx="0">
-            <a:schemeClr val="accent1"/>
-          </a:effectRef>
-          <a:fontRef idx="minor">
-            <a:schemeClr val="lt1"/>
-          </a:fontRef>
-        </p:style>
-        <p:txBody>
-          <a:bodyPr rtlCol="0" anchor="ctr"/>
-          <a:lstStyle/>
-          <a:p>
-            <a:pPr algn="ctr"/>
-            <a:r>
-              <a:rPr lang="en-US" dirty="0"/>
-              <a:t>Inline</a:t>
-            </a:r>
-          </a:p>
-        </p:txBody>
-      </p:sp>
-      <p:sp>
-        <p:nvSpPr>
-          <p:cNvPr id="53" name="Rectangle 52">
-            <a:extLst>
-              <a:ext uri="{FF2B5EF4-FFF2-40B4-BE49-F238E27FC236}">
-                <a16:creationId xmlns:a16="http://schemas.microsoft.com/office/drawing/2014/main" id="{5BC467CF-4655-4B42-A0E6-629305CEB8AF}"/>
-              </a:ext>
-            </a:extLst>
-          </p:cNvPr>
-          <p:cNvSpPr/>
-          <p:nvPr/>
-        </p:nvSpPr>
-        <p:spPr>
-          <a:xfrm>
-            <a:off x="5615188" y="4501214"/>
-            <a:ext cx="1987103" cy="763410"/>
-          </a:xfrm>
-          <a:prstGeom prst="rect">
-            <a:avLst/>
-          </a:prstGeom>
-        </p:spPr>
-        <p:style>
-          <a:lnRef idx="2">
-            <a:schemeClr val="accent1">
-              <a:shade val="50000"/>
-            </a:schemeClr>
-          </a:lnRef>
-          <a:fillRef idx="1">
-            <a:schemeClr val="accent1"/>
-          </a:fillRef>
-          <a:effectRef idx="0">
-            <a:schemeClr val="accent1"/>
-          </a:effectRef>
-          <a:fontRef idx="minor">
-            <a:schemeClr val="lt1"/>
-          </a:fontRef>
-        </p:style>
-        <p:txBody>
-          <a:bodyPr rtlCol="0" anchor="ctr"/>
-          <a:lstStyle/>
-          <a:p>
-            <a:pPr algn="ctr"/>
-            <a:r>
-              <a:rPr lang="en-US" dirty="0"/>
-              <a:t>Assumptions of Python </a:t>
-            </a:r>
-            <a:r>
-              <a:rPr lang="en-US" dirty="0" err="1"/>
-              <a:t>Builtins</a:t>
-            </a:r>
-            <a:endParaRPr lang="en-US" dirty="0"/>
-          </a:p>
-        </p:txBody>
-      </p:sp>
-      <p:sp>
-        <p:nvSpPr>
-          <p:cNvPr id="55" name="Rectangle 54">
-            <a:extLst>
-              <a:ext uri="{FF2B5EF4-FFF2-40B4-BE49-F238E27FC236}">
-                <a16:creationId xmlns:a16="http://schemas.microsoft.com/office/drawing/2014/main" id="{D78BE83B-2DC8-45B8-8840-48D9507E22CB}"/>
-              </a:ext>
-            </a:extLst>
-          </p:cNvPr>
-          <p:cNvSpPr/>
-          <p:nvPr/>
-        </p:nvSpPr>
-        <p:spPr>
-          <a:xfrm>
-            <a:off x="596720" y="2688713"/>
-            <a:ext cx="1631324" cy="802783"/>
-          </a:xfrm>
-          <a:prstGeom prst="rect">
-            <a:avLst/>
-          </a:prstGeom>
-        </p:spPr>
-        <p:style>
-          <a:lnRef idx="2">
-            <a:schemeClr val="accent1">
-              <a:shade val="50000"/>
-            </a:schemeClr>
-          </a:lnRef>
-          <a:fillRef idx="1">
-            <a:schemeClr val="accent1"/>
-          </a:fillRef>
-          <a:effectRef idx="0">
-            <a:schemeClr val="accent1"/>
-          </a:effectRef>
-          <a:fontRef idx="minor">
-            <a:schemeClr val="lt1"/>
-          </a:fontRef>
-        </p:style>
-        <p:txBody>
-          <a:bodyPr rtlCol="0" anchor="ctr"/>
-          <a:lstStyle/>
-          <a:p>
-            <a:pPr algn="ctr"/>
-            <a:r>
-              <a:rPr lang="en-US" dirty="0" err="1"/>
-              <a:t>Cython</a:t>
-            </a:r>
-            <a:endParaRPr lang="en-US" dirty="0"/>
-          </a:p>
-        </p:txBody>
-      </p:sp>
-      <p:cxnSp>
-        <p:nvCxnSpPr>
-          <p:cNvPr id="63" name="Straight Arrow Connector 62">
-            <a:extLst>
-              <a:ext uri="{FF2B5EF4-FFF2-40B4-BE49-F238E27FC236}">
-                <a16:creationId xmlns:a16="http://schemas.microsoft.com/office/drawing/2014/main" id="{28440F8B-9420-4E5B-9F60-F6B62B607747}"/>
-              </a:ext>
-            </a:extLst>
-          </p:cNvPr>
-          <p:cNvCxnSpPr>
-            <a:stCxn id="16" idx="0"/>
-            <a:endCxn id="55" idx="2"/>
-          </p:cNvCxnSpPr>
-          <p:nvPr/>
-        </p:nvCxnSpPr>
-        <p:spPr>
-          <a:xfrm flipV="1">
-            <a:off x="1412382" y="3491496"/>
-            <a:ext cx="0" cy="1618533"/>
-          </a:xfrm>
-          <a:prstGeom prst="straightConnector1">
-            <a:avLst/>
-          </a:prstGeom>
-          <a:ln w="38100">
-            <a:tailEnd type="triangle"/>
-          </a:ln>
-        </p:spPr>
-        <p:style>
-          <a:lnRef idx="3">
-            <a:schemeClr val="accent2"/>
-          </a:lnRef>
-          <a:fillRef idx="0">
-            <a:schemeClr val="accent2"/>
-          </a:fillRef>
-          <a:effectRef idx="2">
-            <a:schemeClr val="accent2"/>
-          </a:effectRef>
-          <a:fontRef idx="minor">
-            <a:schemeClr val="tx1"/>
-          </a:fontRef>
-        </p:style>
-      </p:cxnSp>
-      <p:cxnSp>
-        <p:nvCxnSpPr>
-          <p:cNvPr id="70" name="Connector: Elbow 69">
-            <a:extLst>
-              <a:ext uri="{FF2B5EF4-FFF2-40B4-BE49-F238E27FC236}">
-                <a16:creationId xmlns:a16="http://schemas.microsoft.com/office/drawing/2014/main" id="{69F4C994-0C21-476F-AAD4-A00E63099595}"/>
-              </a:ext>
-            </a:extLst>
-          </p:cNvPr>
-          <p:cNvCxnSpPr>
-            <a:stCxn id="55" idx="3"/>
-            <a:endCxn id="5" idx="1"/>
-          </p:cNvCxnSpPr>
-          <p:nvPr/>
-        </p:nvCxnSpPr>
-        <p:spPr>
-          <a:xfrm flipV="1">
-            <a:off x="2228044" y="626515"/>
-            <a:ext cx="1426335" cy="2463590"/>
-          </a:xfrm>
-          <a:prstGeom prst="bentConnector3">
-            <a:avLst/>
-          </a:prstGeom>
-          <a:ln w="38100">
-            <a:tailEnd type="triangle"/>
-          </a:ln>
-        </p:spPr>
-        <p:style>
-          <a:lnRef idx="3">
-            <a:schemeClr val="accent2"/>
-          </a:lnRef>
-          <a:fillRef idx="0">
-            <a:schemeClr val="accent2"/>
-          </a:fillRef>
-          <a:effectRef idx="2">
-            <a:schemeClr val="accent2"/>
-          </a:effectRef>
-          <a:fontRef idx="minor">
-            <a:schemeClr val="tx1"/>
-          </a:fontRef>
-        </p:style>
-      </p:cxnSp>
-      <p:cxnSp>
-        <p:nvCxnSpPr>
-          <p:cNvPr id="71" name="Straight Arrow Connector 70">
-            <a:extLst>
-              <a:ext uri="{FF2B5EF4-FFF2-40B4-BE49-F238E27FC236}">
-                <a16:creationId xmlns:a16="http://schemas.microsoft.com/office/drawing/2014/main" id="{C129E016-28A4-49E7-97C2-839AB78A04AD}"/>
-              </a:ext>
-            </a:extLst>
-          </p:cNvPr>
-          <p:cNvCxnSpPr>
-            <a:cxnSpLocks/>
-            <a:stCxn id="12" idx="3"/>
-            <a:endCxn id="14" idx="1"/>
-          </p:cNvCxnSpPr>
-          <p:nvPr/>
-        </p:nvCxnSpPr>
-        <p:spPr>
-          <a:xfrm>
-            <a:off x="6572518" y="2491325"/>
-            <a:ext cx="1545465" cy="1"/>
-          </a:xfrm>
-          <a:prstGeom prst="straightConnector1">
-            <a:avLst/>
-          </a:prstGeom>
-          <a:ln w="38100">
-            <a:tailEnd type="triangle"/>
-          </a:ln>
-        </p:spPr>
-        <p:style>
-          <a:lnRef idx="3">
-            <a:schemeClr val="accent2"/>
-          </a:lnRef>
-          <a:fillRef idx="0">
-            <a:schemeClr val="accent2"/>
-          </a:fillRef>
-          <a:effectRef idx="2">
-            <a:schemeClr val="accent2"/>
-          </a:effectRef>
-          <a:fontRef idx="minor">
-            <a:schemeClr val="tx1"/>
-          </a:fontRef>
-        </p:style>
-      </p:cxnSp>
-      <p:sp>
-        <p:nvSpPr>
-          <p:cNvPr id="74" name="TextBox 73">
-            <a:extLst>
-              <a:ext uri="{FF2B5EF4-FFF2-40B4-BE49-F238E27FC236}">
-                <a16:creationId xmlns:a16="http://schemas.microsoft.com/office/drawing/2014/main" id="{951B40AD-C95C-42B3-A0B7-12CBE377CD48}"/>
-              </a:ext>
-            </a:extLst>
-          </p:cNvPr>
-          <p:cNvSpPr txBox="1"/>
-          <p:nvPr/>
-        </p:nvSpPr>
-        <p:spPr>
-          <a:xfrm>
-            <a:off x="2479546" y="1580219"/>
-            <a:ext cx="461665" cy="1144745"/>
-          </a:xfrm>
-          <a:prstGeom prst="rect">
-            <a:avLst/>
-          </a:prstGeom>
-          <a:noFill/>
-        </p:spPr>
-        <p:txBody>
-          <a:bodyPr vert="eaVert" wrap="square" rtlCol="0">
-            <a:spAutoFit/>
-          </a:bodyPr>
-          <a:lstStyle/>
-          <a:p>
-            <a:r>
-              <a:rPr lang="en-US" dirty="0"/>
-              <a:t>wrap</a:t>
-            </a:r>
-          </a:p>
-        </p:txBody>
-      </p:sp>
-    </p:spTree>
-    <p:extLst>
-      <p:ext uri="{BB962C8B-B14F-4D97-AF65-F5344CB8AC3E}">
-        <p14:creationId xmlns:p14="http://schemas.microsoft.com/office/powerpoint/2010/main" val="3579172503"/>
-      </p:ext>
-    </p:extLst>
-  </p:cSld>
-  <p:clrMapOvr>
-    <a:masterClrMapping/>
-  </p:clrMapOvr>
-</p:sld>
-</file>
-
-<file path=ppt/slides/slide3.xml><?xml version="1.0" encoding="utf-8"?>
-<p:sld xmlns:a="http://schemas.openxmlformats.org/drawingml/2006/main" xmlns:r="http://schemas.openxmlformats.org/officeDocument/2006/relationships" xmlns:p="http://schemas.openxmlformats.org/presentationml/2006/main">
-  <p:cSld>
-    <p:bg>
-      <p:bgPr>
-        <a:solidFill>
-          <a:schemeClr val="bg1"/>
-        </a:solidFill>
-        <a:effectLst/>
-      </p:bgPr>
-    </p:bg>
-    <p:spTree>
-      <p:nvGrpSpPr>
-        <p:cNvPr id="1" name=""/>
-        <p:cNvGrpSpPr/>
-        <p:nvPr/>
-      </p:nvGrpSpPr>
-      <p:grpSpPr>
-        <a:xfrm>
-          <a:off x="0" y="0"/>
-          <a:ext cx="0" cy="0"/>
-          <a:chOff x="0" y="0"/>
-          <a:chExt cx="0" cy="0"/>
-        </a:xfrm>
-      </p:grpSpPr>
-      <p:grpSp>
-        <p:nvGrpSpPr>
-          <p:cNvPr id="49" name="Group 29">
-            <a:extLst>
-              <a:ext uri="{FF2B5EF4-FFF2-40B4-BE49-F238E27FC236}">
-                <a16:creationId xmlns:a16="http://schemas.microsoft.com/office/drawing/2014/main" id="{D91916A1-FEE7-41E7-BEE3-2B4941A6F305}"/>
-              </a:ext>
-              <a:ext uri="{C183D7F6-B498-43B3-948B-1728B52AA6E4}">
-                <adec:decorative xmlns:adec="http://schemas.microsoft.com/office/drawing/2017/decorative" val="1"/>
-              </a:ext>
-            </a:extLst>
-          </p:cNvPr>
-          <p:cNvGrpSpPr>
-            <a:grpSpLocks noGrp="1" noUngrp="1" noRot="1" noChangeAspect="1" noMove="1" noResize="1"/>
-          </p:cNvGrpSpPr>
-          <p:nvPr>
-            <p:extLst>
-              <p:ext uri="{386F3935-93C4-4BCD-93E2-E3B085C9AB24}">
-                <p16:designElem xmlns:p16="http://schemas.microsoft.com/office/powerpoint/2015/main" val="1"/>
-              </p:ext>
-            </p:extLst>
-          </p:nvPr>
-        </p:nvGrpSpPr>
-        <p:grpSpPr>
-          <a:xfrm>
-            <a:off x="175990" y="62886"/>
-            <a:ext cx="11708355" cy="6301715"/>
-            <a:chOff x="175990" y="62886"/>
-            <a:chExt cx="11708355" cy="6301715"/>
-          </a:xfrm>
-        </p:grpSpPr>
-        <p:sp useBgFill="1">
-          <p:nvSpPr>
-            <p:cNvPr id="50" name="Graphic 10">
-              <a:extLst>
-                <a:ext uri="{FF2B5EF4-FFF2-40B4-BE49-F238E27FC236}">
-                  <a16:creationId xmlns:a16="http://schemas.microsoft.com/office/drawing/2014/main" id="{EAFF5F08-677C-4873-9274-02B6FE751044}"/>
+                  <a16:creationId xmlns:a16="http://schemas.microsoft.com/office/drawing/2014/main" id="{16514C65-F179-4953-B660-5FC657697957}"/>
                 </a:ext>
                 <a:ext uri="{C183D7F6-B498-43B3-948B-1728B52AA6E4}">
                   <adec:decorative xmlns:adec="http://schemas.microsoft.com/office/drawing/2017/decorative" val="1"/>
@@ -7237,8 +8830,8 @@
           </p:nvSpPr>
           <p:spPr>
             <a:xfrm rot="2700000">
-              <a:off x="175990" y="525742"/>
-              <a:ext cx="1066799" cy="1066799"/>
+              <a:off x="8482021" y="62886"/>
+              <a:ext cx="2322574" cy="2322574"/>
             </a:xfrm>
             <a:custGeom>
               <a:avLst/>
@@ -7434,10 +9027,10 @@
         </p:sp>
         <p:sp useBgFill="1">
           <p:nvSpPr>
-            <p:cNvPr id="51" name="Graphic 10">
+            <p:cNvPr id="67" name="Graphic 10">
               <a:extLst>
                 <a:ext uri="{FF2B5EF4-FFF2-40B4-BE49-F238E27FC236}">
-                  <a16:creationId xmlns:a16="http://schemas.microsoft.com/office/drawing/2014/main" id="{16514C65-F179-4953-B660-5FC657697957}"/>
+                  <a16:creationId xmlns:a16="http://schemas.microsoft.com/office/drawing/2014/main" id="{DF5DA89C-9FED-4AE0-8C36-20612E77FAC0}"/>
                 </a:ext>
                 <a:ext uri="{C183D7F6-B498-43B3-948B-1728B52AA6E4}">
                   <adec:decorative xmlns:adec="http://schemas.microsoft.com/office/drawing/2017/decorative" val="1"/>
@@ -7455,8 +9048,8 @@
           </p:nvSpPr>
           <p:spPr>
             <a:xfrm rot="2700000">
-              <a:off x="8482021" y="62886"/>
-              <a:ext cx="2322574" cy="2322574"/>
+              <a:off x="10578627" y="5015941"/>
+              <a:ext cx="925287" cy="925287"/>
             </a:xfrm>
             <a:custGeom>
               <a:avLst/>
@@ -7652,10 +9245,474 @@
         </p:sp>
         <p:sp useBgFill="1">
           <p:nvSpPr>
-            <p:cNvPr id="52" name="Graphic 10">
+            <p:cNvPr id="68" name="Oval 67">
               <a:extLst>
                 <a:ext uri="{FF2B5EF4-FFF2-40B4-BE49-F238E27FC236}">
-                  <a16:creationId xmlns:a16="http://schemas.microsoft.com/office/drawing/2014/main" id="{DF5DA89C-9FED-4AE0-8C36-20612E77FAC0}"/>
+                  <a16:creationId xmlns:a16="http://schemas.microsoft.com/office/drawing/2014/main" id="{FB98224C-F1DB-4F10-9B7F-93B86BA13F40}"/>
+                </a:ext>
+                <a:ext uri="{C183D7F6-B498-43B3-948B-1728B52AA6E4}">
+                  <adec:decorative xmlns:adec="http://schemas.microsoft.com/office/drawing/2017/decorative" val="1"/>
+                </a:ext>
+              </a:extLst>
+            </p:cNvPr>
+            <p:cNvSpPr/>
+            <p:nvPr>
+              <p:extLst>
+                <p:ext uri="{386F3935-93C4-4BCD-93E2-E3B085C9AB24}">
+                  <p16:designElem xmlns:p16="http://schemas.microsoft.com/office/powerpoint/2015/main" val="1"/>
+                </p:ext>
+              </p:extLst>
+            </p:nvPr>
+          </p:nvSpPr>
+          <p:spPr>
+            <a:xfrm rot="10800000">
+              <a:off x="11622685" y="6102941"/>
+              <a:ext cx="261660" cy="261660"/>
+            </a:xfrm>
+            <a:prstGeom prst="ellipse">
+              <a:avLst/>
+            </a:prstGeom>
+            <a:ln w="3848" cap="flat">
+              <a:noFill/>
+              <a:prstDash val="solid"/>
+              <a:miter/>
+            </a:ln>
+            <a:effectLst>
+              <a:glow rad="152400">
+                <a:srgbClr val="000000">
+                  <a:alpha val="4000"/>
+                </a:srgbClr>
+              </a:glow>
+              <a:outerShdw blurRad="101600" dist="38100" dir="16200000" rotWithShape="0">
+                <a:srgbClr val="000000">
+                  <a:alpha val="5000"/>
+                </a:srgbClr>
+              </a:outerShdw>
+            </a:effectLst>
+          </p:spPr>
+          <p:txBody>
+            <a:bodyPr rtlCol="0" anchor="ctr"/>
+            <a:lstStyle/>
+            <a:p>
+              <a:endParaRPr lang="en-US"/>
+            </a:p>
+          </p:txBody>
+        </p:sp>
+        <p:sp useBgFill="1">
+          <p:nvSpPr>
+            <p:cNvPr id="69" name="Oval 68">
+              <a:extLst>
+                <a:ext uri="{FF2B5EF4-FFF2-40B4-BE49-F238E27FC236}">
+                  <a16:creationId xmlns:a16="http://schemas.microsoft.com/office/drawing/2014/main" id="{9AE1FC9E-06C9-4A12-8BE7-766C3DA8B9AC}"/>
+                </a:ext>
+                <a:ext uri="{C183D7F6-B498-43B3-948B-1728B52AA6E4}">
+                  <adec:decorative xmlns:adec="http://schemas.microsoft.com/office/drawing/2017/decorative" val="1"/>
+                </a:ext>
+              </a:extLst>
+            </p:cNvPr>
+            <p:cNvSpPr/>
+            <p:nvPr>
+              <p:extLst>
+                <p:ext uri="{386F3935-93C4-4BCD-93E2-E3B085C9AB24}">
+                  <p16:designElem xmlns:p16="http://schemas.microsoft.com/office/powerpoint/2015/main" val="1"/>
+                </p:ext>
+              </p:extLst>
+            </p:nvPr>
+          </p:nvSpPr>
+          <p:spPr>
+            <a:xfrm rot="10800000">
+              <a:off x="11352354" y="406586"/>
+              <a:ext cx="474023" cy="474023"/>
+            </a:xfrm>
+            <a:prstGeom prst="ellipse">
+              <a:avLst/>
+            </a:prstGeom>
+            <a:ln w="3848" cap="flat">
+              <a:noFill/>
+              <a:prstDash val="solid"/>
+              <a:miter/>
+            </a:ln>
+            <a:effectLst>
+              <a:glow rad="152400">
+                <a:srgbClr val="000000">
+                  <a:alpha val="4000"/>
+                </a:srgbClr>
+              </a:glow>
+              <a:outerShdw blurRad="101600" dist="38100" dir="16200000" rotWithShape="0">
+                <a:srgbClr val="000000">
+                  <a:alpha val="5000"/>
+                </a:srgbClr>
+              </a:outerShdw>
+            </a:effectLst>
+          </p:spPr>
+          <p:txBody>
+            <a:bodyPr rtlCol="0" anchor="ctr"/>
+            <a:lstStyle/>
+            <a:p>
+              <a:endParaRPr lang="en-US"/>
+            </a:p>
+          </p:txBody>
+        </p:sp>
+        <p:sp useBgFill="1">
+          <p:nvSpPr>
+            <p:cNvPr id="70" name="Oval 69">
+              <a:extLst>
+                <a:ext uri="{FF2B5EF4-FFF2-40B4-BE49-F238E27FC236}">
+                  <a16:creationId xmlns:a16="http://schemas.microsoft.com/office/drawing/2014/main" id="{29954B75-D8C7-439C-A014-E644E3E2C0A5}"/>
+                </a:ext>
+                <a:ext uri="{C183D7F6-B498-43B3-948B-1728B52AA6E4}">
+                  <adec:decorative xmlns:adec="http://schemas.microsoft.com/office/drawing/2017/decorative" val="1"/>
+                </a:ext>
+              </a:extLst>
+            </p:cNvPr>
+            <p:cNvSpPr/>
+            <p:nvPr>
+              <p:extLst>
+                <p:ext uri="{386F3935-93C4-4BCD-93E2-E3B085C9AB24}">
+                  <p16:designElem xmlns:p16="http://schemas.microsoft.com/office/powerpoint/2015/main" val="1"/>
+                </p:ext>
+              </p:extLst>
+            </p:nvPr>
+          </p:nvSpPr>
+          <p:spPr>
+            <a:xfrm rot="10800000">
+              <a:off x="1678231" y="427615"/>
+              <a:ext cx="334385" cy="334385"/>
+            </a:xfrm>
+            <a:prstGeom prst="ellipse">
+              <a:avLst/>
+            </a:prstGeom>
+            <a:ln w="3848" cap="flat">
+              <a:noFill/>
+              <a:prstDash val="solid"/>
+              <a:miter/>
+            </a:ln>
+            <a:effectLst>
+              <a:glow rad="152400">
+                <a:srgbClr val="000000">
+                  <a:alpha val="4000"/>
+                </a:srgbClr>
+              </a:glow>
+              <a:outerShdw blurRad="101600" dist="38100" dir="16200000" rotWithShape="0">
+                <a:srgbClr val="000000">
+                  <a:alpha val="5000"/>
+                </a:srgbClr>
+              </a:outerShdw>
+            </a:effectLst>
+          </p:spPr>
+          <p:txBody>
+            <a:bodyPr rtlCol="0" anchor="ctr"/>
+            <a:lstStyle/>
+            <a:p>
+              <a:endParaRPr lang="en-US" dirty="0"/>
+            </a:p>
+          </p:txBody>
+        </p:sp>
+      </p:grpSp>
+      <p:sp useBgFill="1">
+        <p:nvSpPr>
+          <p:cNvPr id="72" name="Rectangle 71">
+            <a:extLst>
+              <a:ext uri="{FF2B5EF4-FFF2-40B4-BE49-F238E27FC236}">
+                <a16:creationId xmlns:a16="http://schemas.microsoft.com/office/drawing/2014/main" id="{4E1EF4E8-5513-4BF5-BC41-04645281C672}"/>
+              </a:ext>
+              <a:ext uri="{C183D7F6-B498-43B3-948B-1728B52AA6E4}">
+                <adec:decorative xmlns:adec="http://schemas.microsoft.com/office/drawing/2017/decorative" val="1"/>
+              </a:ext>
+            </a:extLst>
+          </p:cNvPr>
+          <p:cNvSpPr>
+            <a:spLocks noGrp="1" noRot="1" noChangeAspect="1" noMove="1" noResize="1" noEditPoints="1" noAdjustHandles="1" noChangeArrowheads="1" noChangeShapeType="1" noTextEdit="1"/>
+          </p:cNvSpPr>
+          <p:nvPr>
+            <p:extLst>
+              <p:ext uri="{386F3935-93C4-4BCD-93E2-E3B085C9AB24}">
+                <p16:designElem xmlns:p16="http://schemas.microsoft.com/office/powerpoint/2015/main" val="1"/>
+              </p:ext>
+            </p:extLst>
+          </p:nvPr>
+        </p:nvSpPr>
+        <p:spPr>
+          <a:xfrm>
+            <a:off x="0" y="0"/>
+            <a:ext cx="12192000" cy="6858000"/>
+          </a:xfrm>
+          <a:prstGeom prst="rect">
+            <a:avLst/>
+          </a:prstGeom>
+          <a:ln w="3848" cap="flat">
+            <a:noFill/>
+            <a:prstDash val="solid"/>
+            <a:miter/>
+          </a:ln>
+          <a:effectLst/>
+        </p:spPr>
+        <p:txBody>
+          <a:bodyPr rtlCol="0" anchor="ctr"/>
+          <a:lstStyle/>
+          <a:p>
+            <a:endParaRPr lang="en-US" dirty="0">
+              <a:solidFill>
+                <a:schemeClr val="tx1"/>
+              </a:solidFill>
+            </a:endParaRPr>
+          </a:p>
+        </p:txBody>
+      </p:sp>
+      <p:pic>
+        <p:nvPicPr>
+          <p:cNvPr id="3" name="Picture 2" descr="Text&#10;&#10;Description automatically generated">
+            <a:extLst>
+              <a:ext uri="{FF2B5EF4-FFF2-40B4-BE49-F238E27FC236}">
+                <a16:creationId xmlns:a16="http://schemas.microsoft.com/office/drawing/2014/main" id="{F34BCC1F-70BD-49C8-AE80-1D92F2853373}"/>
+              </a:ext>
+            </a:extLst>
+          </p:cNvPr>
+          <p:cNvPicPr>
+            <a:picLocks noChangeAspect="1"/>
+          </p:cNvPicPr>
+          <p:nvPr/>
+        </p:nvPicPr>
+        <p:blipFill rotWithShape="1">
+          <a:blip r:embed="rId2"/>
+          <a:srcRect t="9109" b="8774"/>
+          <a:stretch/>
+        </p:blipFill>
+        <p:spPr>
+          <a:xfrm>
+            <a:off x="20" y="10"/>
+            <a:ext cx="12191980" cy="6857990"/>
+          </a:xfrm>
+          <a:prstGeom prst="rect">
+            <a:avLst/>
+          </a:prstGeom>
+        </p:spPr>
+      </p:pic>
+      <p:cxnSp>
+        <p:nvCxnSpPr>
+          <p:cNvPr id="86" name="Straight Arrow Connector 85">
+            <a:extLst>
+              <a:ext uri="{FF2B5EF4-FFF2-40B4-BE49-F238E27FC236}">
+                <a16:creationId xmlns:a16="http://schemas.microsoft.com/office/drawing/2014/main" id="{BBAA5845-EAA4-4D1F-A156-8F7CB8A49A42}"/>
+              </a:ext>
+            </a:extLst>
+          </p:cNvPr>
+          <p:cNvCxnSpPr>
+            <a:cxnSpLocks/>
+          </p:cNvCxnSpPr>
+          <p:nvPr/>
+        </p:nvCxnSpPr>
+        <p:spPr>
+          <a:xfrm flipH="1">
+            <a:off x="3394899" y="2343937"/>
+            <a:ext cx="2854343" cy="3283919"/>
+          </a:xfrm>
+          <a:prstGeom prst="straightConnector1">
+            <a:avLst/>
+          </a:prstGeom>
+          <a:ln w="38100">
+            <a:solidFill>
+              <a:srgbClr val="FFFF00"/>
+            </a:solidFill>
+            <a:tailEnd type="triangle"/>
+          </a:ln>
+        </p:spPr>
+        <p:style>
+          <a:lnRef idx="3">
+            <a:schemeClr val="accent2"/>
+          </a:lnRef>
+          <a:fillRef idx="0">
+            <a:schemeClr val="accent2"/>
+          </a:fillRef>
+          <a:effectRef idx="2">
+            <a:schemeClr val="accent2"/>
+          </a:effectRef>
+          <a:fontRef idx="minor">
+            <a:schemeClr val="tx1"/>
+          </a:fontRef>
+        </p:style>
+      </p:cxnSp>
+      <p:cxnSp>
+        <p:nvCxnSpPr>
+          <p:cNvPr id="91" name="Straight Arrow Connector 90">
+            <a:extLst>
+              <a:ext uri="{FF2B5EF4-FFF2-40B4-BE49-F238E27FC236}">
+                <a16:creationId xmlns:a16="http://schemas.microsoft.com/office/drawing/2014/main" id="{C1E8930B-BA5F-44E7-B785-D936F97BAC4B}"/>
+              </a:ext>
+            </a:extLst>
+          </p:cNvPr>
+          <p:cNvCxnSpPr>
+            <a:cxnSpLocks/>
+          </p:cNvCxnSpPr>
+          <p:nvPr/>
+        </p:nvCxnSpPr>
+        <p:spPr>
+          <a:xfrm flipH="1">
+            <a:off x="3381396" y="2343937"/>
+            <a:ext cx="2867846" cy="4056863"/>
+          </a:xfrm>
+          <a:prstGeom prst="straightConnector1">
+            <a:avLst/>
+          </a:prstGeom>
+          <a:ln w="38100">
+            <a:solidFill>
+              <a:srgbClr val="FFFF00"/>
+            </a:solidFill>
+            <a:tailEnd type="triangle"/>
+          </a:ln>
+        </p:spPr>
+        <p:style>
+          <a:lnRef idx="3">
+            <a:schemeClr val="accent2"/>
+          </a:lnRef>
+          <a:fillRef idx="0">
+            <a:schemeClr val="accent2"/>
+          </a:fillRef>
+          <a:effectRef idx="2">
+            <a:schemeClr val="accent2"/>
+          </a:effectRef>
+          <a:fontRef idx="minor">
+            <a:schemeClr val="tx1"/>
+          </a:fontRef>
+        </p:style>
+      </p:cxnSp>
+      <p:sp>
+        <p:nvSpPr>
+          <p:cNvPr id="11" name="TextBox 10">
+            <a:extLst>
+              <a:ext uri="{FF2B5EF4-FFF2-40B4-BE49-F238E27FC236}">
+                <a16:creationId xmlns:a16="http://schemas.microsoft.com/office/drawing/2014/main" id="{2BD42312-797A-42B8-B35E-6A0B5E6970B3}"/>
+              </a:ext>
+            </a:extLst>
+          </p:cNvPr>
+          <p:cNvSpPr txBox="1"/>
+          <p:nvPr/>
+        </p:nvSpPr>
+        <p:spPr>
+          <a:xfrm>
+            <a:off x="5943708" y="1035485"/>
+            <a:ext cx="4892690" cy="923330"/>
+          </a:xfrm>
+          <a:prstGeom prst="rect">
+            <a:avLst/>
+          </a:prstGeom>
+          <a:noFill/>
+        </p:spPr>
+        <p:txBody>
+          <a:bodyPr wrap="square" rtlCol="0">
+            <a:spAutoFit/>
+          </a:bodyPr>
+          <a:lstStyle/>
+          <a:p>
+            <a:r>
+              <a:rPr lang="en-US" dirty="0">
+                <a:solidFill>
+                  <a:schemeClr val="accent4"/>
+                </a:solidFill>
+              </a:rPr>
+              <a:t>2.5x speed up without unboxing </a:t>
+            </a:r>
+            <a:r>
+              <a:rPr lang="en-US" dirty="0" err="1">
+                <a:solidFill>
+                  <a:schemeClr val="accent4"/>
+                </a:solidFill>
+              </a:rPr>
+              <a:t>pyobjects</a:t>
+            </a:r>
+            <a:endParaRPr lang="en-US" dirty="0">
+              <a:solidFill>
+                <a:schemeClr val="accent4"/>
+              </a:solidFill>
+            </a:endParaRPr>
+          </a:p>
+          <a:p>
+            <a:r>
+              <a:rPr lang="en-US" dirty="0">
+                <a:solidFill>
+                  <a:schemeClr val="accent4"/>
+                </a:solidFill>
+              </a:rPr>
+              <a:t>Original Python semantics are kept, big integers and exceptions</a:t>
+            </a:r>
+          </a:p>
+        </p:txBody>
+      </p:sp>
+    </p:spTree>
+    <p:extLst>
+      <p:ext uri="{BB962C8B-B14F-4D97-AF65-F5344CB8AC3E}">
+        <p14:creationId xmlns:p14="http://schemas.microsoft.com/office/powerpoint/2010/main" val="4031337442"/>
+      </p:ext>
+    </p:extLst>
+  </p:cSld>
+  <p:clrMapOvr>
+    <a:masterClrMapping/>
+  </p:clrMapOvr>
+</p:sld>
+</file>
+
+<file path=ppt/slides/slide4.xml><?xml version="1.0" encoding="utf-8"?>
+<p:sld xmlns:a="http://schemas.openxmlformats.org/drawingml/2006/main" xmlns:r="http://schemas.openxmlformats.org/officeDocument/2006/relationships" xmlns:p="http://schemas.openxmlformats.org/presentationml/2006/main">
+  <p:cSld>
+    <p:bg>
+      <p:bgPr>
+        <a:solidFill>
+          <a:schemeClr val="bg1"/>
+        </a:solidFill>
+        <a:effectLst/>
+      </p:bgPr>
+    </p:bg>
+    <p:spTree>
+      <p:nvGrpSpPr>
+        <p:cNvPr id="1" name=""/>
+        <p:cNvGrpSpPr/>
+        <p:nvPr/>
+      </p:nvGrpSpPr>
+      <p:grpSpPr>
+        <a:xfrm>
+          <a:off x="0" y="0"/>
+          <a:ext cx="0" cy="0"/>
+          <a:chOff x="0" y="0"/>
+          <a:chExt cx="0" cy="0"/>
+        </a:xfrm>
+      </p:grpSpPr>
+      <p:grpSp>
+        <p:nvGrpSpPr>
+          <p:cNvPr id="9" name="Group 8">
+            <a:extLst>
+              <a:ext uri="{FF2B5EF4-FFF2-40B4-BE49-F238E27FC236}">
+                <a16:creationId xmlns:a16="http://schemas.microsoft.com/office/drawing/2014/main" id="{D91916A1-FEE7-41E7-BEE3-2B4941A6F305}"/>
+              </a:ext>
+              <a:ext uri="{C183D7F6-B498-43B3-948B-1728B52AA6E4}">
+                <adec:decorative xmlns:adec="http://schemas.microsoft.com/office/drawing/2017/decorative" val="1"/>
+              </a:ext>
+            </a:extLst>
+          </p:cNvPr>
+          <p:cNvGrpSpPr>
+            <a:grpSpLocks noGrp="1" noUngrp="1" noRot="1" noChangeAspect="1" noMove="1" noResize="1"/>
+          </p:cNvGrpSpPr>
+          <p:nvPr>
+            <p:extLst>
+              <p:ext uri="{386F3935-93C4-4BCD-93E2-E3B085C9AB24}">
+                <p16:designElem xmlns:p16="http://schemas.microsoft.com/office/powerpoint/2015/main" val="1"/>
+              </p:ext>
+            </p:extLst>
+          </p:nvPr>
+        </p:nvGrpSpPr>
+        <p:grpSpPr>
+          <a:xfrm>
+            <a:off x="175990" y="62886"/>
+            <a:ext cx="11708355" cy="6301715"/>
+            <a:chOff x="175990" y="62886"/>
+            <a:chExt cx="11708355" cy="6301715"/>
+          </a:xfrm>
+        </p:grpSpPr>
+        <p:sp useBgFill="1">
+          <p:nvSpPr>
+            <p:cNvPr id="10" name="Graphic 10">
+              <a:extLst>
+                <a:ext uri="{FF2B5EF4-FFF2-40B4-BE49-F238E27FC236}">
+                  <a16:creationId xmlns:a16="http://schemas.microsoft.com/office/drawing/2014/main" id="{EAFF5F08-677C-4873-9274-02B6FE751044}"/>
                 </a:ext>
                 <a:ext uri="{C183D7F6-B498-43B3-948B-1728B52AA6E4}">
                   <adec:decorative xmlns:adec="http://schemas.microsoft.com/office/drawing/2017/decorative" val="1"/>
@@ -7673,8 +9730,8 @@
           </p:nvSpPr>
           <p:spPr>
             <a:xfrm rot="2700000">
-              <a:off x="10578627" y="5015941"/>
-              <a:ext cx="925287" cy="925287"/>
+              <a:off x="175990" y="525742"/>
+              <a:ext cx="1066799" cy="1066799"/>
             </a:xfrm>
             <a:custGeom>
               <a:avLst/>
@@ -7870,286 +9927,10 @@
         </p:sp>
         <p:sp useBgFill="1">
           <p:nvSpPr>
-            <p:cNvPr id="53" name="Oval 33">
+            <p:cNvPr id="6" name="Graphic 10">
               <a:extLst>
                 <a:ext uri="{FF2B5EF4-FFF2-40B4-BE49-F238E27FC236}">
-                  <a16:creationId xmlns:a16="http://schemas.microsoft.com/office/drawing/2014/main" id="{FB98224C-F1DB-4F10-9B7F-93B86BA13F40}"/>
-                </a:ext>
-                <a:ext uri="{C183D7F6-B498-43B3-948B-1728B52AA6E4}">
-                  <adec:decorative xmlns:adec="http://schemas.microsoft.com/office/drawing/2017/decorative" val="1"/>
-                </a:ext>
-              </a:extLst>
-            </p:cNvPr>
-            <p:cNvSpPr/>
-            <p:nvPr>
-              <p:extLst>
-                <p:ext uri="{386F3935-93C4-4BCD-93E2-E3B085C9AB24}">
-                  <p16:designElem xmlns:p16="http://schemas.microsoft.com/office/powerpoint/2015/main" val="1"/>
-                </p:ext>
-              </p:extLst>
-            </p:nvPr>
-          </p:nvSpPr>
-          <p:spPr>
-            <a:xfrm rot="10800000">
-              <a:off x="11622685" y="6102941"/>
-              <a:ext cx="261660" cy="261660"/>
-            </a:xfrm>
-            <a:prstGeom prst="ellipse">
-              <a:avLst/>
-            </a:prstGeom>
-            <a:ln w="3848" cap="flat">
-              <a:noFill/>
-              <a:prstDash val="solid"/>
-              <a:miter/>
-            </a:ln>
-            <a:effectLst>
-              <a:glow rad="152400">
-                <a:srgbClr val="000000">
-                  <a:alpha val="4000"/>
-                </a:srgbClr>
-              </a:glow>
-              <a:outerShdw blurRad="101600" dist="38100" dir="16200000" rotWithShape="0">
-                <a:srgbClr val="000000">
-                  <a:alpha val="5000"/>
-                </a:srgbClr>
-              </a:outerShdw>
-            </a:effectLst>
-          </p:spPr>
-          <p:txBody>
-            <a:bodyPr rtlCol="0" anchor="ctr"/>
-            <a:lstStyle/>
-            <a:p>
-              <a:endParaRPr lang="en-US"/>
-            </a:p>
-          </p:txBody>
-        </p:sp>
-        <p:sp useBgFill="1">
-          <p:nvSpPr>
-            <p:cNvPr id="54" name="Oval 34">
-              <a:extLst>
-                <a:ext uri="{FF2B5EF4-FFF2-40B4-BE49-F238E27FC236}">
-                  <a16:creationId xmlns:a16="http://schemas.microsoft.com/office/drawing/2014/main" id="{9AE1FC9E-06C9-4A12-8BE7-766C3DA8B9AC}"/>
-                </a:ext>
-                <a:ext uri="{C183D7F6-B498-43B3-948B-1728B52AA6E4}">
-                  <adec:decorative xmlns:adec="http://schemas.microsoft.com/office/drawing/2017/decorative" val="1"/>
-                </a:ext>
-              </a:extLst>
-            </p:cNvPr>
-            <p:cNvSpPr/>
-            <p:nvPr>
-              <p:extLst>
-                <p:ext uri="{386F3935-93C4-4BCD-93E2-E3B085C9AB24}">
-                  <p16:designElem xmlns:p16="http://schemas.microsoft.com/office/powerpoint/2015/main" val="1"/>
-                </p:ext>
-              </p:extLst>
-            </p:nvPr>
-          </p:nvSpPr>
-          <p:spPr>
-            <a:xfrm rot="10800000">
-              <a:off x="11352354" y="406586"/>
-              <a:ext cx="474023" cy="474023"/>
-            </a:xfrm>
-            <a:prstGeom prst="ellipse">
-              <a:avLst/>
-            </a:prstGeom>
-            <a:ln w="3848" cap="flat">
-              <a:noFill/>
-              <a:prstDash val="solid"/>
-              <a:miter/>
-            </a:ln>
-            <a:effectLst>
-              <a:glow rad="152400">
-                <a:srgbClr val="000000">
-                  <a:alpha val="4000"/>
-                </a:srgbClr>
-              </a:glow>
-              <a:outerShdw blurRad="101600" dist="38100" dir="16200000" rotWithShape="0">
-                <a:srgbClr val="000000">
-                  <a:alpha val="5000"/>
-                </a:srgbClr>
-              </a:outerShdw>
-            </a:effectLst>
-          </p:spPr>
-          <p:txBody>
-            <a:bodyPr rtlCol="0" anchor="ctr"/>
-            <a:lstStyle/>
-            <a:p>
-              <a:endParaRPr lang="en-US"/>
-            </a:p>
-          </p:txBody>
-        </p:sp>
-        <p:sp useBgFill="1">
-          <p:nvSpPr>
-            <p:cNvPr id="55" name="Oval 35">
-              <a:extLst>
-                <a:ext uri="{FF2B5EF4-FFF2-40B4-BE49-F238E27FC236}">
-                  <a16:creationId xmlns:a16="http://schemas.microsoft.com/office/drawing/2014/main" id="{29954B75-D8C7-439C-A014-E644E3E2C0A5}"/>
-                </a:ext>
-                <a:ext uri="{C183D7F6-B498-43B3-948B-1728B52AA6E4}">
-                  <adec:decorative xmlns:adec="http://schemas.microsoft.com/office/drawing/2017/decorative" val="1"/>
-                </a:ext>
-              </a:extLst>
-            </p:cNvPr>
-            <p:cNvSpPr/>
-            <p:nvPr>
-              <p:extLst>
-                <p:ext uri="{386F3935-93C4-4BCD-93E2-E3B085C9AB24}">
-                  <p16:designElem xmlns:p16="http://schemas.microsoft.com/office/powerpoint/2015/main" val="1"/>
-                </p:ext>
-              </p:extLst>
-            </p:nvPr>
-          </p:nvSpPr>
-          <p:spPr>
-            <a:xfrm rot="10800000">
-              <a:off x="1678231" y="427615"/>
-              <a:ext cx="334385" cy="334385"/>
-            </a:xfrm>
-            <a:prstGeom prst="ellipse">
-              <a:avLst/>
-            </a:prstGeom>
-            <a:ln w="3848" cap="flat">
-              <a:noFill/>
-              <a:prstDash val="solid"/>
-              <a:miter/>
-            </a:ln>
-            <a:effectLst>
-              <a:glow rad="152400">
-                <a:srgbClr val="000000">
-                  <a:alpha val="4000"/>
-                </a:srgbClr>
-              </a:glow>
-              <a:outerShdw blurRad="101600" dist="38100" dir="16200000" rotWithShape="0">
-                <a:srgbClr val="000000">
-                  <a:alpha val="5000"/>
-                </a:srgbClr>
-              </a:outerShdw>
-            </a:effectLst>
-          </p:spPr>
-          <p:txBody>
-            <a:bodyPr rtlCol="0" anchor="ctr"/>
-            <a:lstStyle/>
-            <a:p>
-              <a:endParaRPr lang="en-US" dirty="0"/>
-            </a:p>
-          </p:txBody>
-        </p:sp>
-      </p:grpSp>
-      <p:sp useBgFill="1">
-        <p:nvSpPr>
-          <p:cNvPr id="56" name="Rectangle 37">
-            <a:extLst>
-              <a:ext uri="{FF2B5EF4-FFF2-40B4-BE49-F238E27FC236}">
-                <a16:creationId xmlns:a16="http://schemas.microsoft.com/office/drawing/2014/main" id="{4E1EF4E8-5513-4BF5-BC41-04645281C672}"/>
-              </a:ext>
-              <a:ext uri="{C183D7F6-B498-43B3-948B-1728B52AA6E4}">
-                <adec:decorative xmlns:adec="http://schemas.microsoft.com/office/drawing/2017/decorative" val="1"/>
-              </a:ext>
-            </a:extLst>
-          </p:cNvPr>
-          <p:cNvSpPr>
-            <a:spLocks noGrp="1" noRot="1" noChangeAspect="1" noMove="1" noResize="1" noEditPoints="1" noAdjustHandles="1" noChangeArrowheads="1" noChangeShapeType="1" noTextEdit="1"/>
-          </p:cNvSpPr>
-          <p:nvPr>
-            <p:extLst>
-              <p:ext uri="{386F3935-93C4-4BCD-93E2-E3B085C9AB24}">
-                <p16:designElem xmlns:p16="http://schemas.microsoft.com/office/powerpoint/2015/main" val="1"/>
-              </p:ext>
-            </p:extLst>
-          </p:nvPr>
-        </p:nvSpPr>
-        <p:spPr>
-          <a:xfrm>
-            <a:off x="0" y="0"/>
-            <a:ext cx="12192000" cy="6858000"/>
-          </a:xfrm>
-          <a:prstGeom prst="rect">
-            <a:avLst/>
-          </a:prstGeom>
-          <a:ln w="3848" cap="flat">
-            <a:noFill/>
-            <a:prstDash val="solid"/>
-            <a:miter/>
-          </a:ln>
-          <a:effectLst/>
-        </p:spPr>
-        <p:txBody>
-          <a:bodyPr rtlCol="0" anchor="ctr"/>
-          <a:lstStyle/>
-          <a:p>
-            <a:endParaRPr lang="en-US" dirty="0">
-              <a:solidFill>
-                <a:schemeClr val="tx1"/>
-              </a:solidFill>
-            </a:endParaRPr>
-          </a:p>
-        </p:txBody>
-      </p:sp>
-      <p:pic>
-        <p:nvPicPr>
-          <p:cNvPr id="4" name="Picture 3">
-            <a:extLst>
-              <a:ext uri="{FF2B5EF4-FFF2-40B4-BE49-F238E27FC236}">
-                <a16:creationId xmlns:a16="http://schemas.microsoft.com/office/drawing/2014/main" id="{F683D5F9-2EF2-4EF3-855E-6750AE9788A6}"/>
-              </a:ext>
-            </a:extLst>
-          </p:cNvPr>
-          <p:cNvPicPr>
-            <a:picLocks noChangeAspect="1"/>
-          </p:cNvPicPr>
-          <p:nvPr/>
-        </p:nvPicPr>
-        <p:blipFill rotWithShape="1">
-          <a:blip r:embed="rId2"/>
-          <a:srcRect t="8565" b="8410"/>
-          <a:stretch/>
-        </p:blipFill>
-        <p:spPr>
-          <a:xfrm>
-            <a:off x="44972" y="68553"/>
-            <a:ext cx="12191980" cy="6857989"/>
-          </a:xfrm>
-          <a:prstGeom prst="rect">
-            <a:avLst/>
-          </a:prstGeom>
-        </p:spPr>
-      </p:pic>
-      <p:grpSp>
-        <p:nvGrpSpPr>
-          <p:cNvPr id="57" name="Group 39">
-            <a:extLst>
-              <a:ext uri="{FF2B5EF4-FFF2-40B4-BE49-F238E27FC236}">
-                <a16:creationId xmlns:a16="http://schemas.microsoft.com/office/drawing/2014/main" id="{E2F6F869-F143-4607-BEE5-AA6FEB71E109}"/>
-              </a:ext>
-              <a:ext uri="{C183D7F6-B498-43B3-948B-1728B52AA6E4}">
-                <adec:decorative xmlns:adec="http://schemas.microsoft.com/office/drawing/2017/decorative" val="1"/>
-              </a:ext>
-            </a:extLst>
-          </p:cNvPr>
-          <p:cNvGrpSpPr>
-            <a:grpSpLocks noGrp="1" noUngrp="1" noRot="1" noChangeAspect="1" noMove="1" noResize="1"/>
-          </p:cNvGrpSpPr>
-          <p:nvPr>
-            <p:extLst>
-              <p:ext uri="{386F3935-93C4-4BCD-93E2-E3B085C9AB24}">
-                <p16:designElem xmlns:p16="http://schemas.microsoft.com/office/powerpoint/2015/main" val="1"/>
-              </p:ext>
-            </p:extLst>
-          </p:nvPr>
-        </p:nvGrpSpPr>
-        <p:grpSpPr>
-          <a:xfrm>
-            <a:off x="349996" y="152400"/>
-            <a:ext cx="1942299" cy="1746255"/>
-            <a:chOff x="559425" y="995030"/>
-            <a:chExt cx="1942299" cy="1746255"/>
-          </a:xfrm>
-        </p:grpSpPr>
-        <p:sp useBgFill="1">
-          <p:nvSpPr>
-            <p:cNvPr id="41" name="Graphic 10">
-              <a:extLst>
-                <a:ext uri="{FF2B5EF4-FFF2-40B4-BE49-F238E27FC236}">
-                  <a16:creationId xmlns:a16="http://schemas.microsoft.com/office/drawing/2014/main" id="{C75470B2-BBA7-4280-A6F6-FAE9E9F1CC7A}"/>
+                  <a16:creationId xmlns:a16="http://schemas.microsoft.com/office/drawing/2014/main" id="{16514C65-F179-4953-B660-5FC657697957}"/>
                 </a:ext>
                 <a:ext uri="{C183D7F6-B498-43B3-948B-1728B52AA6E4}">
                   <adec:decorative xmlns:adec="http://schemas.microsoft.com/office/drawing/2017/decorative" val="1"/>
@@ -8167,8 +9948,8 @@
           </p:nvSpPr>
           <p:spPr>
             <a:xfrm rot="2700000">
-              <a:off x="559425" y="995030"/>
-              <a:ext cx="1066799" cy="1066799"/>
+              <a:off x="8482021" y="62886"/>
+              <a:ext cx="2322574" cy="2322574"/>
             </a:xfrm>
             <a:custGeom>
               <a:avLst/>
@@ -8364,785 +10145,10 @@
         </p:sp>
         <p:sp useBgFill="1">
           <p:nvSpPr>
-            <p:cNvPr id="58" name="Oval 41">
+            <p:cNvPr id="12" name="Graphic 10">
               <a:extLst>
                 <a:ext uri="{FF2B5EF4-FFF2-40B4-BE49-F238E27FC236}">
-                  <a16:creationId xmlns:a16="http://schemas.microsoft.com/office/drawing/2014/main" id="{9A54C6CC-DDAA-4A39-ADF6-3C8475C59AE3}"/>
-                </a:ext>
-                <a:ext uri="{C183D7F6-B498-43B3-948B-1728B52AA6E4}">
-                  <adec:decorative xmlns:adec="http://schemas.microsoft.com/office/drawing/2017/decorative" val="1"/>
-                </a:ext>
-              </a:extLst>
-            </p:cNvPr>
-            <p:cNvSpPr/>
-            <p:nvPr>
-              <p:extLst>
-                <p:ext uri="{386F3935-93C4-4BCD-93E2-E3B085C9AB24}">
-                  <p16:designElem xmlns:p16="http://schemas.microsoft.com/office/powerpoint/2015/main" val="1"/>
-                </p:ext>
-              </p:extLst>
-            </p:nvPr>
-          </p:nvSpPr>
-          <p:spPr>
-            <a:xfrm rot="10800000">
-              <a:off x="2286000" y="1378534"/>
-              <a:ext cx="215724" cy="215724"/>
-            </a:xfrm>
-            <a:prstGeom prst="ellipse">
-              <a:avLst/>
-            </a:prstGeom>
-            <a:ln w="3848" cap="flat">
-              <a:noFill/>
-              <a:prstDash val="solid"/>
-              <a:miter/>
-            </a:ln>
-            <a:effectLst>
-              <a:glow rad="152400">
-                <a:srgbClr val="000000">
-                  <a:alpha val="4000"/>
-                </a:srgbClr>
-              </a:glow>
-              <a:outerShdw blurRad="101600" dist="38100" dir="16200000" rotWithShape="0">
-                <a:srgbClr val="000000">
-                  <a:alpha val="5000"/>
-                </a:srgbClr>
-              </a:outerShdw>
-            </a:effectLst>
-          </p:spPr>
-          <p:txBody>
-            <a:bodyPr rtlCol="0" anchor="ctr"/>
-            <a:lstStyle/>
-            <a:p>
-              <a:endParaRPr lang="en-US" dirty="0"/>
-            </a:p>
-          </p:txBody>
-        </p:sp>
-        <p:sp useBgFill="1">
-          <p:nvSpPr>
-            <p:cNvPr id="43" name="Oval 42">
-              <a:extLst>
-                <a:ext uri="{FF2B5EF4-FFF2-40B4-BE49-F238E27FC236}">
-                  <a16:creationId xmlns:a16="http://schemas.microsoft.com/office/drawing/2014/main" id="{0CB44DA0-4772-4F1E-982F-12BAC7C5845F}"/>
-                </a:ext>
-                <a:ext uri="{C183D7F6-B498-43B3-948B-1728B52AA6E4}">
-                  <adec:decorative xmlns:adec="http://schemas.microsoft.com/office/drawing/2017/decorative" val="1"/>
-                </a:ext>
-              </a:extLst>
-            </p:cNvPr>
-            <p:cNvSpPr/>
-            <p:nvPr>
-              <p:extLst>
-                <p:ext uri="{386F3935-93C4-4BCD-93E2-E3B085C9AB24}">
-                  <p16:designElem xmlns:p16="http://schemas.microsoft.com/office/powerpoint/2015/main" val="1"/>
-                </p:ext>
-              </p:extLst>
-            </p:nvPr>
-          </p:nvSpPr>
-          <p:spPr>
-            <a:xfrm rot="10800000">
-              <a:off x="666629" y="2406900"/>
-              <a:ext cx="334385" cy="334385"/>
-            </a:xfrm>
-            <a:prstGeom prst="ellipse">
-              <a:avLst/>
-            </a:prstGeom>
-            <a:ln w="3848" cap="flat">
-              <a:noFill/>
-              <a:prstDash val="solid"/>
-              <a:miter/>
-            </a:ln>
-            <a:effectLst>
-              <a:glow rad="152400">
-                <a:srgbClr val="000000">
-                  <a:alpha val="4000"/>
-                </a:srgbClr>
-              </a:glow>
-              <a:outerShdw blurRad="101600" dist="38100" dir="16200000" rotWithShape="0">
-                <a:srgbClr val="000000">
-                  <a:alpha val="5000"/>
-                </a:srgbClr>
-              </a:outerShdw>
-            </a:effectLst>
-          </p:spPr>
-          <p:txBody>
-            <a:bodyPr rtlCol="0" anchor="ctr"/>
-            <a:lstStyle/>
-            <a:p>
-              <a:endParaRPr lang="en-US" dirty="0"/>
-            </a:p>
-          </p:txBody>
-        </p:sp>
-      </p:grpSp>
-      <p:sp>
-        <p:nvSpPr>
-          <p:cNvPr id="59" name="Rectangle 44">
-            <a:extLst>
-              <a:ext uri="{FF2B5EF4-FFF2-40B4-BE49-F238E27FC236}">
-                <a16:creationId xmlns:a16="http://schemas.microsoft.com/office/drawing/2014/main" id="{37C02446-FDEC-4634-8936-6FBB0F9FDEDD}"/>
-              </a:ext>
-              <a:ext uri="{C183D7F6-B498-43B3-948B-1728B52AA6E4}">
-                <adec:decorative xmlns:adec="http://schemas.microsoft.com/office/drawing/2017/decorative" val="1"/>
-              </a:ext>
-            </a:extLst>
-          </p:cNvPr>
-          <p:cNvSpPr>
-            <a:spLocks noGrp="1" noRot="1" noChangeAspect="1" noMove="1" noResize="1" noEditPoints="1" noAdjustHandles="1" noChangeArrowheads="1" noChangeShapeType="1" noTextEdit="1"/>
-          </p:cNvSpPr>
-          <p:nvPr>
-            <p:extLst>
-              <p:ext uri="{386F3935-93C4-4BCD-93E2-E3B085C9AB24}">
-                <p16:designElem xmlns:p16="http://schemas.microsoft.com/office/powerpoint/2015/main" val="1"/>
-              </p:ext>
-            </p:extLst>
-          </p:nvPr>
-        </p:nvSpPr>
-        <p:spPr>
-          <a:xfrm rot="10800000">
-            <a:off x="0" y="3125636"/>
-            <a:ext cx="12188952" cy="3732362"/>
-          </a:xfrm>
-          <a:prstGeom prst="rect">
-            <a:avLst/>
-          </a:prstGeom>
-          <a:gradFill>
-            <a:gsLst>
-              <a:gs pos="100000">
-                <a:schemeClr val="tx1">
-                  <a:alpha val="0"/>
-                </a:schemeClr>
-              </a:gs>
-              <a:gs pos="0">
-                <a:schemeClr val="tx1"/>
-              </a:gs>
-              <a:gs pos="0">
-                <a:schemeClr val="tx1">
-                  <a:alpha val="40000"/>
-                </a:schemeClr>
-              </a:gs>
-            </a:gsLst>
-            <a:lin ang="5400000" scaled="1"/>
-          </a:gradFill>
-          <a:ln>
-            <a:noFill/>
-          </a:ln>
-        </p:spPr>
-        <p:style>
-          <a:lnRef idx="2">
-            <a:schemeClr val="accent1">
-              <a:shade val="50000"/>
-            </a:schemeClr>
-          </a:lnRef>
-          <a:fillRef idx="1">
-            <a:schemeClr val="accent1"/>
-          </a:fillRef>
-          <a:effectRef idx="0">
-            <a:schemeClr val="accent1"/>
-          </a:effectRef>
-          <a:fontRef idx="minor">
-            <a:schemeClr val="lt1"/>
-          </a:fontRef>
-        </p:style>
-        <p:txBody>
-          <a:bodyPr rtlCol="0" anchor="ctr"/>
-          <a:lstStyle/>
-          <a:p>
-            <a:pPr algn="ctr"/>
-            <a:endParaRPr lang="en-US"/>
-          </a:p>
-        </p:txBody>
-      </p:sp>
-      <p:sp>
-        <p:nvSpPr>
-          <p:cNvPr id="2" name="Title 1">
-            <a:extLst>
-              <a:ext uri="{FF2B5EF4-FFF2-40B4-BE49-F238E27FC236}">
-                <a16:creationId xmlns:a16="http://schemas.microsoft.com/office/drawing/2014/main" id="{A42A05F9-8044-4C6B-BC2A-92EE7166168D}"/>
-              </a:ext>
-            </a:extLst>
-          </p:cNvPr>
-          <p:cNvSpPr>
-            <a:spLocks noGrp="1"/>
-          </p:cNvSpPr>
-          <p:nvPr>
-            <p:ph type="title"/>
-          </p:nvPr>
-        </p:nvSpPr>
-        <p:spPr>
-          <a:xfrm>
-            <a:off x="2551548" y="1897347"/>
-            <a:ext cx="9144000" cy="1600200"/>
-          </a:xfrm>
-        </p:spPr>
-        <p:txBody>
-          <a:bodyPr vert="horz" lIns="91440" tIns="45720" rIns="91440" bIns="45720" rtlCol="0" anchor="b">
-            <a:normAutofit/>
-          </a:bodyPr>
-          <a:lstStyle/>
-          <a:p>
-            <a:pPr algn="ctr"/>
-            <a:r>
-              <a:rPr lang="en-US" sz="6000" kern="1200" dirty="0">
-                <a:solidFill>
-                  <a:srgbClr val="FFFFFF"/>
-                </a:solidFill>
-                <a:latin typeface="+mj-lt"/>
-                <a:ea typeface="+mj-ea"/>
-                <a:cs typeface="+mj-cs"/>
-              </a:rPr>
-              <a:t>Expected Usage</a:t>
-            </a:r>
-          </a:p>
-        </p:txBody>
-      </p:sp>
-    </p:spTree>
-    <p:extLst>
-      <p:ext uri="{BB962C8B-B14F-4D97-AF65-F5344CB8AC3E}">
-        <p14:creationId xmlns:p14="http://schemas.microsoft.com/office/powerpoint/2010/main" val="4031337442"/>
-      </p:ext>
-    </p:extLst>
-  </p:cSld>
-  <p:clrMapOvr>
-    <a:masterClrMapping/>
-  </p:clrMapOvr>
-</p:sld>
-</file>
-
-<file path=ppt/slides/slide4.xml><?xml version="1.0" encoding="utf-8"?>
-<p:sld xmlns:a="http://schemas.openxmlformats.org/drawingml/2006/main" xmlns:r="http://schemas.openxmlformats.org/officeDocument/2006/relationships" xmlns:p="http://schemas.openxmlformats.org/presentationml/2006/main">
-  <p:cSld>
-    <p:spTree>
-      <p:nvGrpSpPr>
-        <p:cNvPr id="1" name=""/>
-        <p:cNvGrpSpPr/>
-        <p:nvPr/>
-      </p:nvGrpSpPr>
-      <p:grpSpPr>
-        <a:xfrm>
-          <a:off x="0" y="0"/>
-          <a:ext cx="0" cy="0"/>
-          <a:chOff x="0" y="0"/>
-          <a:chExt cx="0" cy="0"/>
-        </a:xfrm>
-      </p:grpSpPr>
-      <p:sp>
-        <p:nvSpPr>
-          <p:cNvPr id="2" name="Title 1">
-            <a:extLst>
-              <a:ext uri="{FF2B5EF4-FFF2-40B4-BE49-F238E27FC236}">
-                <a16:creationId xmlns:a16="http://schemas.microsoft.com/office/drawing/2014/main" id="{BF4191EE-DF0B-4B33-92BB-22F094367C33}"/>
-              </a:ext>
-            </a:extLst>
-          </p:cNvPr>
-          <p:cNvSpPr>
-            <a:spLocks noGrp="1"/>
-          </p:cNvSpPr>
-          <p:nvPr>
-            <p:ph type="title"/>
-          </p:nvPr>
-        </p:nvSpPr>
-        <p:spPr/>
-        <p:txBody>
-          <a:bodyPr/>
-          <a:lstStyle/>
-          <a:p>
-            <a:r>
-              <a:rPr lang="en-US" dirty="0"/>
-              <a:t>Python Bytecode Instructions</a:t>
-            </a:r>
-          </a:p>
-        </p:txBody>
-      </p:sp>
-      <p:sp>
-        <p:nvSpPr>
-          <p:cNvPr id="3" name="Content Placeholder 2">
-            <a:extLst>
-              <a:ext uri="{FF2B5EF4-FFF2-40B4-BE49-F238E27FC236}">
-                <a16:creationId xmlns:a16="http://schemas.microsoft.com/office/drawing/2014/main" id="{95738F01-2D42-41D5-9414-FF164998F735}"/>
-              </a:ext>
-            </a:extLst>
-          </p:cNvPr>
-          <p:cNvSpPr>
-            <a:spLocks noGrp="1"/>
-          </p:cNvSpPr>
-          <p:nvPr>
-            <p:ph idx="1"/>
-          </p:nvPr>
-        </p:nvSpPr>
-        <p:spPr/>
-        <p:txBody>
-          <a:bodyPr/>
-          <a:lstStyle/>
-          <a:p>
-            <a:r>
-              <a:rPr lang="en-US" dirty="0"/>
-              <a:t>Execution of Python</a:t>
-            </a:r>
-          </a:p>
-          <a:p>
-            <a:pPr marL="457200" lvl="1" indent="0">
-              <a:buNone/>
-            </a:pPr>
-            <a:r>
-              <a:rPr lang="en-US" dirty="0"/>
-              <a:t>To execute Python source code, the Python compiler always compiles it into Python bytecode, interprets them with a stack virtual machine.</a:t>
-            </a:r>
-          </a:p>
-          <a:p>
-            <a:r>
-              <a:rPr lang="en-US" dirty="0"/>
-              <a:t>When interpreting bytecode, 2 parts are considered</a:t>
-            </a:r>
-          </a:p>
-          <a:p>
-            <a:pPr lvl="1"/>
-            <a:r>
-              <a:rPr lang="en-US" dirty="0"/>
-              <a:t>Instructions</a:t>
-            </a:r>
-          </a:p>
-          <a:p>
-            <a:pPr lvl="1"/>
-            <a:r>
-              <a:rPr lang="en-US" dirty="0"/>
-              <a:t>Runtime Objects(closure, default arguments, constant pools, etc.)</a:t>
-            </a:r>
-          </a:p>
-          <a:p>
-            <a:r>
-              <a:rPr lang="en-US" dirty="0"/>
-              <a:t>Python Bytecode Instructions</a:t>
-            </a:r>
-          </a:p>
-          <a:p>
-            <a:pPr marL="457200" lvl="1" indent="0">
-              <a:buNone/>
-            </a:pPr>
-            <a:r>
-              <a:rPr lang="en-US" dirty="0"/>
-              <a:t>Python bytecode instructions are large, sophisticated and verbose.</a:t>
-            </a:r>
-          </a:p>
-          <a:p>
-            <a:pPr marL="457200" lvl="1" indent="0">
-              <a:buNone/>
-            </a:pPr>
-            <a:r>
-              <a:rPr lang="en-US" dirty="0"/>
-              <a:t>We normalize </a:t>
-            </a:r>
-            <a:r>
-              <a:rPr lang="en-US" dirty="0" err="1"/>
-              <a:t>Py</a:t>
-            </a:r>
-            <a:r>
-              <a:rPr lang="en-US" dirty="0"/>
-              <a:t> instructions to a very concise set: Core CPY</a:t>
-            </a:r>
-          </a:p>
-          <a:p>
-            <a:pPr marL="457200" lvl="1" indent="0">
-              <a:buNone/>
-            </a:pPr>
-            <a:endParaRPr lang="en-US" dirty="0"/>
-          </a:p>
-        </p:txBody>
-      </p:sp>
-    </p:spTree>
-    <p:extLst>
-      <p:ext uri="{BB962C8B-B14F-4D97-AF65-F5344CB8AC3E}">
-        <p14:creationId xmlns:p14="http://schemas.microsoft.com/office/powerpoint/2010/main" val="1773145573"/>
-      </p:ext>
-    </p:extLst>
-  </p:cSld>
-  <p:clrMapOvr>
-    <a:masterClrMapping/>
-  </p:clrMapOvr>
-</p:sld>
-</file>
-
-<file path=ppt/slides/slide5.xml><?xml version="1.0" encoding="utf-8"?>
-<p:sld xmlns:a="http://schemas.openxmlformats.org/drawingml/2006/main" xmlns:r="http://schemas.openxmlformats.org/officeDocument/2006/relationships" xmlns:p="http://schemas.openxmlformats.org/presentationml/2006/main">
-  <p:cSld>
-    <p:spTree>
-      <p:nvGrpSpPr>
-        <p:cNvPr id="1" name=""/>
-        <p:cNvGrpSpPr/>
-        <p:nvPr/>
-      </p:nvGrpSpPr>
-      <p:grpSpPr>
-        <a:xfrm>
-          <a:off x="0" y="0"/>
-          <a:ext cx="0" cy="0"/>
-          <a:chOff x="0" y="0"/>
-          <a:chExt cx="0" cy="0"/>
-        </a:xfrm>
-      </p:grpSpPr>
-      <p:sp>
-        <p:nvSpPr>
-          <p:cNvPr id="2" name="Title 1">
-            <a:extLst>
-              <a:ext uri="{FF2B5EF4-FFF2-40B4-BE49-F238E27FC236}">
-                <a16:creationId xmlns:a16="http://schemas.microsoft.com/office/drawing/2014/main" id="{3A969CF3-0ED4-4870-8D46-5222707FEF95}"/>
-              </a:ext>
-            </a:extLst>
-          </p:cNvPr>
-          <p:cNvSpPr>
-            <a:spLocks noGrp="1"/>
-          </p:cNvSpPr>
-          <p:nvPr>
-            <p:ph type="title"/>
-          </p:nvPr>
-        </p:nvSpPr>
-        <p:spPr/>
-        <p:txBody>
-          <a:bodyPr/>
-          <a:lstStyle/>
-          <a:p>
-            <a:r>
-              <a:rPr lang="en-US" dirty="0"/>
-              <a:t>Core CPY</a:t>
-            </a:r>
-          </a:p>
-        </p:txBody>
-      </p:sp>
-      <mc:AlternateContent xmlns:mc="http://schemas.openxmlformats.org/markup-compatibility/2006">
-        <mc:Choice xmlns:a14="http://schemas.microsoft.com/office/drawing/2010/main" Requires="a14">
-          <p:sp>
-            <p:nvSpPr>
-              <p:cNvPr id="4" name="TextBox 3">
-                <a:extLst>
-                  <a:ext uri="{FF2B5EF4-FFF2-40B4-BE49-F238E27FC236}">
-                    <a16:creationId xmlns:a16="http://schemas.microsoft.com/office/drawing/2014/main" id="{731D2342-654A-468E-BF35-BFC4E499DA08}"/>
-                  </a:ext>
-                </a:extLst>
-              </p:cNvPr>
-              <p:cNvSpPr txBox="1"/>
-              <p:nvPr/>
-            </p:nvSpPr>
-            <p:spPr>
-              <a:xfrm>
-                <a:off x="353635" y="1581254"/>
-                <a:ext cx="5041830" cy="369332"/>
-              </a:xfrm>
-              <a:prstGeom prst="rect">
-                <a:avLst/>
-              </a:prstGeom>
-              <a:noFill/>
-            </p:spPr>
-            <p:txBody>
-              <a:bodyPr wrap="square" rtlCol="0">
-                <a:spAutoFit/>
-              </a:bodyPr>
-              <a:lstStyle/>
-              <a:p>
-                <a14:m>
-                  <m:oMathPara xmlns:m="http://schemas.openxmlformats.org/officeDocument/2006/math">
-                    <m:oMathParaPr>
-                      <m:jc m:val="centerGroup"/>
-                    </m:oMathParaPr>
-                    <m:oMath xmlns:m="http://schemas.openxmlformats.org/officeDocument/2006/math">
-                      <m:r>
-                        <a:rPr lang="en-US" b="0" i="1" smtClean="0">
-                          <a:latin typeface="Cambria Math" panose="02040503050406030204" pitchFamily="18" charset="0"/>
-                        </a:rPr>
-                        <m:t>𝑉𝑎𝑟𝑖𝑎𝑏𝑙𝑒𝐾𝑖𝑛𝑑</m:t>
-                      </m:r>
-                      <m:r>
-                        <a:rPr lang="en-US" b="0" i="1" smtClean="0">
-                          <a:latin typeface="Cambria Math" panose="02040503050406030204" pitchFamily="18" charset="0"/>
-                        </a:rPr>
-                        <m:t>:  </m:t>
-                      </m:r>
-                      <m:r>
-                        <a:rPr lang="en-US" b="0" i="1" smtClean="0">
-                          <a:latin typeface="Cambria Math" panose="02040503050406030204" pitchFamily="18" charset="0"/>
-                        </a:rPr>
-                        <m:t>𝑙𝑜𝑐𝑎𝑙𝑜𝑛𝑙𝑦</m:t>
-                      </m:r>
-                      <m:r>
-                        <a:rPr lang="en-US" b="0" i="1" smtClean="0">
-                          <a:latin typeface="Cambria Math" panose="02040503050406030204" pitchFamily="18" charset="0"/>
-                        </a:rPr>
-                        <m:t> </m:t>
-                      </m:r>
-                      <m:d>
-                        <m:dPr>
-                          <m:begChr m:val="|"/>
-                          <m:endChr m:val="|"/>
-                          <m:ctrlPr>
-                            <a:rPr lang="en-US" b="0" i="1" smtClean="0">
-                              <a:latin typeface="Cambria Math" panose="02040503050406030204" pitchFamily="18" charset="0"/>
-                            </a:rPr>
-                          </m:ctrlPr>
-                        </m:dPr>
-                        <m:e>
-                          <m:r>
-                            <a:rPr lang="en-US" b="0" i="1" smtClean="0">
-                              <a:latin typeface="Cambria Math" panose="02040503050406030204" pitchFamily="18" charset="0"/>
-                            </a:rPr>
-                            <m:t> </m:t>
-                          </m:r>
-                          <m:r>
-                            <a:rPr lang="en-US" b="0" i="1" smtClean="0">
-                              <a:latin typeface="Cambria Math" panose="02040503050406030204" pitchFamily="18" charset="0"/>
-                            </a:rPr>
-                            <m:t>𝑐𝑒𝑙𝑙</m:t>
-                          </m:r>
-                          <m:r>
-                            <a:rPr lang="en-US" b="0" i="1" smtClean="0">
-                              <a:latin typeface="Cambria Math" panose="02040503050406030204" pitchFamily="18" charset="0"/>
-                            </a:rPr>
-                            <m:t> </m:t>
-                          </m:r>
-                        </m:e>
-                      </m:d>
-                      <m:r>
-                        <a:rPr lang="en-US" b="0" i="1" smtClean="0">
-                          <a:latin typeface="Cambria Math" panose="02040503050406030204" pitchFamily="18" charset="0"/>
-                        </a:rPr>
-                        <m:t> </m:t>
-                      </m:r>
-                      <m:r>
-                        <a:rPr lang="en-US" b="0" i="1" smtClean="0">
-                          <a:latin typeface="Cambria Math" panose="02040503050406030204" pitchFamily="18" charset="0"/>
-                        </a:rPr>
-                        <m:t>𝑓𝑟𝑒𝑒</m:t>
-                      </m:r>
-                      <m:r>
-                        <a:rPr lang="en-US" b="0" i="1" smtClean="0">
-                          <a:latin typeface="Cambria Math" panose="02040503050406030204" pitchFamily="18" charset="0"/>
-                        </a:rPr>
-                        <m:t> | </m:t>
-                      </m:r>
-                      <m:r>
-                        <a:rPr lang="en-US" b="0" i="1" smtClean="0">
-                          <a:latin typeface="Cambria Math" panose="02040503050406030204" pitchFamily="18" charset="0"/>
-                        </a:rPr>
-                        <m:t>𝑔𝑙𝑜𝑏𝑎𝑙</m:t>
-                      </m:r>
-                    </m:oMath>
-                  </m:oMathPara>
-                </a14:m>
-                <a:endParaRPr lang="en-US" dirty="0"/>
-              </a:p>
-            </p:txBody>
-          </p:sp>
-        </mc:Choice>
-        <mc:Fallback>
-          <p:sp>
-            <p:nvSpPr>
-              <p:cNvPr id="4" name="TextBox 3">
-                <a:extLst>
-                  <a:ext uri="{FF2B5EF4-FFF2-40B4-BE49-F238E27FC236}">
-                    <a16:creationId xmlns:a16="http://schemas.microsoft.com/office/drawing/2014/main" id="{731D2342-654A-468E-BF35-BFC4E499DA08}"/>
-                  </a:ext>
-                </a:extLst>
-              </p:cNvPr>
-              <p:cNvSpPr txBox="1">
-                <a:spLocks noRot="1" noChangeAspect="1" noMove="1" noResize="1" noEditPoints="1" noAdjustHandles="1" noChangeArrowheads="1" noChangeShapeType="1" noTextEdit="1"/>
-              </p:cNvSpPr>
-              <p:nvPr/>
-            </p:nvSpPr>
-            <p:spPr>
-              <a:xfrm>
-                <a:off x="353635" y="1581254"/>
-                <a:ext cx="5041830" cy="369332"/>
-              </a:xfrm>
-              <a:prstGeom prst="rect">
-                <a:avLst/>
-              </a:prstGeom>
-              <a:blipFill>
-                <a:blip r:embed="rId2"/>
-                <a:stretch>
-                  <a:fillRect b="-16393"/>
-                </a:stretch>
-              </a:blipFill>
-            </p:spPr>
-            <p:txBody>
-              <a:bodyPr/>
-              <a:lstStyle/>
-              <a:p>
-                <a:r>
-                  <a:rPr lang="en-US">
-                    <a:noFill/>
-                  </a:rPr>
-                  <a:t> </a:t>
-                </a:r>
-              </a:p>
-            </p:txBody>
-          </p:sp>
-        </mc:Fallback>
-      </mc:AlternateContent>
-      <mc:AlternateContent xmlns:mc="http://schemas.openxmlformats.org/markup-compatibility/2006">
-        <mc:Choice xmlns:a14="http://schemas.microsoft.com/office/drawing/2010/main" Requires="a14">
-          <p:sp>
-            <p:nvSpPr>
-              <p:cNvPr id="5" name="TextBox 4">
-                <a:extLst>
-                  <a:ext uri="{FF2B5EF4-FFF2-40B4-BE49-F238E27FC236}">
-                    <a16:creationId xmlns:a16="http://schemas.microsoft.com/office/drawing/2014/main" id="{77A300CB-F7DB-4EB3-A67C-001F6DAA62E8}"/>
-                  </a:ext>
-                </a:extLst>
-              </p:cNvPr>
-              <p:cNvSpPr txBox="1"/>
-              <p:nvPr/>
-            </p:nvSpPr>
-            <p:spPr>
-              <a:xfrm>
-                <a:off x="515297" y="2505759"/>
-                <a:ext cx="4880168" cy="369332"/>
-              </a:xfrm>
-              <a:prstGeom prst="rect">
-                <a:avLst/>
-              </a:prstGeom>
-              <a:noFill/>
-            </p:spPr>
-            <p:txBody>
-              <a:bodyPr wrap="square" rtlCol="0">
-                <a:spAutoFit/>
-              </a:bodyPr>
-              <a:lstStyle/>
-              <a:p>
-                <a14:m>
-                  <m:oMathPara xmlns:m="http://schemas.openxmlformats.org/officeDocument/2006/math">
-                    <m:oMathParaPr>
-                      <m:jc m:val="centerGroup"/>
-                    </m:oMathParaPr>
-                    <m:oMath xmlns:m="http://schemas.openxmlformats.org/officeDocument/2006/math">
-                      <a:fld id="{825F15A7-03F4-43D7-82C5-3E23DA2F108C}" type="mathplaceholder">
-                        <a:rPr lang="en-US" b="0" i="1" smtClean="0">
-                          <a:latin typeface="Cambria Math" panose="02040503050406030204" pitchFamily="18" charset="0"/>
-                        </a:rPr>
-                        <a:t>Type equation here.</a:t>
-                      </a:fld>
-                    </m:oMath>
-                  </m:oMathPara>
-                </a14:m>
-                <a:endParaRPr lang="en-US" b="0"/>
-              </a:p>
-            </p:txBody>
-          </p:sp>
-        </mc:Choice>
-        <mc:Fallback>
-          <p:sp>
-            <p:nvSpPr>
-              <p:cNvPr id="5" name="TextBox 4">
-                <a:extLst>
-                  <a:ext uri="{FF2B5EF4-FFF2-40B4-BE49-F238E27FC236}">
-                    <a16:creationId xmlns:a16="http://schemas.microsoft.com/office/drawing/2014/main" id="{77A300CB-F7DB-4EB3-A67C-001F6DAA62E8}"/>
-                  </a:ext>
-                </a:extLst>
-              </p:cNvPr>
-              <p:cNvSpPr txBox="1">
-                <a:spLocks noRot="1" noChangeAspect="1" noMove="1" noResize="1" noEditPoints="1" noAdjustHandles="1" noChangeArrowheads="1" noChangeShapeType="1" noTextEdit="1"/>
-              </p:cNvSpPr>
-              <p:nvPr/>
-            </p:nvSpPr>
-            <p:spPr>
-              <a:xfrm>
-                <a:off x="515297" y="2505759"/>
-                <a:ext cx="4880168" cy="369332"/>
-              </a:xfrm>
-              <a:prstGeom prst="rect">
-                <a:avLst/>
-              </a:prstGeom>
-              <a:blipFill>
-                <a:blip r:embed="rId3"/>
-                <a:stretch>
-                  <a:fillRect b="-14754"/>
-                </a:stretch>
-              </a:blipFill>
-            </p:spPr>
-            <p:txBody>
-              <a:bodyPr/>
-              <a:lstStyle/>
-              <a:p>
-                <a:r>
-                  <a:rPr lang="en-US">
-                    <a:noFill/>
-                  </a:rPr>
-                  <a:t> </a:t>
-                </a:r>
-              </a:p>
-            </p:txBody>
-          </p:sp>
-        </mc:Fallback>
-      </mc:AlternateContent>
-    </p:spTree>
-    <p:extLst>
-      <p:ext uri="{BB962C8B-B14F-4D97-AF65-F5344CB8AC3E}">
-        <p14:creationId xmlns:p14="http://schemas.microsoft.com/office/powerpoint/2010/main" val="798098861"/>
-      </p:ext>
-    </p:extLst>
-  </p:cSld>
-  <p:clrMapOvr>
-    <a:masterClrMapping/>
-  </p:clrMapOvr>
-</p:sld>
-</file>
-
-<file path=ppt/slides/slide6.xml><?xml version="1.0" encoding="utf-8"?>
-<p:sld xmlns:a="http://schemas.openxmlformats.org/drawingml/2006/main" xmlns:r="http://schemas.openxmlformats.org/officeDocument/2006/relationships" xmlns:p="http://schemas.openxmlformats.org/presentationml/2006/main">
-  <p:cSld>
-    <p:bg>
-      <p:bgPr>
-        <a:solidFill>
-          <a:schemeClr val="bg1"/>
-        </a:solidFill>
-        <a:effectLst/>
-      </p:bgPr>
-    </p:bg>
-    <p:spTree>
-      <p:nvGrpSpPr>
-        <p:cNvPr id="1" name=""/>
-        <p:cNvGrpSpPr/>
-        <p:nvPr/>
-      </p:nvGrpSpPr>
-      <p:grpSpPr>
-        <a:xfrm>
-          <a:off x="0" y="0"/>
-          <a:ext cx="0" cy="0"/>
-          <a:chOff x="0" y="0"/>
-          <a:chExt cx="0" cy="0"/>
-        </a:xfrm>
-      </p:grpSpPr>
-      <p:grpSp>
-        <p:nvGrpSpPr>
-          <p:cNvPr id="43" name="Group 11">
-            <a:extLst>
-              <a:ext uri="{FF2B5EF4-FFF2-40B4-BE49-F238E27FC236}">
-                <a16:creationId xmlns:a16="http://schemas.microsoft.com/office/drawing/2014/main" id="{D91916A1-FEE7-41E7-BEE3-2B4941A6F305}"/>
-              </a:ext>
-              <a:ext uri="{C183D7F6-B498-43B3-948B-1728B52AA6E4}">
-                <adec:decorative xmlns:adec="http://schemas.microsoft.com/office/drawing/2017/decorative" val="1"/>
-              </a:ext>
-            </a:extLst>
-          </p:cNvPr>
-          <p:cNvGrpSpPr>
-            <a:grpSpLocks noGrp="1" noUngrp="1" noRot="1" noChangeAspect="1" noMove="1" noResize="1"/>
-          </p:cNvGrpSpPr>
-          <p:nvPr>
-            <p:extLst>
-              <p:ext uri="{386F3935-93C4-4BCD-93E2-E3B085C9AB24}">
-                <p16:designElem xmlns:p16="http://schemas.microsoft.com/office/powerpoint/2015/main" val="1"/>
-              </p:ext>
-            </p:extLst>
-          </p:nvPr>
-        </p:nvGrpSpPr>
-        <p:grpSpPr>
-          <a:xfrm>
-            <a:off x="175990" y="62886"/>
-            <a:ext cx="11708355" cy="6301715"/>
-            <a:chOff x="175990" y="62886"/>
-            <a:chExt cx="11708355" cy="6301715"/>
-          </a:xfrm>
-        </p:grpSpPr>
-        <p:sp useBgFill="1">
-          <p:nvSpPr>
-            <p:cNvPr id="44" name="Graphic 10">
-              <a:extLst>
-                <a:ext uri="{FF2B5EF4-FFF2-40B4-BE49-F238E27FC236}">
-                  <a16:creationId xmlns:a16="http://schemas.microsoft.com/office/drawing/2014/main" id="{EAFF5F08-677C-4873-9274-02B6FE751044}"/>
+                  <a16:creationId xmlns:a16="http://schemas.microsoft.com/office/drawing/2014/main" id="{DF5DA89C-9FED-4AE0-8C36-20612E77FAC0}"/>
                 </a:ext>
                 <a:ext uri="{C183D7F6-B498-43B3-948B-1728B52AA6E4}">
                   <adec:decorative xmlns:adec="http://schemas.microsoft.com/office/drawing/2017/decorative" val="1"/>
@@ -9160,8 +10166,8 @@
           </p:nvSpPr>
           <p:spPr>
             <a:xfrm rot="2700000">
-              <a:off x="175990" y="525742"/>
-              <a:ext cx="1066799" cy="1066799"/>
+              <a:off x="10578627" y="5015941"/>
+              <a:ext cx="925287" cy="925287"/>
             </a:xfrm>
             <a:custGeom>
               <a:avLst/>
@@ -9357,10 +10363,312 @@
         </p:sp>
         <p:sp useBgFill="1">
           <p:nvSpPr>
-            <p:cNvPr id="45" name="Graphic 10">
+            <p:cNvPr id="13" name="Oval 12">
               <a:extLst>
                 <a:ext uri="{FF2B5EF4-FFF2-40B4-BE49-F238E27FC236}">
-                  <a16:creationId xmlns:a16="http://schemas.microsoft.com/office/drawing/2014/main" id="{16514C65-F179-4953-B660-5FC657697957}"/>
+                  <a16:creationId xmlns:a16="http://schemas.microsoft.com/office/drawing/2014/main" id="{FB98224C-F1DB-4F10-9B7F-93B86BA13F40}"/>
+                </a:ext>
+                <a:ext uri="{C183D7F6-B498-43B3-948B-1728B52AA6E4}">
+                  <adec:decorative xmlns:adec="http://schemas.microsoft.com/office/drawing/2017/decorative" val="1"/>
+                </a:ext>
+              </a:extLst>
+            </p:cNvPr>
+            <p:cNvSpPr/>
+            <p:nvPr>
+              <p:extLst>
+                <p:ext uri="{386F3935-93C4-4BCD-93E2-E3B085C9AB24}">
+                  <p16:designElem xmlns:p16="http://schemas.microsoft.com/office/powerpoint/2015/main" val="1"/>
+                </p:ext>
+              </p:extLst>
+            </p:nvPr>
+          </p:nvSpPr>
+          <p:spPr>
+            <a:xfrm rot="10800000">
+              <a:off x="11622685" y="6102941"/>
+              <a:ext cx="261660" cy="261660"/>
+            </a:xfrm>
+            <a:prstGeom prst="ellipse">
+              <a:avLst/>
+            </a:prstGeom>
+            <a:ln w="3848" cap="flat">
+              <a:noFill/>
+              <a:prstDash val="solid"/>
+              <a:miter/>
+            </a:ln>
+            <a:effectLst>
+              <a:glow rad="152400">
+                <a:srgbClr val="000000">
+                  <a:alpha val="4000"/>
+                </a:srgbClr>
+              </a:glow>
+              <a:outerShdw blurRad="101600" dist="38100" dir="16200000" rotWithShape="0">
+                <a:srgbClr val="000000">
+                  <a:alpha val="5000"/>
+                </a:srgbClr>
+              </a:outerShdw>
+            </a:effectLst>
+          </p:spPr>
+          <p:txBody>
+            <a:bodyPr rtlCol="0" anchor="ctr"/>
+            <a:lstStyle/>
+            <a:p>
+              <a:endParaRPr lang="en-US"/>
+            </a:p>
+          </p:txBody>
+        </p:sp>
+        <p:sp useBgFill="1">
+          <p:nvSpPr>
+            <p:cNvPr id="14" name="Oval 13">
+              <a:extLst>
+                <a:ext uri="{FF2B5EF4-FFF2-40B4-BE49-F238E27FC236}">
+                  <a16:creationId xmlns:a16="http://schemas.microsoft.com/office/drawing/2014/main" id="{9AE1FC9E-06C9-4A12-8BE7-766C3DA8B9AC}"/>
+                </a:ext>
+                <a:ext uri="{C183D7F6-B498-43B3-948B-1728B52AA6E4}">
+                  <adec:decorative xmlns:adec="http://schemas.microsoft.com/office/drawing/2017/decorative" val="1"/>
+                </a:ext>
+              </a:extLst>
+            </p:cNvPr>
+            <p:cNvSpPr/>
+            <p:nvPr>
+              <p:extLst>
+                <p:ext uri="{386F3935-93C4-4BCD-93E2-E3B085C9AB24}">
+                  <p16:designElem xmlns:p16="http://schemas.microsoft.com/office/powerpoint/2015/main" val="1"/>
+                </p:ext>
+              </p:extLst>
+            </p:nvPr>
+          </p:nvSpPr>
+          <p:spPr>
+            <a:xfrm rot="10800000">
+              <a:off x="11352354" y="406586"/>
+              <a:ext cx="474023" cy="474023"/>
+            </a:xfrm>
+            <a:prstGeom prst="ellipse">
+              <a:avLst/>
+            </a:prstGeom>
+            <a:ln w="3848" cap="flat">
+              <a:noFill/>
+              <a:prstDash val="solid"/>
+              <a:miter/>
+            </a:ln>
+            <a:effectLst>
+              <a:glow rad="152400">
+                <a:srgbClr val="000000">
+                  <a:alpha val="4000"/>
+                </a:srgbClr>
+              </a:glow>
+              <a:outerShdw blurRad="101600" dist="38100" dir="16200000" rotWithShape="0">
+                <a:srgbClr val="000000">
+                  <a:alpha val="5000"/>
+                </a:srgbClr>
+              </a:outerShdw>
+            </a:effectLst>
+          </p:spPr>
+          <p:txBody>
+            <a:bodyPr rtlCol="0" anchor="ctr"/>
+            <a:lstStyle/>
+            <a:p>
+              <a:endParaRPr lang="en-US"/>
+            </a:p>
+          </p:txBody>
+        </p:sp>
+        <p:sp useBgFill="1">
+          <p:nvSpPr>
+            <p:cNvPr id="15" name="Oval 14">
+              <a:extLst>
+                <a:ext uri="{FF2B5EF4-FFF2-40B4-BE49-F238E27FC236}">
+                  <a16:creationId xmlns:a16="http://schemas.microsoft.com/office/drawing/2014/main" id="{29954B75-D8C7-439C-A014-E644E3E2C0A5}"/>
+                </a:ext>
+                <a:ext uri="{C183D7F6-B498-43B3-948B-1728B52AA6E4}">
+                  <adec:decorative xmlns:adec="http://schemas.microsoft.com/office/drawing/2017/decorative" val="1"/>
+                </a:ext>
+              </a:extLst>
+            </p:cNvPr>
+            <p:cNvSpPr/>
+            <p:nvPr>
+              <p:extLst>
+                <p:ext uri="{386F3935-93C4-4BCD-93E2-E3B085C9AB24}">
+                  <p16:designElem xmlns:p16="http://schemas.microsoft.com/office/powerpoint/2015/main" val="1"/>
+                </p:ext>
+              </p:extLst>
+            </p:nvPr>
+          </p:nvSpPr>
+          <p:spPr>
+            <a:xfrm rot="10800000">
+              <a:off x="1678231" y="427615"/>
+              <a:ext cx="334385" cy="334385"/>
+            </a:xfrm>
+            <a:prstGeom prst="ellipse">
+              <a:avLst/>
+            </a:prstGeom>
+            <a:ln w="3848" cap="flat">
+              <a:noFill/>
+              <a:prstDash val="solid"/>
+              <a:miter/>
+            </a:ln>
+            <a:effectLst>
+              <a:glow rad="152400">
+                <a:srgbClr val="000000">
+                  <a:alpha val="4000"/>
+                </a:srgbClr>
+              </a:glow>
+              <a:outerShdw blurRad="101600" dist="38100" dir="16200000" rotWithShape="0">
+                <a:srgbClr val="000000">
+                  <a:alpha val="5000"/>
+                </a:srgbClr>
+              </a:outerShdw>
+            </a:effectLst>
+          </p:spPr>
+          <p:txBody>
+            <a:bodyPr rtlCol="0" anchor="ctr"/>
+            <a:lstStyle/>
+            <a:p>
+              <a:endParaRPr lang="en-US" dirty="0"/>
+            </a:p>
+          </p:txBody>
+        </p:sp>
+      </p:grpSp>
+      <p:sp useBgFill="1">
+        <p:nvSpPr>
+          <p:cNvPr id="17" name="Rectangle 16">
+            <a:extLst>
+              <a:ext uri="{FF2B5EF4-FFF2-40B4-BE49-F238E27FC236}">
+                <a16:creationId xmlns:a16="http://schemas.microsoft.com/office/drawing/2014/main" id="{4E1EF4E8-5513-4BF5-BC41-04645281C672}"/>
+              </a:ext>
+              <a:ext uri="{C183D7F6-B498-43B3-948B-1728B52AA6E4}">
+                <adec:decorative xmlns:adec="http://schemas.microsoft.com/office/drawing/2017/decorative" val="1"/>
+              </a:ext>
+            </a:extLst>
+          </p:cNvPr>
+          <p:cNvSpPr>
+            <a:spLocks noGrp="1" noRot="1" noChangeAspect="1" noMove="1" noResize="1" noEditPoints="1" noAdjustHandles="1" noChangeArrowheads="1" noChangeShapeType="1" noTextEdit="1"/>
+          </p:cNvSpPr>
+          <p:nvPr>
+            <p:extLst>
+              <p:ext uri="{386F3935-93C4-4BCD-93E2-E3B085C9AB24}">
+                <p16:designElem xmlns:p16="http://schemas.microsoft.com/office/powerpoint/2015/main" val="1"/>
+              </p:ext>
+            </p:extLst>
+          </p:nvPr>
+        </p:nvSpPr>
+        <p:spPr>
+          <a:xfrm>
+            <a:off x="0" y="0"/>
+            <a:ext cx="12192000" cy="6858000"/>
+          </a:xfrm>
+          <a:prstGeom prst="rect">
+            <a:avLst/>
+          </a:prstGeom>
+          <a:ln w="3848" cap="flat">
+            <a:noFill/>
+            <a:prstDash val="solid"/>
+            <a:miter/>
+          </a:ln>
+          <a:effectLst/>
+        </p:spPr>
+        <p:txBody>
+          <a:bodyPr rtlCol="0" anchor="ctr"/>
+          <a:lstStyle/>
+          <a:p>
+            <a:endParaRPr lang="en-US" dirty="0">
+              <a:solidFill>
+                <a:schemeClr val="tx1"/>
+              </a:solidFill>
+            </a:endParaRPr>
+          </a:p>
+        </p:txBody>
+      </p:sp>
+      <p:sp>
+        <p:nvSpPr>
+          <p:cNvPr id="19" name="Rectangle 18">
+            <a:extLst>
+              <a:ext uri="{FF2B5EF4-FFF2-40B4-BE49-F238E27FC236}">
+                <a16:creationId xmlns:a16="http://schemas.microsoft.com/office/drawing/2014/main" id="{5C23DAEF-8106-434A-A0B1-DDC6B6DE564B}"/>
+              </a:ext>
+              <a:ext uri="{C183D7F6-B498-43B3-948B-1728B52AA6E4}">
+                <adec:decorative xmlns:adec="http://schemas.microsoft.com/office/drawing/2017/decorative" val="1"/>
+              </a:ext>
+            </a:extLst>
+          </p:cNvPr>
+          <p:cNvSpPr>
+            <a:spLocks noGrp="1" noRot="1" noChangeAspect="1" noMove="1" noResize="1" noEditPoints="1" noAdjustHandles="1" noChangeArrowheads="1" noChangeShapeType="1" noTextEdit="1"/>
+          </p:cNvSpPr>
+          <p:nvPr>
+            <p:extLst>
+              <p:ext uri="{386F3935-93C4-4BCD-93E2-E3B085C9AB24}">
+                <p16:designElem xmlns:p16="http://schemas.microsoft.com/office/powerpoint/2015/main" val="1"/>
+              </p:ext>
+            </p:extLst>
+          </p:nvPr>
+        </p:nvSpPr>
+        <p:spPr>
+          <a:xfrm>
+            <a:off x="0" y="0"/>
+            <a:ext cx="12192000" cy="6858000"/>
+          </a:xfrm>
+          <a:prstGeom prst="rect">
+            <a:avLst/>
+          </a:prstGeom>
+          <a:solidFill>
+            <a:srgbClr val="FFFFFF">
+              <a:alpha val="10000"/>
+            </a:srgbClr>
+          </a:solidFill>
+          <a:ln w="3848" cap="flat">
+            <a:noFill/>
+            <a:prstDash val="solid"/>
+            <a:miter/>
+          </a:ln>
+          <a:effectLst/>
+        </p:spPr>
+        <p:txBody>
+          <a:bodyPr rtlCol="0" anchor="ctr"/>
+          <a:lstStyle/>
+          <a:p>
+            <a:endParaRPr lang="en-US" dirty="0">
+              <a:solidFill>
+                <a:schemeClr val="tx1"/>
+              </a:solidFill>
+            </a:endParaRPr>
+          </a:p>
+        </p:txBody>
+      </p:sp>
+      <p:grpSp>
+        <p:nvGrpSpPr>
+          <p:cNvPr id="21" name="Group 20">
+            <a:extLst>
+              <a:ext uri="{FF2B5EF4-FFF2-40B4-BE49-F238E27FC236}">
+                <a16:creationId xmlns:a16="http://schemas.microsoft.com/office/drawing/2014/main" id="{9A211783-030A-4673-84CD-B61AC5557087}"/>
+              </a:ext>
+              <a:ext uri="{C183D7F6-B498-43B3-948B-1728B52AA6E4}">
+                <adec:decorative xmlns:adec="http://schemas.microsoft.com/office/drawing/2017/decorative" val="1"/>
+              </a:ext>
+            </a:extLst>
+          </p:cNvPr>
+          <p:cNvGrpSpPr>
+            <a:grpSpLocks noGrp="1" noUngrp="1" noRot="1" noChangeAspect="1" noMove="1" noResize="1"/>
+          </p:cNvGrpSpPr>
+          <p:nvPr>
+            <p:extLst>
+              <p:ext uri="{386F3935-93C4-4BCD-93E2-E3B085C9AB24}">
+                <p16:designElem xmlns:p16="http://schemas.microsoft.com/office/powerpoint/2015/main" val="1"/>
+              </p:ext>
+            </p:extLst>
+          </p:nvPr>
+        </p:nvGrpSpPr>
+        <p:grpSpPr>
+          <a:xfrm>
+            <a:off x="111772" y="635870"/>
+            <a:ext cx="11704301" cy="5261115"/>
+            <a:chOff x="111772" y="635870"/>
+            <a:chExt cx="11704301" cy="5261115"/>
+          </a:xfrm>
+        </p:grpSpPr>
+        <p:sp useBgFill="1">
+          <p:nvSpPr>
+            <p:cNvPr id="22" name="Graphic 10">
+              <a:extLst>
+                <a:ext uri="{FF2B5EF4-FFF2-40B4-BE49-F238E27FC236}">
+                  <a16:creationId xmlns:a16="http://schemas.microsoft.com/office/drawing/2014/main" id="{98118864-B20D-49F7-B43D-98F6D01862B1}"/>
                 </a:ext>
                 <a:ext uri="{C183D7F6-B498-43B3-948B-1728B52AA6E4}">
                   <adec:decorative xmlns:adec="http://schemas.microsoft.com/office/drawing/2017/decorative" val="1"/>
@@ -9378,8 +10686,8 @@
           </p:nvSpPr>
           <p:spPr>
             <a:xfrm rot="2700000">
-              <a:off x="8482021" y="62886"/>
-              <a:ext cx="2322574" cy="2322574"/>
+              <a:off x="111772" y="635870"/>
+              <a:ext cx="862695" cy="862695"/>
             </a:xfrm>
             <a:custGeom>
               <a:avLst/>
@@ -9575,10 +10883,10 @@
         </p:sp>
         <p:sp useBgFill="1">
           <p:nvSpPr>
-            <p:cNvPr id="46" name="Graphic 10">
+            <p:cNvPr id="23" name="Oval 22">
               <a:extLst>
                 <a:ext uri="{FF2B5EF4-FFF2-40B4-BE49-F238E27FC236}">
-                  <a16:creationId xmlns:a16="http://schemas.microsoft.com/office/drawing/2014/main" id="{DF5DA89C-9FED-4AE0-8C36-20612E77FAC0}"/>
+                  <a16:creationId xmlns:a16="http://schemas.microsoft.com/office/drawing/2014/main" id="{82782B68-E66B-44F8-A9C4-39FBCC7AB7CC}"/>
                 </a:ext>
                 <a:ext uri="{C183D7F6-B498-43B3-948B-1728B52AA6E4}">
                   <adec:decorative xmlns:adec="http://schemas.microsoft.com/office/drawing/2017/decorative" val="1"/>
@@ -9595,9 +10903,315 @@
             </p:nvPr>
           </p:nvSpPr>
           <p:spPr>
-            <a:xfrm rot="2700000">
-              <a:off x="10578627" y="5015941"/>
-              <a:ext cx="925287" cy="925287"/>
+            <a:xfrm rot="10800000">
+              <a:off x="11481688" y="5562600"/>
+              <a:ext cx="334385" cy="334385"/>
+            </a:xfrm>
+            <a:prstGeom prst="ellipse">
+              <a:avLst/>
+            </a:prstGeom>
+            <a:ln w="3848" cap="flat">
+              <a:noFill/>
+              <a:prstDash val="solid"/>
+              <a:miter/>
+            </a:ln>
+            <a:effectLst>
+              <a:glow rad="152400">
+                <a:srgbClr val="000000">
+                  <a:alpha val="4000"/>
+                </a:srgbClr>
+              </a:glow>
+              <a:outerShdw blurRad="101600" dist="38100" dir="16200000" rotWithShape="0">
+                <a:srgbClr val="000000">
+                  <a:alpha val="5000"/>
+                </a:srgbClr>
+              </a:outerShdw>
+            </a:effectLst>
+          </p:spPr>
+          <p:txBody>
+            <a:bodyPr rtlCol="0" anchor="ctr"/>
+            <a:lstStyle/>
+            <a:p>
+              <a:endParaRPr lang="en-US" dirty="0"/>
+            </a:p>
+          </p:txBody>
+        </p:sp>
+      </p:grpSp>
+      <p:pic>
+        <p:nvPicPr>
+          <p:cNvPr id="7" name="Picture 6">
+            <a:extLst>
+              <a:ext uri="{FF2B5EF4-FFF2-40B4-BE49-F238E27FC236}">
+                <a16:creationId xmlns:a16="http://schemas.microsoft.com/office/drawing/2014/main" id="{CCE6E7BF-DE6A-40A7-A9AD-CB4E2D47F8AF}"/>
+              </a:ext>
+            </a:extLst>
+          </p:cNvPr>
+          <p:cNvPicPr>
+            <a:picLocks noChangeAspect="1"/>
+          </p:cNvPicPr>
+          <p:nvPr/>
+        </p:nvPicPr>
+        <p:blipFill>
+          <a:blip r:embed="rId3"/>
+          <a:stretch>
+            <a:fillRect/>
+          </a:stretch>
+        </p:blipFill>
+        <p:spPr>
+          <a:xfrm>
+            <a:off x="1236456" y="166715"/>
+            <a:ext cx="4604489" cy="6386486"/>
+          </a:xfrm>
+          <a:prstGeom prst="rect">
+            <a:avLst/>
+          </a:prstGeom>
+          <a:effectLst>
+            <a:outerShdw blurRad="876300" dist="50800" dir="5400000" algn="ctr" rotWithShape="0">
+              <a:srgbClr val="000000">
+                <a:alpha val="43137"/>
+              </a:srgbClr>
+            </a:outerShdw>
+            <a:softEdge rad="63500"/>
+          </a:effectLst>
+        </p:spPr>
+      </p:pic>
+      <p:pic>
+        <p:nvPicPr>
+          <p:cNvPr id="18" name="Picture 17">
+            <a:extLst>
+              <a:ext uri="{FF2B5EF4-FFF2-40B4-BE49-F238E27FC236}">
+                <a16:creationId xmlns:a16="http://schemas.microsoft.com/office/drawing/2014/main" id="{6034E282-9CB4-4F75-9AC0-50A477F45D7E}"/>
+              </a:ext>
+            </a:extLst>
+          </p:cNvPr>
+          <p:cNvPicPr>
+            <a:picLocks noChangeAspect="1"/>
+          </p:cNvPicPr>
+          <p:nvPr/>
+        </p:nvPicPr>
+        <p:blipFill>
+          <a:blip r:embed="rId4"/>
+          <a:stretch>
+            <a:fillRect/>
+          </a:stretch>
+        </p:blipFill>
+        <p:spPr>
+          <a:xfrm>
+            <a:off x="6618145" y="122697"/>
+            <a:ext cx="4245697" cy="6612606"/>
+          </a:xfrm>
+          <a:prstGeom prst="rect">
+            <a:avLst/>
+          </a:prstGeom>
+          <a:effectLst>
+            <a:outerShdw blurRad="571500" dist="50800" dir="5400000" algn="ctr" rotWithShape="0">
+              <a:srgbClr val="000000">
+                <a:alpha val="43137"/>
+              </a:srgbClr>
+            </a:outerShdw>
+            <a:softEdge rad="63500"/>
+          </a:effectLst>
+        </p:spPr>
+      </p:pic>
+    </p:spTree>
+    <p:extLst>
+      <p:ext uri="{BB962C8B-B14F-4D97-AF65-F5344CB8AC3E}">
+        <p14:creationId xmlns:p14="http://schemas.microsoft.com/office/powerpoint/2010/main" val="882797460"/>
+      </p:ext>
+    </p:extLst>
+  </p:cSld>
+  <p:clrMapOvr>
+    <a:masterClrMapping/>
+  </p:clrMapOvr>
+</p:sld>
+</file>
+
+<file path=ppt/slides/slide5.xml><?xml version="1.0" encoding="utf-8"?>
+<p:sld xmlns:a="http://schemas.openxmlformats.org/drawingml/2006/main" xmlns:r="http://schemas.openxmlformats.org/officeDocument/2006/relationships" xmlns:p="http://schemas.openxmlformats.org/presentationml/2006/main">
+  <p:cSld>
+    <p:bg>
+      <p:bgPr>
+        <a:solidFill>
+          <a:schemeClr val="bg1"/>
+        </a:solidFill>
+        <a:effectLst/>
+      </p:bgPr>
+    </p:bg>
+    <p:spTree>
+      <p:nvGrpSpPr>
+        <p:cNvPr id="1" name=""/>
+        <p:cNvGrpSpPr/>
+        <p:nvPr/>
+      </p:nvGrpSpPr>
+      <p:grpSpPr>
+        <a:xfrm>
+          <a:off x="0" y="0"/>
+          <a:ext cx="0" cy="0"/>
+          <a:chOff x="0" y="0"/>
+          <a:chExt cx="0" cy="0"/>
+        </a:xfrm>
+      </p:grpSpPr>
+      <p:sp useBgFill="1">
+        <p:nvSpPr>
+          <p:cNvPr id="75" name="Rectangle 74">
+            <a:extLst>
+              <a:ext uri="{FF2B5EF4-FFF2-40B4-BE49-F238E27FC236}">
+                <a16:creationId xmlns:a16="http://schemas.microsoft.com/office/drawing/2014/main" id="{25AD4A59-91FA-4E30-8F32-A8AB51F768C6}"/>
+              </a:ext>
+              <a:ext uri="{C183D7F6-B498-43B3-948B-1728B52AA6E4}">
+                <adec:decorative xmlns:adec="http://schemas.microsoft.com/office/drawing/2017/decorative" val="1"/>
+              </a:ext>
+            </a:extLst>
+          </p:cNvPr>
+          <p:cNvSpPr>
+            <a:spLocks noGrp="1" noRot="1" noChangeAspect="1" noMove="1" noResize="1" noEditPoints="1" noAdjustHandles="1" noChangeArrowheads="1" noChangeShapeType="1" noTextEdit="1"/>
+          </p:cNvSpPr>
+          <p:nvPr>
+            <p:extLst>
+              <p:ext uri="{386F3935-93C4-4BCD-93E2-E3B085C9AB24}">
+                <p16:designElem xmlns:p16="http://schemas.microsoft.com/office/powerpoint/2015/main" val="1"/>
+              </p:ext>
+            </p:extLst>
+          </p:nvPr>
+        </p:nvSpPr>
+        <p:spPr>
+          <a:xfrm>
+            <a:off x="0" y="0"/>
+            <a:ext cx="12192000" cy="6858000"/>
+          </a:xfrm>
+          <a:prstGeom prst="rect">
+            <a:avLst/>
+          </a:prstGeom>
+          <a:ln w="3848" cap="flat">
+            <a:noFill/>
+            <a:prstDash val="solid"/>
+            <a:miter/>
+          </a:ln>
+          <a:effectLst/>
+        </p:spPr>
+        <p:txBody>
+          <a:bodyPr rtlCol="0" anchor="ctr"/>
+          <a:lstStyle/>
+          <a:p>
+            <a:endParaRPr lang="en-US" dirty="0">
+              <a:solidFill>
+                <a:schemeClr val="tx1"/>
+              </a:solidFill>
+            </a:endParaRPr>
+          </a:p>
+        </p:txBody>
+      </p:sp>
+      <p:sp>
+        <p:nvSpPr>
+          <p:cNvPr id="77" name="Rectangle 76">
+            <a:extLst>
+              <a:ext uri="{FF2B5EF4-FFF2-40B4-BE49-F238E27FC236}">
+                <a16:creationId xmlns:a16="http://schemas.microsoft.com/office/drawing/2014/main" id="{CDFF45EF-8068-49B8-AFAE-404F6EB18882}"/>
+              </a:ext>
+              <a:ext uri="{C183D7F6-B498-43B3-948B-1728B52AA6E4}">
+                <adec:decorative xmlns:adec="http://schemas.microsoft.com/office/drawing/2017/decorative" val="1"/>
+              </a:ext>
+            </a:extLst>
+          </p:cNvPr>
+          <p:cNvSpPr>
+            <a:spLocks noGrp="1" noRot="1" noChangeAspect="1" noMove="1" noResize="1" noEditPoints="1" noAdjustHandles="1" noChangeArrowheads="1" noChangeShapeType="1" noTextEdit="1"/>
+          </p:cNvSpPr>
+          <p:nvPr>
+            <p:extLst>
+              <p:ext uri="{386F3935-93C4-4BCD-93E2-E3B085C9AB24}">
+                <p16:designElem xmlns:p16="http://schemas.microsoft.com/office/powerpoint/2015/main" val="1"/>
+              </p:ext>
+            </p:extLst>
+          </p:nvPr>
+        </p:nvSpPr>
+        <p:spPr>
+          <a:xfrm>
+            <a:off x="0" y="0"/>
+            <a:ext cx="12192000" cy="6858000"/>
+          </a:xfrm>
+          <a:prstGeom prst="rect">
+            <a:avLst/>
+          </a:prstGeom>
+          <a:solidFill>
+            <a:srgbClr val="FFFFFF">
+              <a:alpha val="10000"/>
+            </a:srgbClr>
+          </a:solidFill>
+          <a:ln w="3848" cap="flat">
+            <a:noFill/>
+            <a:prstDash val="solid"/>
+            <a:miter/>
+          </a:ln>
+          <a:effectLst/>
+        </p:spPr>
+        <p:txBody>
+          <a:bodyPr rtlCol="0" anchor="ctr"/>
+          <a:lstStyle/>
+          <a:p>
+            <a:endParaRPr lang="en-US" dirty="0">
+              <a:solidFill>
+                <a:schemeClr val="tx1"/>
+              </a:solidFill>
+            </a:endParaRPr>
+          </a:p>
+        </p:txBody>
+      </p:sp>
+      <p:grpSp>
+        <p:nvGrpSpPr>
+          <p:cNvPr id="79" name="Group 78">
+            <a:extLst>
+              <a:ext uri="{FF2B5EF4-FFF2-40B4-BE49-F238E27FC236}">
+                <a16:creationId xmlns:a16="http://schemas.microsoft.com/office/drawing/2014/main" id="{BCE1BF05-1A71-4E6E-BDF8-204D898D7FEF}"/>
+              </a:ext>
+              <a:ext uri="{C183D7F6-B498-43B3-948B-1728B52AA6E4}">
+                <adec:decorative xmlns:adec="http://schemas.microsoft.com/office/drawing/2017/decorative" val="1"/>
+              </a:ext>
+            </a:extLst>
+          </p:cNvPr>
+          <p:cNvGrpSpPr>
+            <a:grpSpLocks noGrp="1" noUngrp="1" noRot="1" noChangeAspect="1" noMove="1" noResize="1"/>
+          </p:cNvGrpSpPr>
+          <p:nvPr>
+            <p:extLst>
+              <p:ext uri="{386F3935-93C4-4BCD-93E2-E3B085C9AB24}">
+                <p16:designElem xmlns:p16="http://schemas.microsoft.com/office/powerpoint/2015/main" val="1"/>
+              </p:ext>
+            </p:extLst>
+          </p:nvPr>
+        </p:nvGrpSpPr>
+        <p:grpSpPr>
+          <a:xfrm>
+            <a:off x="1" y="197338"/>
+            <a:ext cx="11993958" cy="6079057"/>
+            <a:chOff x="1" y="197338"/>
+            <a:chExt cx="11993958" cy="6079057"/>
+          </a:xfrm>
+        </p:grpSpPr>
+        <p:sp useBgFill="1">
+          <p:nvSpPr>
+            <p:cNvPr id="80" name="Graphic 10">
+              <a:extLst>
+                <a:ext uri="{FF2B5EF4-FFF2-40B4-BE49-F238E27FC236}">
+                  <a16:creationId xmlns:a16="http://schemas.microsoft.com/office/drawing/2014/main" id="{67A62878-BF07-45E5-BCE2-340EA1F640E3}"/>
+                </a:ext>
+                <a:ext uri="{C183D7F6-B498-43B3-948B-1728B52AA6E4}">
+                  <adec:decorative xmlns:adec="http://schemas.microsoft.com/office/drawing/2017/decorative" val="1"/>
+                </a:ext>
+              </a:extLst>
+            </p:cNvPr>
+            <p:cNvSpPr/>
+            <p:nvPr>
+              <p:extLst>
+                <p:ext uri="{386F3935-93C4-4BCD-93E2-E3B085C9AB24}">
+                  <p16:designElem xmlns:p16="http://schemas.microsoft.com/office/powerpoint/2015/main" val="1"/>
+                </p:ext>
+              </p:extLst>
+            </p:nvPr>
+          </p:nvSpPr>
+          <p:spPr>
+            <a:xfrm rot="18900000" flipH="1">
+              <a:off x="10732950" y="197338"/>
+              <a:ext cx="1261009" cy="1261009"/>
             </a:xfrm>
             <a:custGeom>
               <a:avLst/>
@@ -9787,16 +11401,16 @@
             <a:bodyPr rtlCol="0" anchor="ctr"/>
             <a:lstStyle/>
             <a:p>
-              <a:endParaRPr lang="en-US" dirty="0"/>
+              <a:endParaRPr lang="en-US"/>
             </a:p>
           </p:txBody>
         </p:sp>
         <p:sp useBgFill="1">
           <p:nvSpPr>
-            <p:cNvPr id="47" name="Oval 15">
+            <p:cNvPr id="81" name="Oval 80">
               <a:extLst>
                 <a:ext uri="{FF2B5EF4-FFF2-40B4-BE49-F238E27FC236}">
-                  <a16:creationId xmlns:a16="http://schemas.microsoft.com/office/drawing/2014/main" id="{FB98224C-F1DB-4F10-9B7F-93B86BA13F40}"/>
+                  <a16:creationId xmlns:a16="http://schemas.microsoft.com/office/drawing/2014/main" id="{43FBEC02-0E8E-4D78-BF86-DD89251EF768}"/>
                 </a:ext>
                 <a:ext uri="{C183D7F6-B498-43B3-948B-1728B52AA6E4}">
                   <adec:decorative xmlns:adec="http://schemas.microsoft.com/office/drawing/2017/decorative" val="1"/>
@@ -9813,9 +11427,64 @@
             </p:nvPr>
           </p:nvSpPr>
           <p:spPr>
-            <a:xfrm rot="10800000">
-              <a:off x="11622685" y="6102941"/>
-              <a:ext cx="261660" cy="261660"/>
+            <a:xfrm rot="10800000" flipH="1">
+              <a:off x="11560670" y="6080534"/>
+              <a:ext cx="195861" cy="195861"/>
+            </a:xfrm>
+            <a:prstGeom prst="ellipse">
+              <a:avLst/>
+            </a:prstGeom>
+            <a:ln w="3848" cap="flat">
+              <a:noFill/>
+              <a:prstDash val="solid"/>
+              <a:miter/>
+            </a:ln>
+            <a:effectLst>
+              <a:glow rad="152400">
+                <a:srgbClr val="000000">
+                  <a:alpha val="4000"/>
+                </a:srgbClr>
+              </a:glow>
+              <a:outerShdw blurRad="101600" dist="38100" dir="16200000" rotWithShape="0">
+                <a:srgbClr val="000000">
+                  <a:alpha val="5000"/>
+                </a:srgbClr>
+              </a:outerShdw>
+            </a:effectLst>
+          </p:spPr>
+          <p:txBody>
+            <a:bodyPr rtlCol="0" anchor="ctr"/>
+            <a:lstStyle/>
+            <a:p>
+              <a:endParaRPr lang="en-US" dirty="0"/>
+            </a:p>
+          </p:txBody>
+        </p:sp>
+        <p:sp useBgFill="1">
+          <p:nvSpPr>
+            <p:cNvPr id="82" name="Oval 81">
+              <a:extLst>
+                <a:ext uri="{FF2B5EF4-FFF2-40B4-BE49-F238E27FC236}">
+                  <a16:creationId xmlns:a16="http://schemas.microsoft.com/office/drawing/2014/main" id="{4C9695FA-F254-4470-9200-AE3BD45DC307}"/>
+                </a:ext>
+                <a:ext uri="{C183D7F6-B498-43B3-948B-1728B52AA6E4}">
+                  <adec:decorative xmlns:adec="http://schemas.microsoft.com/office/drawing/2017/decorative" val="1"/>
+                </a:ext>
+              </a:extLst>
+            </p:cNvPr>
+            <p:cNvSpPr/>
+            <p:nvPr>
+              <p:extLst>
+                <p:ext uri="{386F3935-93C4-4BCD-93E2-E3B085C9AB24}">
+                  <p16:designElem xmlns:p16="http://schemas.microsoft.com/office/powerpoint/2015/main" val="1"/>
+                </p:ext>
+              </p:extLst>
+            </p:nvPr>
+          </p:nvSpPr>
+          <p:spPr>
+            <a:xfrm rot="10800000" flipH="1">
+              <a:off x="9854463" y="1193988"/>
+              <a:ext cx="388723" cy="388723"/>
             </a:xfrm>
             <a:prstGeom prst="ellipse">
               <a:avLst/>
@@ -9846,12 +11515,12 @@
             </a:p>
           </p:txBody>
         </p:sp>
-        <p:sp useBgFill="1">
+        <p:sp>
           <p:nvSpPr>
-            <p:cNvPr id="48" name="Oval 16">
+            <p:cNvPr id="83" name="Freeform: Shape 82">
               <a:extLst>
                 <a:ext uri="{FF2B5EF4-FFF2-40B4-BE49-F238E27FC236}">
-                  <a16:creationId xmlns:a16="http://schemas.microsoft.com/office/drawing/2014/main" id="{9AE1FC9E-06C9-4A12-8BE7-766C3DA8B9AC}"/>
+                  <a16:creationId xmlns:a16="http://schemas.microsoft.com/office/drawing/2014/main" id="{1AFA994E-44E8-43D5-AACC-CFCB849CF5F5}"/>
                 </a:ext>
                 <a:ext uri="{C183D7F6-B498-43B3-948B-1728B52AA6E4}">
                   <adec:decorative xmlns:adec="http://schemas.microsoft.com/office/drawing/2017/decorative" val="1"/>
@@ -9868,13 +11537,99 @@
             </p:nvPr>
           </p:nvSpPr>
           <p:spPr>
-            <a:xfrm rot="10800000">
-              <a:off x="11352354" y="406586"/>
-              <a:ext cx="474023" cy="474023"/>
+            <a:xfrm>
+              <a:off x="1" y="703728"/>
+              <a:ext cx="356447" cy="490260"/>
             </a:xfrm>
-            <a:prstGeom prst="ellipse">
+            <a:custGeom>
               <a:avLst/>
-            </a:prstGeom>
+              <a:gdLst>
+                <a:gd name="connsiteX0" fmla="*/ 111317 w 356447"/>
+                <a:gd name="connsiteY0" fmla="*/ 0 h 490260"/>
+                <a:gd name="connsiteX1" fmla="*/ 356447 w 356447"/>
+                <a:gd name="connsiteY1" fmla="*/ 245130 h 490260"/>
+                <a:gd name="connsiteX2" fmla="*/ 111317 w 356447"/>
+                <a:gd name="connsiteY2" fmla="*/ 490260 h 490260"/>
+                <a:gd name="connsiteX3" fmla="*/ 15901 w 356447"/>
+                <a:gd name="connsiteY3" fmla="*/ 470997 h 490260"/>
+                <a:gd name="connsiteX4" fmla="*/ 0 w 356447"/>
+                <a:gd name="connsiteY4" fmla="*/ 460276 h 490260"/>
+                <a:gd name="connsiteX5" fmla="*/ 0 w 356447"/>
+                <a:gd name="connsiteY5" fmla="*/ 29984 h 490260"/>
+                <a:gd name="connsiteX6" fmla="*/ 15901 w 356447"/>
+                <a:gd name="connsiteY6" fmla="*/ 19264 h 490260"/>
+                <a:gd name="connsiteX7" fmla="*/ 111317 w 356447"/>
+                <a:gd name="connsiteY7" fmla="*/ 0 h 490260"/>
+              </a:gdLst>
+              <a:ahLst/>
+              <a:cxnLst>
+                <a:cxn ang="0">
+                  <a:pos x="connsiteX0" y="connsiteY0"/>
+                </a:cxn>
+                <a:cxn ang="0">
+                  <a:pos x="connsiteX1" y="connsiteY1"/>
+                </a:cxn>
+                <a:cxn ang="0">
+                  <a:pos x="connsiteX2" y="connsiteY2"/>
+                </a:cxn>
+                <a:cxn ang="0">
+                  <a:pos x="connsiteX3" y="connsiteY3"/>
+                </a:cxn>
+                <a:cxn ang="0">
+                  <a:pos x="connsiteX4" y="connsiteY4"/>
+                </a:cxn>
+                <a:cxn ang="0">
+                  <a:pos x="connsiteX5" y="connsiteY5"/>
+                </a:cxn>
+                <a:cxn ang="0">
+                  <a:pos x="connsiteX6" y="connsiteY6"/>
+                </a:cxn>
+                <a:cxn ang="0">
+                  <a:pos x="connsiteX7" y="connsiteY7"/>
+                </a:cxn>
+              </a:cxnLst>
+              <a:rect l="l" t="t" r="r" b="b"/>
+              <a:pathLst>
+                <a:path w="356447" h="490260">
+                  <a:moveTo>
+                    <a:pt x="111317" y="0"/>
+                  </a:moveTo>
+                  <a:cubicBezTo>
+                    <a:pt x="246699" y="0"/>
+                    <a:pt x="356447" y="109748"/>
+                    <a:pt x="356447" y="245130"/>
+                  </a:cubicBezTo>
+                  <a:cubicBezTo>
+                    <a:pt x="356447" y="380512"/>
+                    <a:pt x="246699" y="490260"/>
+                    <a:pt x="111317" y="490260"/>
+                  </a:cubicBezTo>
+                  <a:cubicBezTo>
+                    <a:pt x="77472" y="490260"/>
+                    <a:pt x="45228" y="483401"/>
+                    <a:pt x="15901" y="470997"/>
+                  </a:cubicBezTo>
+                  <a:lnTo>
+                    <a:pt x="0" y="460276"/>
+                  </a:lnTo>
+                  <a:lnTo>
+                    <a:pt x="0" y="29984"/>
+                  </a:lnTo>
+                  <a:lnTo>
+                    <a:pt x="15901" y="19264"/>
+                  </a:lnTo>
+                  <a:cubicBezTo>
+                    <a:pt x="45228" y="6859"/>
+                    <a:pt x="77472" y="0"/>
+                    <a:pt x="111317" y="0"/>
+                  </a:cubicBezTo>
+                  <a:close/>
+                </a:path>
+              </a:pathLst>
+            </a:custGeom>
+            <a:solidFill>
+              <a:schemeClr val="bg1"/>
+            </a:solidFill>
             <a:ln w="3848" cap="flat">
               <a:noFill/>
               <a:prstDash val="solid"/>
@@ -9897,627 +11652,21 @@
             <a:bodyPr rtlCol="0" anchor="ctr"/>
             <a:lstStyle/>
             <a:p>
-              <a:endParaRPr lang="en-US"/>
-            </a:p>
-          </p:txBody>
-        </p:sp>
-        <p:sp useBgFill="1">
-          <p:nvSpPr>
-            <p:cNvPr id="49" name="Oval 17">
-              <a:extLst>
-                <a:ext uri="{FF2B5EF4-FFF2-40B4-BE49-F238E27FC236}">
-                  <a16:creationId xmlns:a16="http://schemas.microsoft.com/office/drawing/2014/main" id="{29954B75-D8C7-439C-A014-E644E3E2C0A5}"/>
-                </a:ext>
-                <a:ext uri="{C183D7F6-B498-43B3-948B-1728B52AA6E4}">
-                  <adec:decorative xmlns:adec="http://schemas.microsoft.com/office/drawing/2017/decorative" val="1"/>
-                </a:ext>
-              </a:extLst>
-            </p:cNvPr>
-            <p:cNvSpPr/>
-            <p:nvPr>
-              <p:extLst>
-                <p:ext uri="{386F3935-93C4-4BCD-93E2-E3B085C9AB24}">
-                  <p16:designElem xmlns:p16="http://schemas.microsoft.com/office/powerpoint/2015/main" val="1"/>
-                </p:ext>
-              </p:extLst>
-            </p:nvPr>
-          </p:nvSpPr>
-          <p:spPr>
-            <a:xfrm rot="10800000">
-              <a:off x="1678231" y="427615"/>
-              <a:ext cx="334385" cy="334385"/>
-            </a:xfrm>
-            <a:prstGeom prst="ellipse">
-              <a:avLst/>
-            </a:prstGeom>
-            <a:ln w="3848" cap="flat">
-              <a:noFill/>
-              <a:prstDash val="solid"/>
-              <a:miter/>
-            </a:ln>
-            <a:effectLst>
-              <a:glow rad="152400">
-                <a:srgbClr val="000000">
-                  <a:alpha val="4000"/>
-                </a:srgbClr>
-              </a:glow>
-              <a:outerShdw blurRad="101600" dist="38100" dir="16200000" rotWithShape="0">
-                <a:srgbClr val="000000">
-                  <a:alpha val="5000"/>
-                </a:srgbClr>
-              </a:outerShdw>
-            </a:effectLst>
-          </p:spPr>
-          <p:txBody>
-            <a:bodyPr rtlCol="0" anchor="ctr"/>
-            <a:lstStyle/>
-            <a:p>
-              <a:endParaRPr lang="en-US" dirty="0"/>
+              <a:endParaRPr lang="en-US">
+                <a:solidFill>
+                  <a:schemeClr val="tx1"/>
+                </a:solidFill>
+              </a:endParaRPr>
             </a:p>
           </p:txBody>
         </p:sp>
       </p:grpSp>
-      <p:sp useBgFill="1">
-        <p:nvSpPr>
-          <p:cNvPr id="50" name="Rectangle 19">
-            <a:extLst>
-              <a:ext uri="{FF2B5EF4-FFF2-40B4-BE49-F238E27FC236}">
-                <a16:creationId xmlns:a16="http://schemas.microsoft.com/office/drawing/2014/main" id="{4E1EF4E8-5513-4BF5-BC41-04645281C672}"/>
-              </a:ext>
-              <a:ext uri="{C183D7F6-B498-43B3-948B-1728B52AA6E4}">
-                <adec:decorative xmlns:adec="http://schemas.microsoft.com/office/drawing/2017/decorative" val="1"/>
-              </a:ext>
-            </a:extLst>
-          </p:cNvPr>
-          <p:cNvSpPr>
-            <a:spLocks noGrp="1" noRot="1" noChangeAspect="1" noMove="1" noResize="1" noEditPoints="1" noAdjustHandles="1" noChangeArrowheads="1" noChangeShapeType="1" noTextEdit="1"/>
-          </p:cNvSpPr>
-          <p:nvPr>
-            <p:extLst>
-              <p:ext uri="{386F3935-93C4-4BCD-93E2-E3B085C9AB24}">
-                <p16:designElem xmlns:p16="http://schemas.microsoft.com/office/powerpoint/2015/main" val="1"/>
-              </p:ext>
-            </p:extLst>
-          </p:nvPr>
-        </p:nvSpPr>
-        <p:spPr>
-          <a:xfrm>
-            <a:off x="0" y="0"/>
-            <a:ext cx="12192000" cy="6858000"/>
-          </a:xfrm>
-          <a:prstGeom prst="rect">
-            <a:avLst/>
-          </a:prstGeom>
-          <a:ln w="3848" cap="flat">
-            <a:noFill/>
-            <a:prstDash val="solid"/>
-            <a:miter/>
-          </a:ln>
-          <a:effectLst/>
-        </p:spPr>
-        <p:txBody>
-          <a:bodyPr rtlCol="0" anchor="ctr"/>
-          <a:lstStyle/>
-          <a:p>
-            <a:endParaRPr lang="en-US" dirty="0">
-              <a:solidFill>
-                <a:schemeClr val="tx1"/>
-              </a:solidFill>
-            </a:endParaRPr>
-          </a:p>
-        </p:txBody>
-      </p:sp>
-      <p:sp>
-        <p:nvSpPr>
-          <p:cNvPr id="51" name="Rectangle 21">
-            <a:extLst>
-              <a:ext uri="{FF2B5EF4-FFF2-40B4-BE49-F238E27FC236}">
-                <a16:creationId xmlns:a16="http://schemas.microsoft.com/office/drawing/2014/main" id="{361EA5BB-A258-4E22-94F4-C79A441363DA}"/>
-              </a:ext>
-              <a:ext uri="{C183D7F6-B498-43B3-948B-1728B52AA6E4}">
-                <adec:decorative xmlns:adec="http://schemas.microsoft.com/office/drawing/2017/decorative" val="1"/>
-              </a:ext>
-            </a:extLst>
-          </p:cNvPr>
-          <p:cNvSpPr>
-            <a:spLocks noGrp="1" noRot="1" noChangeAspect="1" noMove="1" noResize="1" noEditPoints="1" noAdjustHandles="1" noChangeArrowheads="1" noChangeShapeType="1" noTextEdit="1"/>
-          </p:cNvSpPr>
-          <p:nvPr>
-            <p:extLst>
-              <p:ext uri="{386F3935-93C4-4BCD-93E2-E3B085C9AB24}">
-                <p16:designElem xmlns:p16="http://schemas.microsoft.com/office/powerpoint/2015/main" val="1"/>
-              </p:ext>
-            </p:extLst>
-          </p:nvPr>
-        </p:nvSpPr>
-        <p:spPr>
-          <a:xfrm>
-            <a:off x="0" y="0"/>
-            <a:ext cx="12192000" cy="6858000"/>
-          </a:xfrm>
-          <a:prstGeom prst="rect">
-            <a:avLst/>
-          </a:prstGeom>
-          <a:solidFill>
-            <a:srgbClr val="FFFFFF">
-              <a:alpha val="10000"/>
-            </a:srgbClr>
-          </a:solidFill>
-          <a:ln w="3848" cap="flat">
-            <a:noFill/>
-            <a:prstDash val="solid"/>
-            <a:miter/>
-          </a:ln>
-          <a:effectLst/>
-        </p:spPr>
-        <p:txBody>
-          <a:bodyPr rtlCol="0" anchor="ctr"/>
-          <a:lstStyle/>
-          <a:p>
-            <a:endParaRPr lang="en-US" dirty="0">
-              <a:solidFill>
-                <a:schemeClr val="tx1"/>
-              </a:solidFill>
-            </a:endParaRPr>
-          </a:p>
-        </p:txBody>
-      </p:sp>
-      <p:grpSp>
-        <p:nvGrpSpPr>
-          <p:cNvPr id="52" name="Group 23">
-            <a:extLst>
-              <a:ext uri="{FF2B5EF4-FFF2-40B4-BE49-F238E27FC236}">
-                <a16:creationId xmlns:a16="http://schemas.microsoft.com/office/drawing/2014/main" id="{EC0390E3-C0A9-417C-BD75-4C0EC7858000}"/>
-              </a:ext>
-              <a:ext uri="{C183D7F6-B498-43B3-948B-1728B52AA6E4}">
-                <adec:decorative xmlns:adec="http://schemas.microsoft.com/office/drawing/2017/decorative" val="1"/>
-              </a:ext>
-            </a:extLst>
-          </p:cNvPr>
-          <p:cNvGrpSpPr>
-            <a:grpSpLocks noGrp="1" noUngrp="1" noRot="1" noChangeAspect="1" noMove="1" noResize="1"/>
-          </p:cNvGrpSpPr>
-          <p:nvPr>
-            <p:extLst>
-              <p:ext uri="{386F3935-93C4-4BCD-93E2-E3B085C9AB24}">
-                <p16:designElem xmlns:p16="http://schemas.microsoft.com/office/powerpoint/2015/main" val="1"/>
-              </p:ext>
-            </p:extLst>
-          </p:nvPr>
-        </p:nvGrpSpPr>
-        <p:grpSpPr>
-          <a:xfrm>
-            <a:off x="10258081" y="206142"/>
-            <a:ext cx="1813562" cy="1530997"/>
-            <a:chOff x="10258081" y="206142"/>
-            <a:chExt cx="1813562" cy="1530997"/>
-          </a:xfrm>
-        </p:grpSpPr>
-        <p:sp useBgFill="1">
-          <p:nvSpPr>
-            <p:cNvPr id="53" name="Graphic 10">
-              <a:extLst>
-                <a:ext uri="{FF2B5EF4-FFF2-40B4-BE49-F238E27FC236}">
-                  <a16:creationId xmlns:a16="http://schemas.microsoft.com/office/drawing/2014/main" id="{ECEF14A7-1E1A-4728-B43D-DD32912907EA}"/>
-                </a:ext>
-                <a:ext uri="{C183D7F6-B498-43B3-948B-1728B52AA6E4}">
-                  <adec:decorative xmlns:adec="http://schemas.microsoft.com/office/drawing/2017/decorative" val="1"/>
-                </a:ext>
-              </a:extLst>
-            </p:cNvPr>
-            <p:cNvSpPr/>
-            <p:nvPr>
-              <p:extLst>
-                <p:ext uri="{386F3935-93C4-4BCD-93E2-E3B085C9AB24}">
-                  <p16:designElem xmlns:p16="http://schemas.microsoft.com/office/powerpoint/2015/main" val="1"/>
-                </p:ext>
-              </p:extLst>
-            </p:nvPr>
-          </p:nvSpPr>
-          <p:spPr>
-            <a:xfrm rot="2700000">
-              <a:off x="11146356" y="206142"/>
-              <a:ext cx="925287" cy="925287"/>
-            </a:xfrm>
-            <a:custGeom>
-              <a:avLst/>
-              <a:gdLst>
-                <a:gd name="connsiteX0" fmla="*/ 4053340 w 6859500"/>
-                <a:gd name="connsiteY0" fmla="*/ 6235893 h 6859500"/>
-                <a:gd name="connsiteX1" fmla="*/ 4053340 w 6859500"/>
-                <a:gd name="connsiteY1" fmla="*/ 4053340 h 6859500"/>
-                <a:gd name="connsiteX2" fmla="*/ 6235893 w 6859500"/>
-                <a:gd name="connsiteY2" fmla="*/ 4053340 h 6859500"/>
-                <a:gd name="connsiteX3" fmla="*/ 6859501 w 6859500"/>
-                <a:gd name="connsiteY3" fmla="*/ 3429731 h 6859500"/>
-                <a:gd name="connsiteX4" fmla="*/ 6235893 w 6859500"/>
-                <a:gd name="connsiteY4" fmla="*/ 2806123 h 6859500"/>
-                <a:gd name="connsiteX5" fmla="*/ 4053340 w 6859500"/>
-                <a:gd name="connsiteY5" fmla="*/ 2806123 h 6859500"/>
-                <a:gd name="connsiteX6" fmla="*/ 4053340 w 6859500"/>
-                <a:gd name="connsiteY6" fmla="*/ 623608 h 6859500"/>
-                <a:gd name="connsiteX7" fmla="*/ 3429731 w 6859500"/>
-                <a:gd name="connsiteY7" fmla="*/ 0 h 6859500"/>
-                <a:gd name="connsiteX8" fmla="*/ 2806123 w 6859500"/>
-                <a:gd name="connsiteY8" fmla="*/ 623608 h 6859500"/>
-                <a:gd name="connsiteX9" fmla="*/ 2806123 w 6859500"/>
-                <a:gd name="connsiteY9" fmla="*/ 2806161 h 6859500"/>
-                <a:gd name="connsiteX10" fmla="*/ 623608 w 6859500"/>
-                <a:gd name="connsiteY10" fmla="*/ 2806161 h 6859500"/>
-                <a:gd name="connsiteX11" fmla="*/ 0 w 6859500"/>
-                <a:gd name="connsiteY11" fmla="*/ 3429731 h 6859500"/>
-                <a:gd name="connsiteX12" fmla="*/ 623608 w 6859500"/>
-                <a:gd name="connsiteY12" fmla="*/ 4053340 h 6859500"/>
-                <a:gd name="connsiteX13" fmla="*/ 2806161 w 6859500"/>
-                <a:gd name="connsiteY13" fmla="*/ 4053340 h 6859500"/>
-                <a:gd name="connsiteX14" fmla="*/ 2806161 w 6859500"/>
-                <a:gd name="connsiteY14" fmla="*/ 6235893 h 6859500"/>
-                <a:gd name="connsiteX15" fmla="*/ 3429770 w 6859500"/>
-                <a:gd name="connsiteY15" fmla="*/ 6859501 h 6859500"/>
-                <a:gd name="connsiteX16" fmla="*/ 4053340 w 6859500"/>
-                <a:gd name="connsiteY16" fmla="*/ 6235893 h 6859500"/>
-              </a:gdLst>
-              <a:ahLst/>
-              <a:cxnLst>
-                <a:cxn ang="0">
-                  <a:pos x="connsiteX0" y="connsiteY0"/>
-                </a:cxn>
-                <a:cxn ang="0">
-                  <a:pos x="connsiteX1" y="connsiteY1"/>
-                </a:cxn>
-                <a:cxn ang="0">
-                  <a:pos x="connsiteX2" y="connsiteY2"/>
-                </a:cxn>
-                <a:cxn ang="0">
-                  <a:pos x="connsiteX3" y="connsiteY3"/>
-                </a:cxn>
-                <a:cxn ang="0">
-                  <a:pos x="connsiteX4" y="connsiteY4"/>
-                </a:cxn>
-                <a:cxn ang="0">
-                  <a:pos x="connsiteX5" y="connsiteY5"/>
-                </a:cxn>
-                <a:cxn ang="0">
-                  <a:pos x="connsiteX6" y="connsiteY6"/>
-                </a:cxn>
-                <a:cxn ang="0">
-                  <a:pos x="connsiteX7" y="connsiteY7"/>
-                </a:cxn>
-                <a:cxn ang="0">
-                  <a:pos x="connsiteX8" y="connsiteY8"/>
-                </a:cxn>
-                <a:cxn ang="0">
-                  <a:pos x="connsiteX9" y="connsiteY9"/>
-                </a:cxn>
-                <a:cxn ang="0">
-                  <a:pos x="connsiteX10" y="connsiteY10"/>
-                </a:cxn>
-                <a:cxn ang="0">
-                  <a:pos x="connsiteX11" y="connsiteY11"/>
-                </a:cxn>
-                <a:cxn ang="0">
-                  <a:pos x="connsiteX12" y="connsiteY12"/>
-                </a:cxn>
-                <a:cxn ang="0">
-                  <a:pos x="connsiteX13" y="connsiteY13"/>
-                </a:cxn>
-                <a:cxn ang="0">
-                  <a:pos x="connsiteX14" y="connsiteY14"/>
-                </a:cxn>
-                <a:cxn ang="0">
-                  <a:pos x="connsiteX15" y="connsiteY15"/>
-                </a:cxn>
-                <a:cxn ang="0">
-                  <a:pos x="connsiteX16" y="connsiteY16"/>
-                </a:cxn>
-              </a:cxnLst>
-              <a:rect l="l" t="t" r="r" b="b"/>
-              <a:pathLst>
-                <a:path w="6859500" h="6859500">
-                  <a:moveTo>
-                    <a:pt x="4053340" y="6235893"/>
-                  </a:moveTo>
-                  <a:lnTo>
-                    <a:pt x="4053340" y="4053340"/>
-                  </a:lnTo>
-                  <a:lnTo>
-                    <a:pt x="6235893" y="4053340"/>
-                  </a:lnTo>
-                  <a:cubicBezTo>
-                    <a:pt x="6580293" y="4053340"/>
-                    <a:pt x="6859501" y="3774132"/>
-                    <a:pt x="6859501" y="3429731"/>
-                  </a:cubicBezTo>
-                  <a:cubicBezTo>
-                    <a:pt x="6859501" y="3085330"/>
-                    <a:pt x="6580332" y="2806123"/>
-                    <a:pt x="6235893" y="2806123"/>
-                  </a:cubicBezTo>
-                  <a:lnTo>
-                    <a:pt x="4053340" y="2806123"/>
-                  </a:lnTo>
-                  <a:lnTo>
-                    <a:pt x="4053340" y="623608"/>
-                  </a:lnTo>
-                  <a:cubicBezTo>
-                    <a:pt x="4053340" y="279208"/>
-                    <a:pt x="3774171" y="0"/>
-                    <a:pt x="3429731" y="0"/>
-                  </a:cubicBezTo>
-                  <a:cubicBezTo>
-                    <a:pt x="3085330" y="0"/>
-                    <a:pt x="2806123" y="279208"/>
-                    <a:pt x="2806123" y="623608"/>
-                  </a:cubicBezTo>
-                  <a:lnTo>
-                    <a:pt x="2806123" y="2806161"/>
-                  </a:lnTo>
-                  <a:lnTo>
-                    <a:pt x="623608" y="2806161"/>
-                  </a:lnTo>
-                  <a:cubicBezTo>
-                    <a:pt x="279208" y="2806161"/>
-                    <a:pt x="0" y="3085369"/>
-                    <a:pt x="0" y="3429731"/>
-                  </a:cubicBezTo>
-                  <a:cubicBezTo>
-                    <a:pt x="0" y="3774132"/>
-                    <a:pt x="279208" y="4053340"/>
-                    <a:pt x="623608" y="4053340"/>
-                  </a:cubicBezTo>
-                  <a:lnTo>
-                    <a:pt x="2806161" y="4053340"/>
-                  </a:lnTo>
-                  <a:lnTo>
-                    <a:pt x="2806161" y="6235893"/>
-                  </a:lnTo>
-                  <a:cubicBezTo>
-                    <a:pt x="2806161" y="6580293"/>
-                    <a:pt x="3085369" y="6859501"/>
-                    <a:pt x="3429770" y="6859501"/>
-                  </a:cubicBezTo>
-                  <a:cubicBezTo>
-                    <a:pt x="3774171" y="6859501"/>
-                    <a:pt x="4053340" y="6580293"/>
-                    <a:pt x="4053340" y="6235893"/>
-                  </a:cubicBezTo>
-                  <a:close/>
-                </a:path>
-              </a:pathLst>
-            </a:custGeom>
-            <a:ln w="3848" cap="flat">
-              <a:noFill/>
-              <a:prstDash val="solid"/>
-              <a:miter/>
-            </a:ln>
-            <a:effectLst>
-              <a:glow rad="152400">
-                <a:srgbClr val="000000">
-                  <a:alpha val="4000"/>
-                </a:srgbClr>
-              </a:glow>
-              <a:outerShdw blurRad="101600" dist="38100" dir="16200000" rotWithShape="0">
-                <a:srgbClr val="000000">
-                  <a:alpha val="5000"/>
-                </a:srgbClr>
-              </a:outerShdw>
-            </a:effectLst>
-          </p:spPr>
-          <p:txBody>
-            <a:bodyPr rtlCol="0" anchor="ctr"/>
-            <a:lstStyle/>
-            <a:p>
-              <a:endParaRPr lang="en-US" dirty="0"/>
-            </a:p>
-          </p:txBody>
-        </p:sp>
-        <p:sp useBgFill="1">
-          <p:nvSpPr>
-            <p:cNvPr id="54" name="Oval 25">
-              <a:extLst>
-                <a:ext uri="{FF2B5EF4-FFF2-40B4-BE49-F238E27FC236}">
-                  <a16:creationId xmlns:a16="http://schemas.microsoft.com/office/drawing/2014/main" id="{4D729619-C38D-4850-8C6A-B4490A6C363B}"/>
-                </a:ext>
-                <a:ext uri="{C183D7F6-B498-43B3-948B-1728B52AA6E4}">
-                  <adec:decorative xmlns:adec="http://schemas.microsoft.com/office/drawing/2017/decorative" val="1"/>
-                </a:ext>
-              </a:extLst>
-            </p:cNvPr>
-            <p:cNvSpPr/>
-            <p:nvPr>
-              <p:extLst>
-                <p:ext uri="{386F3935-93C4-4BCD-93E2-E3B085C9AB24}">
-                  <p16:designElem xmlns:p16="http://schemas.microsoft.com/office/powerpoint/2015/main" val="1"/>
-                </p:ext>
-              </p:extLst>
-            </p:nvPr>
-          </p:nvSpPr>
-          <p:spPr>
-            <a:xfrm rot="10800000">
-              <a:off x="10972800" y="1475479"/>
-              <a:ext cx="261660" cy="261660"/>
-            </a:xfrm>
-            <a:prstGeom prst="ellipse">
-              <a:avLst/>
-            </a:prstGeom>
-            <a:ln w="3848" cap="flat">
-              <a:noFill/>
-              <a:prstDash val="solid"/>
-              <a:miter/>
-            </a:ln>
-            <a:effectLst>
-              <a:glow rad="152400">
-                <a:srgbClr val="000000">
-                  <a:alpha val="4000"/>
-                </a:srgbClr>
-              </a:glow>
-              <a:outerShdw blurRad="101600" dist="38100" dir="16200000" rotWithShape="0">
-                <a:srgbClr val="000000">
-                  <a:alpha val="5000"/>
-                </a:srgbClr>
-              </a:outerShdw>
-            </a:effectLst>
-          </p:spPr>
-          <p:txBody>
-            <a:bodyPr rtlCol="0" anchor="ctr"/>
-            <a:lstStyle/>
-            <a:p>
-              <a:endParaRPr lang="en-US"/>
-            </a:p>
-          </p:txBody>
-        </p:sp>
-        <p:sp useBgFill="1">
-          <p:nvSpPr>
-            <p:cNvPr id="27" name="Oval 26">
-              <a:extLst>
-                <a:ext uri="{FF2B5EF4-FFF2-40B4-BE49-F238E27FC236}">
-                  <a16:creationId xmlns:a16="http://schemas.microsoft.com/office/drawing/2014/main" id="{DE0E01A7-363C-4F3B-914F-1135F1C5342F}"/>
-                </a:ext>
-                <a:ext uri="{C183D7F6-B498-43B3-948B-1728B52AA6E4}">
-                  <adec:decorative xmlns:adec="http://schemas.microsoft.com/office/drawing/2017/decorative" val="1"/>
-                </a:ext>
-              </a:extLst>
-            </p:cNvPr>
-            <p:cNvSpPr/>
-            <p:nvPr>
-              <p:extLst>
-                <p:ext uri="{386F3935-93C4-4BCD-93E2-E3B085C9AB24}">
-                  <p16:designElem xmlns:p16="http://schemas.microsoft.com/office/powerpoint/2015/main" val="1"/>
-                </p:ext>
-              </p:extLst>
-            </p:nvPr>
-          </p:nvSpPr>
-          <p:spPr>
-            <a:xfrm rot="10800000">
-              <a:off x="10258081" y="329690"/>
-              <a:ext cx="425081" cy="425081"/>
-            </a:xfrm>
-            <a:prstGeom prst="ellipse">
-              <a:avLst/>
-            </a:prstGeom>
-            <a:ln w="3848" cap="flat">
-              <a:noFill/>
-              <a:prstDash val="solid"/>
-              <a:miter/>
-            </a:ln>
-            <a:effectLst>
-              <a:glow rad="152400">
-                <a:srgbClr val="000000">
-                  <a:alpha val="4000"/>
-                </a:srgbClr>
-              </a:glow>
-              <a:outerShdw blurRad="101600" dist="38100" dir="16200000" rotWithShape="0">
-                <a:srgbClr val="000000">
-                  <a:alpha val="5000"/>
-                </a:srgbClr>
-              </a:outerShdw>
-            </a:effectLst>
-          </p:spPr>
-          <p:txBody>
-            <a:bodyPr rtlCol="0" anchor="ctr"/>
-            <a:lstStyle/>
-            <a:p>
-              <a:endParaRPr lang="en-US"/>
-            </a:p>
-          </p:txBody>
-        </p:sp>
-      </p:grpSp>
-      <p:pic>
-        <p:nvPicPr>
-          <p:cNvPr id="7" name="Picture 6">
-            <a:extLst>
-              <a:ext uri="{FF2B5EF4-FFF2-40B4-BE49-F238E27FC236}">
-                <a16:creationId xmlns:a16="http://schemas.microsoft.com/office/drawing/2014/main" id="{B16EAAE1-8358-4357-968E-A0B5580BE0DA}"/>
-              </a:ext>
-            </a:extLst>
-          </p:cNvPr>
-          <p:cNvPicPr>
-            <a:picLocks noChangeAspect="1"/>
-          </p:cNvPicPr>
-          <p:nvPr/>
-        </p:nvPicPr>
-        <p:blipFill>
-          <a:blip r:embed="rId2"/>
-          <a:stretch>
-            <a:fillRect/>
-          </a:stretch>
-        </p:blipFill>
-        <p:spPr>
-          <a:xfrm>
-            <a:off x="5198376" y="1301144"/>
-            <a:ext cx="6116654" cy="5382656"/>
-          </a:xfrm>
-          <a:prstGeom prst="rect">
-            <a:avLst/>
-          </a:prstGeom>
-          <a:effectLst>
-            <a:outerShdw blurRad="1016000" dist="50800" dir="5400000" algn="ctr" rotWithShape="0">
-              <a:srgbClr val="000000">
-                <a:alpha val="43137"/>
-              </a:srgbClr>
-            </a:outerShdw>
-            <a:softEdge rad="368300"/>
-          </a:effectLst>
-        </p:spPr>
-      </p:pic>
-      <p:pic>
-        <p:nvPicPr>
-          <p:cNvPr id="6" name="Content Placeholder 5">
-            <a:extLst>
-              <a:ext uri="{FF2B5EF4-FFF2-40B4-BE49-F238E27FC236}">
-                <a16:creationId xmlns:a16="http://schemas.microsoft.com/office/drawing/2014/main" id="{36B2B6FC-9E71-4D4C-A211-E4362DF504F3}"/>
-              </a:ext>
-            </a:extLst>
-          </p:cNvPr>
-          <p:cNvPicPr>
-            <a:picLocks noGrp="1" noChangeAspect="1"/>
-          </p:cNvPicPr>
-          <p:nvPr>
-            <p:ph idx="1"/>
-          </p:nvPr>
-        </p:nvPicPr>
-        <p:blipFill>
-          <a:blip r:embed="rId3">
-            <a:extLst>
-              <a:ext uri="{BEBA8EAE-BF5A-486C-A8C5-ECC9F3942E4B}">
-                <a14:imgProps xmlns:a14="http://schemas.microsoft.com/office/drawing/2010/main">
-                  <a14:imgLayer r:embed="rId4">
-                    <a14:imgEffect>
-                      <a14:brightnessContrast contrast="-6000"/>
-                    </a14:imgEffect>
-                  </a14:imgLayer>
-                </a14:imgProps>
-              </a:ext>
-            </a:extLst>
-          </a:blip>
-          <a:stretch>
-            <a:fillRect/>
-          </a:stretch>
-        </p:blipFill>
-        <p:spPr>
-          <a:xfrm>
-            <a:off x="805375" y="1364263"/>
-            <a:ext cx="5203887" cy="5406637"/>
-          </a:xfrm>
-          <a:prstGeom prst="rect">
-            <a:avLst/>
-          </a:prstGeom>
-          <a:effectLst>
-            <a:outerShdw blurRad="698500" dist="50800" dir="5400000" algn="ctr" rotWithShape="0">
-              <a:srgbClr val="000000">
-                <a:alpha val="43137"/>
-              </a:srgbClr>
-            </a:outerShdw>
-            <a:softEdge rad="393700"/>
-          </a:effectLst>
-        </p:spPr>
-      </p:pic>
       <p:sp>
         <p:nvSpPr>
           <p:cNvPr id="2" name="Title 1">
             <a:extLst>
               <a:ext uri="{FF2B5EF4-FFF2-40B4-BE49-F238E27FC236}">
-                <a16:creationId xmlns:a16="http://schemas.microsoft.com/office/drawing/2014/main" id="{CD7800CB-5C7E-4829-8838-F7BB729990D1}"/>
+                <a16:creationId xmlns:a16="http://schemas.microsoft.com/office/drawing/2014/main" id="{ADF7FE13-1E33-41CC-89CF-2DDE41111791}"/>
               </a:ext>
             </a:extLst>
           </p:cNvPr>
@@ -10530,19 +11679,18 @@
         </p:nvSpPr>
         <p:spPr>
           <a:xfrm>
-            <a:off x="170392" y="-130965"/>
-            <a:ext cx="11181962" cy="1438969"/>
+            <a:off x="457199" y="566490"/>
+            <a:ext cx="11238347" cy="1502704"/>
           </a:xfrm>
         </p:spPr>
         <p:txBody>
-          <a:bodyPr vert="horz" lIns="91440" tIns="45720" rIns="91440" bIns="45720" rtlCol="0" anchor="b">
+          <a:bodyPr vert="horz" lIns="91440" tIns="45720" rIns="91440" bIns="45720" rtlCol="0" anchor="ctr">
             <a:normAutofit/>
           </a:bodyPr>
           <a:lstStyle/>
           <a:p>
-            <a:pPr algn="ctr"/>
             <a:r>
-              <a:rPr lang="en-US" sz="5400" kern="1200" dirty="0">
+              <a:rPr lang="en-US" i="1" kern="1200" dirty="0" err="1">
                 <a:solidFill>
                   <a:schemeClr val="tx1"/>
                 </a:solidFill>
@@ -10550,7 +11698,123 @@
                 <a:ea typeface="+mj-ea"/>
                 <a:cs typeface="+mj-cs"/>
               </a:rPr>
-              <a:t>Core CPY</a:t>
+              <a:t>isinstance</a:t>
+            </a:r>
+            <a:r>
+              <a:rPr lang="en-US" i="1" kern="1200">
+                <a:solidFill>
+                  <a:schemeClr val="tx1"/>
+                </a:solidFill>
+                <a:latin typeface="+mj-lt"/>
+                <a:ea typeface="+mj-ea"/>
+                <a:cs typeface="+mj-cs"/>
+              </a:rPr>
+              <a:t> </a:t>
+            </a:r>
+            <a:r>
+              <a:rPr lang="en-US" kern="1200">
+                <a:solidFill>
+                  <a:schemeClr val="tx1"/>
+                </a:solidFill>
+                <a:latin typeface="+mj-lt"/>
+                <a:ea typeface="+mj-ea"/>
+                <a:cs typeface="+mj-cs"/>
+              </a:rPr>
+              <a:t>eliminated!</a:t>
+            </a:r>
+            <a:br>
+              <a:rPr lang="en-US" kern="1200">
+                <a:solidFill>
+                  <a:schemeClr val="tx1"/>
+                </a:solidFill>
+                <a:latin typeface="+mj-lt"/>
+                <a:ea typeface="+mj-ea"/>
+                <a:cs typeface="+mj-cs"/>
+              </a:rPr>
+            </a:br>
+            <a:endParaRPr lang="en-US" kern="1200">
+              <a:solidFill>
+                <a:schemeClr val="tx1"/>
+              </a:solidFill>
+              <a:latin typeface="+mj-lt"/>
+              <a:ea typeface="+mj-ea"/>
+              <a:cs typeface="+mj-cs"/>
+            </a:endParaRPr>
+          </a:p>
+        </p:txBody>
+      </p:sp>
+      <p:pic>
+        <p:nvPicPr>
+          <p:cNvPr id="4" name="Content Placeholder 3">
+            <a:extLst>
+              <a:ext uri="{FF2B5EF4-FFF2-40B4-BE49-F238E27FC236}">
+                <a16:creationId xmlns:a16="http://schemas.microsoft.com/office/drawing/2014/main" id="{F4892AF6-50C0-4B68-8653-AA0FE52E56B2}"/>
+              </a:ext>
+            </a:extLst>
+          </p:cNvPr>
+          <p:cNvPicPr>
+            <a:picLocks noGrp="1" noChangeAspect="1"/>
+          </p:cNvPicPr>
+          <p:nvPr>
+            <p:ph idx="1"/>
+          </p:nvPr>
+        </p:nvPicPr>
+        <p:blipFill rotWithShape="1">
+          <a:blip r:embed="rId2"/>
+          <a:srcRect t="6262" r="3" b="6321"/>
+          <a:stretch/>
+        </p:blipFill>
+        <p:spPr>
+          <a:xfrm>
+            <a:off x="231851" y="1412384"/>
+            <a:ext cx="6381491" cy="4741888"/>
+          </a:xfrm>
+          <a:prstGeom prst="rect">
+            <a:avLst/>
+          </a:prstGeom>
+        </p:spPr>
+      </p:pic>
+      <p:sp>
+        <p:nvSpPr>
+          <p:cNvPr id="5" name="TextBox 4">
+            <a:extLst>
+              <a:ext uri="{FF2B5EF4-FFF2-40B4-BE49-F238E27FC236}">
+                <a16:creationId xmlns:a16="http://schemas.microsoft.com/office/drawing/2014/main" id="{5B05AF02-55C0-4387-88CF-0F4F3726D9DF}"/>
+              </a:ext>
+            </a:extLst>
+          </p:cNvPr>
+          <p:cNvSpPr txBox="1"/>
+          <p:nvPr/>
+        </p:nvSpPr>
+        <p:spPr>
+          <a:xfrm>
+            <a:off x="6526783" y="2043111"/>
+            <a:ext cx="5269513" cy="4005510"/>
+          </a:xfrm>
+          <a:prstGeom prst="rect">
+            <a:avLst/>
+          </a:prstGeom>
+        </p:spPr>
+        <p:txBody>
+          <a:bodyPr vert="horz" lIns="91440" tIns="45720" rIns="91440" bIns="45720" rtlCol="0" anchor="t">
+            <a:normAutofit/>
+          </a:bodyPr>
+          <a:lstStyle/>
+          <a:p>
+            <a:pPr indent="-228600">
+              <a:lnSpc>
+                <a:spcPct val="90000"/>
+              </a:lnSpc>
+              <a:spcAft>
+                <a:spcPts val="600"/>
+              </a:spcAft>
+              <a:buClr>
+                <a:schemeClr val="accent1"/>
+              </a:buClr>
+            </a:pPr>
+            <a:r>
+              <a:rPr lang="en-US" sz="2800" dirty="0"/>
+              <a:t>Type specialization contributes to eliminating redundant code and choosing the appropriate code!</a:t>
             </a:r>
           </a:p>
         </p:txBody>
@@ -10558,7 +11822,7 @@
     </p:spTree>
     <p:extLst>
       <p:ext uri="{BB962C8B-B14F-4D97-AF65-F5344CB8AC3E}">
-        <p14:creationId xmlns:p14="http://schemas.microsoft.com/office/powerpoint/2010/main" val="2682454801"/>
+        <p14:creationId xmlns:p14="http://schemas.microsoft.com/office/powerpoint/2010/main" val="672714058"/>
       </p:ext>
     </p:extLst>
   </p:cSld>
@@ -10568,7 +11832,7 @@
 </p:sld>
 </file>
 
-<file path=ppt/slides/slide7.xml><?xml version="1.0" encoding="utf-8"?>
+<file path=ppt/slides/slide6.xml><?xml version="1.0" encoding="utf-8"?>
 <p:sld xmlns:a="http://schemas.openxmlformats.org/drawingml/2006/main" xmlns:r="http://schemas.openxmlformats.org/officeDocument/2006/relationships" xmlns:p="http://schemas.openxmlformats.org/presentationml/2006/main">
   <p:cSld>
     <p:spTree>
@@ -10590,7 +11854,7 @@
           <p:cNvPr id="2" name="Title 1">
             <a:extLst>
               <a:ext uri="{FF2B5EF4-FFF2-40B4-BE49-F238E27FC236}">
-                <a16:creationId xmlns:a16="http://schemas.microsoft.com/office/drawing/2014/main" id="{9A71592E-9060-44D9-BC67-9BC50D17F5DA}"/>
+                <a16:creationId xmlns:a16="http://schemas.microsoft.com/office/drawing/2014/main" id="{D067EB7C-169E-4BE2-8A5D-5C95CD55392B}"/>
               </a:ext>
             </a:extLst>
           </p:cNvPr>
@@ -10606,7 +11870,7 @@
           <a:bodyPr/>
           <a:lstStyle/>
           <a:p>
-            <a:endParaRPr lang="en-US" dirty="0"/>
+            <a:endParaRPr lang="en-US"/>
           </a:p>
         </p:txBody>
       </p:sp>
@@ -10615,7 +11879,7 @@
           <p:cNvPr id="3" name="Content Placeholder 2">
             <a:extLst>
               <a:ext uri="{FF2B5EF4-FFF2-40B4-BE49-F238E27FC236}">
-                <a16:creationId xmlns:a16="http://schemas.microsoft.com/office/drawing/2014/main" id="{3CE7152F-0816-4AEE-B0C7-D22281CFD669}"/>
+                <a16:creationId xmlns:a16="http://schemas.microsoft.com/office/drawing/2014/main" id="{3B6535ED-9E0B-4CC8-A761-C2DF36A7FFD9}"/>
               </a:ext>
             </a:extLst>
           </p:cNvPr>
@@ -10638,7 +11902,7 @@
     </p:spTree>
     <p:extLst>
       <p:ext uri="{BB962C8B-B14F-4D97-AF65-F5344CB8AC3E}">
-        <p14:creationId xmlns:p14="http://schemas.microsoft.com/office/powerpoint/2010/main" val="1687833628"/>
+        <p14:creationId xmlns:p14="http://schemas.microsoft.com/office/powerpoint/2010/main" val="2344805000"/>
       </p:ext>
     </p:extLst>
   </p:cSld>
@@ -10847,4 +12111,299 @@
     </a:ext>
   </a:extLst>
 </a:theme>
+</file>
+
+<file path=ppt/theme/theme2.xml><?xml version="1.0" encoding="utf-8"?>
+<a:theme xmlns:a="http://schemas.openxmlformats.org/drawingml/2006/main" name="Office Theme">
+  <a:themeElements>
+    <a:clrScheme name="Office">
+      <a:dk1>
+        <a:sysClr val="windowText" lastClr="000000"/>
+      </a:dk1>
+      <a:lt1>
+        <a:sysClr val="window" lastClr="FFFFFF"/>
+      </a:lt1>
+      <a:dk2>
+        <a:srgbClr val="44546A"/>
+      </a:dk2>
+      <a:lt2>
+        <a:srgbClr val="E7E6E6"/>
+      </a:lt2>
+      <a:accent1>
+        <a:srgbClr val="4472C4"/>
+      </a:accent1>
+      <a:accent2>
+        <a:srgbClr val="ED7D31"/>
+      </a:accent2>
+      <a:accent3>
+        <a:srgbClr val="A5A5A5"/>
+      </a:accent3>
+      <a:accent4>
+        <a:srgbClr val="FFC000"/>
+      </a:accent4>
+      <a:accent5>
+        <a:srgbClr val="5B9BD5"/>
+      </a:accent5>
+      <a:accent6>
+        <a:srgbClr val="70AD47"/>
+      </a:accent6>
+      <a:hlink>
+        <a:srgbClr val="0563C1"/>
+      </a:hlink>
+      <a:folHlink>
+        <a:srgbClr val="954F72"/>
+      </a:folHlink>
+    </a:clrScheme>
+    <a:fontScheme name="Office">
+      <a:majorFont>
+        <a:latin typeface="Calibri Light" panose="020F0302020204030204"/>
+        <a:ea typeface=""/>
+        <a:cs typeface=""/>
+        <a:font script="Jpan" typeface="游ゴシック Light"/>
+        <a:font script="Hang" typeface="맑은 고딕"/>
+        <a:font script="Hans" typeface="等线 Light"/>
+        <a:font script="Hant" typeface="新細明體"/>
+        <a:font script="Arab" typeface="Times New Roman"/>
+        <a:font script="Hebr" typeface="Times New Roman"/>
+        <a:font script="Thai" typeface="Angsana New"/>
+        <a:font script="Ethi" typeface="Nyala"/>
+        <a:font script="Beng" typeface="Vrinda"/>
+        <a:font script="Gujr" typeface="Shruti"/>
+        <a:font script="Khmr" typeface="MoolBoran"/>
+        <a:font script="Knda" typeface="Tunga"/>
+        <a:font script="Guru" typeface="Raavi"/>
+        <a:font script="Cans" typeface="Euphemia"/>
+        <a:font script="Cher" typeface="Plantagenet Cherokee"/>
+        <a:font script="Yiii" typeface="Microsoft Yi Baiti"/>
+        <a:font script="Tibt" typeface="Microsoft Himalaya"/>
+        <a:font script="Thaa" typeface="MV Boli"/>
+        <a:font script="Deva" typeface="Mangal"/>
+        <a:font script="Telu" typeface="Gautami"/>
+        <a:font script="Taml" typeface="Latha"/>
+        <a:font script="Syrc" typeface="Estrangelo Edessa"/>
+        <a:font script="Orya" typeface="Kalinga"/>
+        <a:font script="Mlym" typeface="Kartika"/>
+        <a:font script="Laoo" typeface="DokChampa"/>
+        <a:font script="Sinh" typeface="Iskoola Pota"/>
+        <a:font script="Mong" typeface="Mongolian Baiti"/>
+        <a:font script="Viet" typeface="Times New Roman"/>
+        <a:font script="Uigh" typeface="Microsoft Uighur"/>
+        <a:font script="Geor" typeface="Sylfaen"/>
+        <a:font script="Armn" typeface="Arial"/>
+        <a:font script="Bugi" typeface="Leelawadee UI"/>
+        <a:font script="Bopo" typeface="Microsoft JhengHei"/>
+        <a:font script="Java" typeface="Javanese Text"/>
+        <a:font script="Lisu" typeface="Segoe UI"/>
+        <a:font script="Mymr" typeface="Myanmar Text"/>
+        <a:font script="Nkoo" typeface="Ebrima"/>
+        <a:font script="Olck" typeface="Nirmala UI"/>
+        <a:font script="Osma" typeface="Ebrima"/>
+        <a:font script="Phag" typeface="Phagspa"/>
+        <a:font script="Syrn" typeface="Estrangelo Edessa"/>
+        <a:font script="Syrj" typeface="Estrangelo Edessa"/>
+        <a:font script="Syre" typeface="Estrangelo Edessa"/>
+        <a:font script="Sora" typeface="Nirmala UI"/>
+        <a:font script="Tale" typeface="Microsoft Tai Le"/>
+        <a:font script="Talu" typeface="Microsoft New Tai Lue"/>
+        <a:font script="Tfng" typeface="Ebrima"/>
+      </a:majorFont>
+      <a:minorFont>
+        <a:latin typeface="Calibri" panose="020F0502020204030204"/>
+        <a:ea typeface=""/>
+        <a:cs typeface=""/>
+        <a:font script="Jpan" typeface="游ゴシック"/>
+        <a:font script="Hang" typeface="맑은 고딕"/>
+        <a:font script="Hans" typeface="等线"/>
+        <a:font script="Hant" typeface="新細明體"/>
+        <a:font script="Arab" typeface="Arial"/>
+        <a:font script="Hebr" typeface="Arial"/>
+        <a:font script="Thai" typeface="Cordia New"/>
+        <a:font script="Ethi" typeface="Nyala"/>
+        <a:font script="Beng" typeface="Vrinda"/>
+        <a:font script="Gujr" typeface="Shruti"/>
+        <a:font script="Khmr" typeface="DaunPenh"/>
+        <a:font script="Knda" typeface="Tunga"/>
+        <a:font script="Guru" typeface="Raavi"/>
+        <a:font script="Cans" typeface="Euphemia"/>
+        <a:font script="Cher" typeface="Plantagenet Cherokee"/>
+        <a:font script="Yiii" typeface="Microsoft Yi Baiti"/>
+        <a:font script="Tibt" typeface="Microsoft Himalaya"/>
+        <a:font script="Thaa" typeface="MV Boli"/>
+        <a:font script="Deva" typeface="Mangal"/>
+        <a:font script="Telu" typeface="Gautami"/>
+        <a:font script="Taml" typeface="Latha"/>
+        <a:font script="Syrc" typeface="Estrangelo Edessa"/>
+        <a:font script="Orya" typeface="Kalinga"/>
+        <a:font script="Mlym" typeface="Kartika"/>
+        <a:font script="Laoo" typeface="DokChampa"/>
+        <a:font script="Sinh" typeface="Iskoola Pota"/>
+        <a:font script="Mong" typeface="Mongolian Baiti"/>
+        <a:font script="Viet" typeface="Arial"/>
+        <a:font script="Uigh" typeface="Microsoft Uighur"/>
+        <a:font script="Geor" typeface="Sylfaen"/>
+        <a:font script="Armn" typeface="Arial"/>
+        <a:font script="Bugi" typeface="Leelawadee UI"/>
+        <a:font script="Bopo" typeface="Microsoft JhengHei"/>
+        <a:font script="Java" typeface="Javanese Text"/>
+        <a:font script="Lisu" typeface="Segoe UI"/>
+        <a:font script="Mymr" typeface="Myanmar Text"/>
+        <a:font script="Nkoo" typeface="Ebrima"/>
+        <a:font script="Olck" typeface="Nirmala UI"/>
+        <a:font script="Osma" typeface="Ebrima"/>
+        <a:font script="Phag" typeface="Phagspa"/>
+        <a:font script="Syrn" typeface="Estrangelo Edessa"/>
+        <a:font script="Syrj" typeface="Estrangelo Edessa"/>
+        <a:font script="Syre" typeface="Estrangelo Edessa"/>
+        <a:font script="Sora" typeface="Nirmala UI"/>
+        <a:font script="Tale" typeface="Microsoft Tai Le"/>
+        <a:font script="Talu" typeface="Microsoft New Tai Lue"/>
+        <a:font script="Tfng" typeface="Ebrima"/>
+      </a:minorFont>
+    </a:fontScheme>
+    <a:fmtScheme name="Office">
+      <a:fillStyleLst>
+        <a:solidFill>
+          <a:schemeClr val="phClr"/>
+        </a:solidFill>
+        <a:gradFill rotWithShape="1">
+          <a:gsLst>
+            <a:gs pos="0">
+              <a:schemeClr val="phClr">
+                <a:lumMod val="110000"/>
+                <a:satMod val="105000"/>
+                <a:tint val="67000"/>
+              </a:schemeClr>
+            </a:gs>
+            <a:gs pos="50000">
+              <a:schemeClr val="phClr">
+                <a:lumMod val="105000"/>
+                <a:satMod val="103000"/>
+                <a:tint val="73000"/>
+              </a:schemeClr>
+            </a:gs>
+            <a:gs pos="100000">
+              <a:schemeClr val="phClr">
+                <a:lumMod val="105000"/>
+                <a:satMod val="109000"/>
+                <a:tint val="81000"/>
+              </a:schemeClr>
+            </a:gs>
+          </a:gsLst>
+          <a:lin ang="5400000" scaled="0"/>
+        </a:gradFill>
+        <a:gradFill rotWithShape="1">
+          <a:gsLst>
+            <a:gs pos="0">
+              <a:schemeClr val="phClr">
+                <a:satMod val="103000"/>
+                <a:lumMod val="102000"/>
+                <a:tint val="94000"/>
+              </a:schemeClr>
+            </a:gs>
+            <a:gs pos="50000">
+              <a:schemeClr val="phClr">
+                <a:satMod val="110000"/>
+                <a:lumMod val="100000"/>
+                <a:shade val="100000"/>
+              </a:schemeClr>
+            </a:gs>
+            <a:gs pos="100000">
+              <a:schemeClr val="phClr">
+                <a:lumMod val="99000"/>
+                <a:satMod val="120000"/>
+                <a:shade val="78000"/>
+              </a:schemeClr>
+            </a:gs>
+          </a:gsLst>
+          <a:lin ang="5400000" scaled="0"/>
+        </a:gradFill>
+      </a:fillStyleLst>
+      <a:lnStyleLst>
+        <a:ln w="6350" cap="flat" cmpd="sng" algn="ctr">
+          <a:solidFill>
+            <a:schemeClr val="phClr"/>
+          </a:solidFill>
+          <a:prstDash val="solid"/>
+          <a:miter lim="800000"/>
+        </a:ln>
+        <a:ln w="12700" cap="flat" cmpd="sng" algn="ctr">
+          <a:solidFill>
+            <a:schemeClr val="phClr"/>
+          </a:solidFill>
+          <a:prstDash val="solid"/>
+          <a:miter lim="800000"/>
+        </a:ln>
+        <a:ln w="19050" cap="flat" cmpd="sng" algn="ctr">
+          <a:solidFill>
+            <a:schemeClr val="phClr"/>
+          </a:solidFill>
+          <a:prstDash val="solid"/>
+          <a:miter lim="800000"/>
+        </a:ln>
+      </a:lnStyleLst>
+      <a:effectStyleLst>
+        <a:effectStyle>
+          <a:effectLst/>
+        </a:effectStyle>
+        <a:effectStyle>
+          <a:effectLst/>
+        </a:effectStyle>
+        <a:effectStyle>
+          <a:effectLst>
+            <a:outerShdw blurRad="57150" dist="19050" dir="5400000" algn="ctr" rotWithShape="0">
+              <a:srgbClr val="000000">
+                <a:alpha val="63000"/>
+              </a:srgbClr>
+            </a:outerShdw>
+          </a:effectLst>
+        </a:effectStyle>
+      </a:effectStyleLst>
+      <a:bgFillStyleLst>
+        <a:solidFill>
+          <a:schemeClr val="phClr"/>
+        </a:solidFill>
+        <a:solidFill>
+          <a:schemeClr val="phClr">
+            <a:tint val="95000"/>
+            <a:satMod val="170000"/>
+          </a:schemeClr>
+        </a:solidFill>
+        <a:gradFill rotWithShape="1">
+          <a:gsLst>
+            <a:gs pos="0">
+              <a:schemeClr val="phClr">
+                <a:tint val="93000"/>
+                <a:satMod val="150000"/>
+                <a:shade val="98000"/>
+                <a:lumMod val="102000"/>
+              </a:schemeClr>
+            </a:gs>
+            <a:gs pos="50000">
+              <a:schemeClr val="phClr">
+                <a:tint val="98000"/>
+                <a:satMod val="130000"/>
+                <a:shade val="90000"/>
+                <a:lumMod val="103000"/>
+              </a:schemeClr>
+            </a:gs>
+            <a:gs pos="100000">
+              <a:schemeClr val="phClr">
+                <a:shade val="63000"/>
+                <a:satMod val="120000"/>
+              </a:schemeClr>
+            </a:gs>
+          </a:gsLst>
+          <a:lin ang="5400000" scaled="0"/>
+        </a:gradFill>
+      </a:bgFillStyleLst>
+    </a:fmtScheme>
+  </a:themeElements>
+  <a:objectDefaults/>
+  <a:extraClrSchemeLst/>
+  <a:extLst>
+    <a:ext uri="{05A4C25C-085E-4340-85A3-A5531E510DB2}">
+      <thm15:themeFamily xmlns:thm15="http://schemas.microsoft.com/office/thememl/2012/main" name="Office Theme" id="{62F939B6-93AF-4DB8-9C6B-D6C7DFDC589F}" vid="{4A3C46E8-61CC-4603-A589-7422A47A8E4A}"/>
+    </a:ext>
+  </a:extLst>
+</a:theme>
 </file>